--- a/rror_workshop.pptx
+++ b/rror_workshop.pptx
@@ -5,10 +5,10 @@
     <p:sldMasterId id="2147483648" r:id="rId1"/>
   </p:sldMasterIdLst>
   <p:notesMasterIdLst>
-    <p:notesMasterId r:id="rId12"/>
+    <p:notesMasterId r:id="rId15"/>
   </p:notesMasterIdLst>
   <p:handoutMasterIdLst>
-    <p:handoutMasterId r:id="rId13"/>
+    <p:handoutMasterId r:id="rId16"/>
   </p:handoutMasterIdLst>
   <p:sldIdLst>
     <p:sldId id="256" r:id="rId2"/>
@@ -21,6 +21,9 @@
     <p:sldId id="361" r:id="rId9"/>
     <p:sldId id="362" r:id="rId10"/>
     <p:sldId id="363" r:id="rId11"/>
+    <p:sldId id="364" r:id="rId12"/>
+    <p:sldId id="365" r:id="rId13"/>
+    <p:sldId id="366" r:id="rId14"/>
   </p:sldIdLst>
   <p:sldSz cx="9144000" cy="5143500" type="screen16x9"/>
   <p:notesSz cx="6858000" cy="9144000"/>
@@ -205,7 +208,7 @@
             <a:fld id="{B8456A54-2605-A247-81D8-41E2D367714D}" type="datetimeFigureOut">
               <a:rPr lang="de-DE" smtClean="0"/>
               <a:pPr/>
-              <a:t>21.10.2015</a:t>
+              <a:t>23/10/15</a:t>
             </a:fld>
             <a:endParaRPr lang="de-DE"/>
           </a:p>
@@ -281,7 +284,7 @@
     </p:spTree>
     <p:extLst>
       <p:ext uri="{BB962C8B-B14F-4D97-AF65-F5344CB8AC3E}">
-        <p14:creationId xmlns:p14="http://schemas.microsoft.com/office/powerpoint/2010/main" xmlns="" val="2847612886"/>
+        <p14:creationId xmlns:p14="http://schemas.microsoft.com/office/powerpoint/2010/main" val="2847612886"/>
       </p:ext>
     </p:extLst>
   </p:cSld>
@@ -373,7 +376,7 @@
             <a:fld id="{A25FBC86-85CC-B34D-BB56-DDE331AAC5E7}" type="datetimeFigureOut">
               <a:rPr lang="de-DE" smtClean="0"/>
               <a:pPr/>
-              <a:t>21.10.2015</a:t>
+              <a:t>23/10/15</a:t>
             </a:fld>
             <a:endParaRPr lang="de-DE"/>
           </a:p>
@@ -542,7 +545,7 @@
     </p:spTree>
     <p:extLst>
       <p:ext uri="{BB962C8B-B14F-4D97-AF65-F5344CB8AC3E}">
-        <p14:creationId xmlns:p14="http://schemas.microsoft.com/office/powerpoint/2010/main" xmlns="" val="1913108424"/>
+        <p14:creationId xmlns:p14="http://schemas.microsoft.com/office/powerpoint/2010/main" val="1913108424"/>
       </p:ext>
     </p:extLst>
   </p:cSld>
@@ -914,14 +917,14 @@
     </p:spTree>
     <p:extLst>
       <p:ext uri="{BB962C8B-B14F-4D97-AF65-F5344CB8AC3E}">
-        <p14:creationId xmlns:p14="http://schemas.microsoft.com/office/powerpoint/2010/main" xmlns="" val="3364993212"/>
+        <p14:creationId xmlns:p14="http://schemas.microsoft.com/office/powerpoint/2010/main" val="3364993212"/>
       </p:ext>
     </p:extLst>
   </p:cSld>
   <p:clrMapOvr>
     <a:masterClrMapping/>
   </p:clrMapOvr>
-  <p:transition spd="slow">
+  <p:transition xmlns:p14="http://schemas.microsoft.com/office/powerpoint/2010/main" spd="slow">
     <p:push dir="u"/>
   </p:transition>
 </p:sldLayout>
@@ -1053,7 +1056,7 @@
             <a:fld id="{0B92A9D3-29F9-7448-AE96-EDAD86D49C22}" type="datetime1">
               <a:rPr lang="en-US" smtClean="0"/>
               <a:pPr/>
-              <a:t>10/21/2015</a:t>
+              <a:t>23/10/15</a:t>
             </a:fld>
             <a:endParaRPr lang="de-DE"/>
           </a:p>
@@ -1109,14 +1112,14 @@
     </p:spTree>
     <p:extLst>
       <p:ext uri="{BB962C8B-B14F-4D97-AF65-F5344CB8AC3E}">
-        <p14:creationId xmlns:p14="http://schemas.microsoft.com/office/powerpoint/2010/main" xmlns="" val="195606646"/>
+        <p14:creationId xmlns:p14="http://schemas.microsoft.com/office/powerpoint/2010/main" val="195606646"/>
       </p:ext>
     </p:extLst>
   </p:cSld>
   <p:clrMapOvr>
     <a:masterClrMapping/>
   </p:clrMapOvr>
-  <p:transition spd="slow">
+  <p:transition xmlns:p14="http://schemas.microsoft.com/office/powerpoint/2010/main" spd="slow">
     <p:push dir="u"/>
   </p:transition>
 </p:sldLayout>
@@ -1253,7 +1256,7 @@
             <a:fld id="{DA641C1C-8495-9D4D-8E62-D040A74A825A}" type="datetime1">
               <a:rPr lang="en-US" smtClean="0"/>
               <a:pPr/>
-              <a:t>10/21/2015</a:t>
+              <a:t>23/10/15</a:t>
             </a:fld>
             <a:endParaRPr lang="de-DE"/>
           </a:p>
@@ -1309,14 +1312,14 @@
     </p:spTree>
     <p:extLst>
       <p:ext uri="{BB962C8B-B14F-4D97-AF65-F5344CB8AC3E}">
-        <p14:creationId xmlns:p14="http://schemas.microsoft.com/office/powerpoint/2010/main" xmlns="" val="1796972418"/>
+        <p14:creationId xmlns:p14="http://schemas.microsoft.com/office/powerpoint/2010/main" val="1796972418"/>
       </p:ext>
     </p:extLst>
   </p:cSld>
   <p:clrMapOvr>
     <a:masterClrMapping/>
   </p:clrMapOvr>
-  <p:transition spd="slow">
+  <p:transition xmlns:p14="http://schemas.microsoft.com/office/powerpoint/2010/main" spd="slow">
     <p:push dir="u"/>
   </p:transition>
 </p:sldLayout>
@@ -1526,14 +1529,14 @@
     </p:spTree>
     <p:extLst>
       <p:ext uri="{BB962C8B-B14F-4D97-AF65-F5344CB8AC3E}">
-        <p14:creationId xmlns:p14="http://schemas.microsoft.com/office/powerpoint/2010/main" xmlns="" val="1372489881"/>
+        <p14:creationId xmlns:p14="http://schemas.microsoft.com/office/powerpoint/2010/main" val="1372489881"/>
       </p:ext>
     </p:extLst>
   </p:cSld>
   <p:clrMapOvr>
     <a:masterClrMapping/>
   </p:clrMapOvr>
-  <p:transition spd="slow">
+  <p:transition xmlns:p14="http://schemas.microsoft.com/office/powerpoint/2010/main" spd="slow">
     <p:push dir="u"/>
   </p:transition>
 </p:sldLayout>
@@ -1736,7 +1739,7 @@
             <a:fld id="{410D269C-91C3-1D46-B57E-2C0CC77715C4}" type="datetime1">
               <a:rPr lang="en-US" smtClean="0"/>
               <a:pPr/>
-              <a:t>10/21/2015</a:t>
+              <a:t>23/10/15</a:t>
             </a:fld>
             <a:endParaRPr lang="de-DE"/>
           </a:p>
@@ -1792,14 +1795,14 @@
     </p:spTree>
     <p:extLst>
       <p:ext uri="{BB962C8B-B14F-4D97-AF65-F5344CB8AC3E}">
-        <p14:creationId xmlns:p14="http://schemas.microsoft.com/office/powerpoint/2010/main" xmlns="" val="1910138235"/>
+        <p14:creationId xmlns:p14="http://schemas.microsoft.com/office/powerpoint/2010/main" val="1910138235"/>
       </p:ext>
     </p:extLst>
   </p:cSld>
   <p:clrMapOvr>
     <a:masterClrMapping/>
   </p:clrMapOvr>
-  <p:transition spd="slow">
+  <p:transition xmlns:p14="http://schemas.microsoft.com/office/powerpoint/2010/main" spd="slow">
     <p:push dir="u"/>
   </p:transition>
 </p:sldLayout>
@@ -2049,7 +2052,7 @@
             <a:fld id="{B8BAE581-DD91-8144-857A-B28BB3F521E5}" type="datetime1">
               <a:rPr lang="en-US" smtClean="0"/>
               <a:pPr/>
-              <a:t>10/21/2015</a:t>
+              <a:t>23/10/15</a:t>
             </a:fld>
             <a:endParaRPr lang="de-DE"/>
           </a:p>
@@ -2105,14 +2108,14 @@
     </p:spTree>
     <p:extLst>
       <p:ext uri="{BB962C8B-B14F-4D97-AF65-F5344CB8AC3E}">
-        <p14:creationId xmlns:p14="http://schemas.microsoft.com/office/powerpoint/2010/main" xmlns="" val="1900525510"/>
+        <p14:creationId xmlns:p14="http://schemas.microsoft.com/office/powerpoint/2010/main" val="1900525510"/>
       </p:ext>
     </p:extLst>
   </p:cSld>
   <p:clrMapOvr>
     <a:masterClrMapping/>
   </p:clrMapOvr>
-  <p:transition spd="slow">
+  <p:transition xmlns:p14="http://schemas.microsoft.com/office/powerpoint/2010/main" spd="slow">
     <p:push dir="u"/>
   </p:transition>
 </p:sldLayout>
@@ -2496,7 +2499,7 @@
             <a:fld id="{CF013FFD-805C-E743-81EE-BB7C76DFCF3B}" type="datetime1">
               <a:rPr lang="en-US" smtClean="0"/>
               <a:pPr/>
-              <a:t>10/21/2015</a:t>
+              <a:t>23/10/15</a:t>
             </a:fld>
             <a:endParaRPr lang="de-DE"/>
           </a:p>
@@ -2552,14 +2555,14 @@
     </p:spTree>
     <p:extLst>
       <p:ext uri="{BB962C8B-B14F-4D97-AF65-F5344CB8AC3E}">
-        <p14:creationId xmlns:p14="http://schemas.microsoft.com/office/powerpoint/2010/main" xmlns="" val="3558224841"/>
+        <p14:creationId xmlns:p14="http://schemas.microsoft.com/office/powerpoint/2010/main" val="3558224841"/>
       </p:ext>
     </p:extLst>
   </p:cSld>
   <p:clrMapOvr>
     <a:masterClrMapping/>
   </p:clrMapOvr>
-  <p:transition spd="slow">
+  <p:transition xmlns:p14="http://schemas.microsoft.com/office/powerpoint/2010/main" spd="slow">
     <p:push dir="u"/>
   </p:transition>
 </p:sldLayout>
@@ -2639,7 +2642,7 @@
             <a:fld id="{842A93A0-0DFF-BC43-8DC4-6CAF9B09243D}" type="datetime1">
               <a:rPr lang="en-US" smtClean="0"/>
               <a:pPr/>
-              <a:t>10/21/2015</a:t>
+              <a:t>23/10/15</a:t>
             </a:fld>
             <a:endParaRPr lang="de-DE"/>
           </a:p>
@@ -2695,14 +2698,14 @@
     </p:spTree>
     <p:extLst>
       <p:ext uri="{BB962C8B-B14F-4D97-AF65-F5344CB8AC3E}">
-        <p14:creationId xmlns:p14="http://schemas.microsoft.com/office/powerpoint/2010/main" xmlns="" val="1602554048"/>
+        <p14:creationId xmlns:p14="http://schemas.microsoft.com/office/powerpoint/2010/main" val="1602554048"/>
       </p:ext>
     </p:extLst>
   </p:cSld>
   <p:clrMapOvr>
     <a:masterClrMapping/>
   </p:clrMapOvr>
-  <p:transition spd="slow">
+  <p:transition xmlns:p14="http://schemas.microsoft.com/office/powerpoint/2010/main" spd="slow">
     <p:push dir="u"/>
   </p:transition>
 </p:sldLayout>
@@ -2751,7 +2754,7 @@
             <a:fld id="{61D58FDD-DDC3-A44A-ADF8-CF9561013635}" type="datetime1">
               <a:rPr lang="en-US" smtClean="0"/>
               <a:pPr/>
-              <a:t>10/21/2015</a:t>
+              <a:t>23/10/15</a:t>
             </a:fld>
             <a:endParaRPr lang="de-DE"/>
           </a:p>
@@ -2848,14 +2851,14 @@
     </p:spTree>
     <p:extLst>
       <p:ext uri="{BB962C8B-B14F-4D97-AF65-F5344CB8AC3E}">
-        <p14:creationId xmlns:p14="http://schemas.microsoft.com/office/powerpoint/2010/main" xmlns="" val="3762766689"/>
+        <p14:creationId xmlns:p14="http://schemas.microsoft.com/office/powerpoint/2010/main" val="3762766689"/>
       </p:ext>
     </p:extLst>
   </p:cSld>
   <p:clrMapOvr>
     <a:masterClrMapping/>
   </p:clrMapOvr>
-  <p:transition spd="slow">
+  <p:transition xmlns:p14="http://schemas.microsoft.com/office/powerpoint/2010/main" spd="slow">
     <p:push dir="u"/>
   </p:transition>
 </p:sldLayout>
@@ -3089,7 +3092,7 @@
             <a:fld id="{51099D5E-9155-0E49-9280-C43C1452F59B}" type="datetime1">
               <a:rPr lang="en-US" smtClean="0"/>
               <a:pPr/>
-              <a:t>10/21/2015</a:t>
+              <a:t>23/10/15</a:t>
             </a:fld>
             <a:endParaRPr lang="de-DE"/>
           </a:p>
@@ -3145,14 +3148,14 @@
     </p:spTree>
     <p:extLst>
       <p:ext uri="{BB962C8B-B14F-4D97-AF65-F5344CB8AC3E}">
-        <p14:creationId xmlns:p14="http://schemas.microsoft.com/office/powerpoint/2010/main" xmlns="" val="882683174"/>
+        <p14:creationId xmlns:p14="http://schemas.microsoft.com/office/powerpoint/2010/main" val="882683174"/>
       </p:ext>
     </p:extLst>
   </p:cSld>
   <p:clrMapOvr>
     <a:masterClrMapping/>
   </p:clrMapOvr>
-  <p:transition spd="slow">
+  <p:transition xmlns:p14="http://schemas.microsoft.com/office/powerpoint/2010/main" spd="slow">
     <p:push dir="u"/>
   </p:transition>
 </p:sldLayout>
@@ -3362,7 +3365,7 @@
             <a:fld id="{41D1BAEA-3E92-A241-A10C-5AC932D87E24}" type="datetime1">
               <a:rPr lang="en-US" smtClean="0"/>
               <a:pPr/>
-              <a:t>10/21/2015</a:t>
+              <a:t>23/10/15</a:t>
             </a:fld>
             <a:endParaRPr lang="de-DE"/>
           </a:p>
@@ -3418,14 +3421,14 @@
     </p:spTree>
     <p:extLst>
       <p:ext uri="{BB962C8B-B14F-4D97-AF65-F5344CB8AC3E}">
-        <p14:creationId xmlns:p14="http://schemas.microsoft.com/office/powerpoint/2010/main" xmlns="" val="1759004992"/>
+        <p14:creationId xmlns:p14="http://schemas.microsoft.com/office/powerpoint/2010/main" val="1759004992"/>
       </p:ext>
     </p:extLst>
   </p:cSld>
   <p:clrMapOvr>
     <a:masterClrMapping/>
   </p:clrMapOvr>
-  <p:transition spd="slow">
+  <p:transition xmlns:p14="http://schemas.microsoft.com/office/powerpoint/2010/main" spd="slow">
     <p:push dir="u"/>
   </p:transition>
 </p:sldLayout>
@@ -3718,7 +3721,7 @@
           <a:blip r:embed="rId13" cstate="screen">
             <a:extLst>
               <a:ext uri="{28A0092B-C50C-407E-A947-70E740481C1C}">
-                <a14:useLocalDpi xmlns:a14="http://schemas.microsoft.com/office/drawing/2010/main" xmlns=""/>
+                <a14:useLocalDpi xmlns:a14="http://schemas.microsoft.com/office/drawing/2010/main"/>
               </a:ext>
             </a:extLst>
           </a:blip>
@@ -3739,7 +3742,7 @@
     </p:spTree>
     <p:extLst>
       <p:ext uri="{BB962C8B-B14F-4D97-AF65-F5344CB8AC3E}">
-        <p14:creationId xmlns:p14="http://schemas.microsoft.com/office/powerpoint/2010/main" xmlns="" val="2519202627"/>
+        <p14:creationId xmlns:p14="http://schemas.microsoft.com/office/powerpoint/2010/main" val="2519202627"/>
       </p:ext>
     </p:extLst>
   </p:cSld>
@@ -3757,13 +3760,13 @@
     <p:sldLayoutId id="2147483658" r:id="rId10"/>
     <p:sldLayoutId id="2147483659" r:id="rId11"/>
   </p:sldLayoutIdLst>
-  <p:transition spd="slow">
+  <p:transition xmlns:p14="http://schemas.microsoft.com/office/powerpoint/2010/main" spd="slow">
     <p:push dir="u"/>
   </p:transition>
   <p:timing>
     <p:tnLst>
       <p:par>
-        <p:cTn id="1" dur="indefinite" restart="never" nodeType="tmRoot"/>
+        <p:cTn xmlns:p14="http://schemas.microsoft.com/office/powerpoint/2010/main" id="1" dur="indefinite" restart="never" nodeType="tmRoot"/>
       </p:par>
     </p:tnLst>
   </p:timing>
@@ -4117,7 +4120,7 @@
           <a:blip r:embed="rId2" cstate="screen">
             <a:extLst>
               <a:ext uri="{BEBA8EAE-BF5A-486C-A8C5-ECC9F3942E4B}">
-                <a14:imgProps xmlns:a14="http://schemas.microsoft.com/office/drawing/2010/main" xmlns="">
+                <a14:imgProps xmlns:a14="http://schemas.microsoft.com/office/drawing/2010/main">
                   <a14:imgLayer r:embed="rId3">
                     <a14:imgEffect>
                       <a14:artisticBlur/>
@@ -4126,7 +4129,7 @@
                 </a14:imgProps>
               </a:ext>
               <a:ext uri="{28A0092B-C50C-407E-A947-70E740481C1C}">
-                <a14:useLocalDpi xmlns:a14="http://schemas.microsoft.com/office/drawing/2010/main" xmlns=""/>
+                <a14:useLocalDpi xmlns:a14="http://schemas.microsoft.com/office/drawing/2010/main"/>
               </a:ext>
             </a:extLst>
           </a:blip>
@@ -4347,20 +4350,20 @@
     </p:spTree>
     <p:extLst>
       <p:ext uri="{BB962C8B-B14F-4D97-AF65-F5344CB8AC3E}">
-        <p14:creationId xmlns:p14="http://schemas.microsoft.com/office/powerpoint/2010/main" xmlns="" val="1273292308"/>
+        <p14:creationId xmlns:p14="http://schemas.microsoft.com/office/powerpoint/2010/main" val="1273292308"/>
       </p:ext>
     </p:extLst>
   </p:cSld>
   <p:clrMapOvr>
     <a:masterClrMapping/>
   </p:clrMapOvr>
-  <p:transition spd="slow">
+  <p:transition xmlns:p14="http://schemas.microsoft.com/office/powerpoint/2010/main" spd="slow">
     <p:push dir="u"/>
   </p:transition>
   <p:timing>
     <p:tnLst>
       <p:par>
-        <p:cTn id="1" dur="indefinite" restart="never" nodeType="tmRoot"/>
+        <p:cTn xmlns:p14="http://schemas.microsoft.com/office/powerpoint/2010/main" id="1" dur="indefinite" restart="never" nodeType="tmRoot"/>
       </p:par>
     </p:tnLst>
   </p:timing>
@@ -4935,20 +4938,1317 @@
     </p:spTree>
     <p:extLst>
       <p:ext uri="{BB962C8B-B14F-4D97-AF65-F5344CB8AC3E}">
-        <p14:creationId xmlns:p14="http://schemas.microsoft.com/office/powerpoint/2010/main" xmlns="" val="986839820"/>
+        <p14:creationId xmlns:p14="http://schemas.microsoft.com/office/powerpoint/2010/main" val="986839820"/>
       </p:ext>
     </p:extLst>
   </p:cSld>
   <p:clrMapOvr>
     <a:masterClrMapping/>
   </p:clrMapOvr>
-  <p:transition spd="slow">
+  <p:transition xmlns:p14="http://schemas.microsoft.com/office/powerpoint/2010/main" spd="slow">
     <p:push dir="u"/>
   </p:transition>
   <p:timing>
     <p:tnLst>
       <p:par>
-        <p:cTn id="1" dur="indefinite" restart="never" nodeType="tmRoot"/>
+        <p:cTn xmlns:p14="http://schemas.microsoft.com/office/powerpoint/2010/main" id="1" dur="indefinite" restart="never" nodeType="tmRoot"/>
+      </p:par>
+    </p:tnLst>
+  </p:timing>
+</p:sld>
+</file>
+
+<file path=ppt/slides/slide11.xml><?xml version="1.0" encoding="utf-8"?>
+<p:sld xmlns:a="http://schemas.openxmlformats.org/drawingml/2006/main" xmlns:r="http://schemas.openxmlformats.org/officeDocument/2006/relationships" xmlns:p="http://schemas.openxmlformats.org/presentationml/2006/main">
+  <p:cSld>
+    <p:spTree>
+      <p:nvGrpSpPr>
+        <p:cNvPr id="1" name=""/>
+        <p:cNvGrpSpPr/>
+        <p:nvPr/>
+      </p:nvGrpSpPr>
+      <p:grpSpPr>
+        <a:xfrm>
+          <a:off x="0" y="0"/>
+          <a:ext cx="0" cy="0"/>
+          <a:chOff x="0" y="0"/>
+          <a:chExt cx="0" cy="0"/>
+        </a:xfrm>
+      </p:grpSpPr>
+      <p:sp>
+        <p:nvSpPr>
+          <p:cNvPr id="5" name="Foliennummernplatzhalter 4"/>
+          <p:cNvSpPr>
+            <a:spLocks noGrp="1"/>
+          </p:cNvSpPr>
+          <p:nvPr>
+            <p:ph type="sldNum" sz="quarter" idx="4"/>
+          </p:nvPr>
+        </p:nvSpPr>
+        <p:spPr/>
+        <p:txBody>
+          <a:bodyPr/>
+          <a:lstStyle/>
+          <a:p>
+            <a:fld id="{57FFC010-DE17-2E4F-A3CE-21658994C6EA}" type="slidenum">
+              <a:rPr lang="de-DE" smtClean="0"/>
+              <a:pPr/>
+              <a:t>11</a:t>
+            </a:fld>
+            <a:endParaRPr lang="de-DE" dirty="0"/>
+          </a:p>
+        </p:txBody>
+      </p:sp>
+      <p:sp>
+        <p:nvSpPr>
+          <p:cNvPr id="8" name="Fußzeilenplatzhalter 4"/>
+          <p:cNvSpPr>
+            <a:spLocks noGrp="1"/>
+          </p:cNvSpPr>
+          <p:nvPr>
+            <p:ph type="ftr" sz="quarter" idx="3"/>
+          </p:nvPr>
+        </p:nvSpPr>
+        <p:spPr>
+          <a:xfrm>
+            <a:off x="309780" y="4741147"/>
+            <a:ext cx="5562601" cy="273844"/>
+          </a:xfrm>
+        </p:spPr>
+        <p:txBody>
+          <a:bodyPr/>
+          <a:lstStyle/>
+          <a:p>
+            <a:r>
+              <a:rPr lang="de-DE" dirty="0" err="1" smtClean="0"/>
+              <a:t>appcom</a:t>
+            </a:r>
+            <a:r>
+              <a:rPr lang="de-DE" dirty="0" smtClean="0"/>
+              <a:t> </a:t>
+            </a:r>
+            <a:r>
+              <a:rPr lang="de-DE" dirty="0" err="1" smtClean="0"/>
+              <a:t>interactive</a:t>
+            </a:r>
+            <a:r>
+              <a:rPr lang="de-DE" dirty="0" smtClean="0"/>
+              <a:t> GmbH / </a:t>
+            </a:r>
+            <a:r>
+              <a:rPr lang="de-DE" dirty="0" err="1" smtClean="0"/>
+              <a:t>Erkrather</a:t>
+            </a:r>
+            <a:r>
+              <a:rPr lang="de-DE" dirty="0" smtClean="0"/>
+              <a:t> Str. 228a / 40233 Düsseldorf</a:t>
+            </a:r>
+            <a:endParaRPr lang="de-DE" dirty="0"/>
+          </a:p>
+        </p:txBody>
+      </p:sp>
+      <p:sp>
+        <p:nvSpPr>
+          <p:cNvPr id="7" name="Textfeld 6"/>
+          <p:cNvSpPr txBox="1"/>
+          <p:nvPr/>
+        </p:nvSpPr>
+        <p:spPr>
+          <a:xfrm>
+            <a:off x="309780" y="288521"/>
+            <a:ext cx="1741282" cy="461665"/>
+          </a:xfrm>
+          <a:prstGeom prst="rect">
+            <a:avLst/>
+          </a:prstGeom>
+          <a:noFill/>
+        </p:spPr>
+        <p:txBody>
+          <a:bodyPr wrap="none" rtlCol="0">
+            <a:spAutoFit/>
+          </a:bodyPr>
+          <a:lstStyle/>
+          <a:p>
+            <a:r>
+              <a:rPr lang="de-DE" sz="2400" dirty="0" smtClean="0">
+                <a:solidFill>
+                  <a:schemeClr val="bg1">
+                    <a:lumMod val="50000"/>
+                  </a:schemeClr>
+                </a:solidFill>
+                <a:latin typeface="Titillium Regular"/>
+                <a:cs typeface="Titillium Regular"/>
+              </a:rPr>
+              <a:t>Ruby </a:t>
+            </a:r>
+            <a:r>
+              <a:rPr lang="de-DE" sz="2400" dirty="0" err="1" smtClean="0">
+                <a:solidFill>
+                  <a:schemeClr val="bg1">
+                    <a:lumMod val="50000"/>
+                  </a:schemeClr>
+                </a:solidFill>
+                <a:latin typeface="Titillium Regular"/>
+                <a:cs typeface="Titillium Regular"/>
+              </a:rPr>
+              <a:t>gems</a:t>
+            </a:r>
+            <a:endParaRPr lang="de-DE" sz="2200" dirty="0">
+              <a:solidFill>
+                <a:schemeClr val="tx1">
+                  <a:lumMod val="75000"/>
+                  <a:lumOff val="25000"/>
+                </a:schemeClr>
+              </a:solidFill>
+              <a:latin typeface="Titillium Regular"/>
+              <a:cs typeface="Titillium Regular"/>
+            </a:endParaRPr>
+          </a:p>
+        </p:txBody>
+      </p:sp>
+      <p:sp>
+        <p:nvSpPr>
+          <p:cNvPr id="6" name="Textfeld 5"/>
+          <p:cNvSpPr txBox="1"/>
+          <p:nvPr/>
+        </p:nvSpPr>
+        <p:spPr>
+          <a:xfrm>
+            <a:off x="309780" y="1131590"/>
+            <a:ext cx="7142540" cy="1025922"/>
+          </a:xfrm>
+          <a:prstGeom prst="rect">
+            <a:avLst/>
+          </a:prstGeom>
+          <a:noFill/>
+        </p:spPr>
+        <p:txBody>
+          <a:bodyPr wrap="square" rtlCol="0">
+            <a:spAutoFit/>
+          </a:bodyPr>
+          <a:lstStyle/>
+          <a:p>
+            <a:pPr marL="342900" indent="-342900">
+              <a:spcBef>
+                <a:spcPts val="400"/>
+              </a:spcBef>
+              <a:buFont typeface="Arial" charset="0"/>
+              <a:buChar char="•"/>
+            </a:pPr>
+            <a:r>
+              <a:rPr lang="de-DE" dirty="0" smtClean="0">
+                <a:latin typeface="Titillium Regular"/>
+              </a:rPr>
+              <a:t>Ruby </a:t>
+            </a:r>
+            <a:r>
+              <a:rPr lang="de-DE" dirty="0" err="1" smtClean="0">
+                <a:latin typeface="Titillium Regular"/>
+              </a:rPr>
+              <a:t>gem</a:t>
+            </a:r>
+            <a:r>
+              <a:rPr lang="de-DE" dirty="0" smtClean="0">
+                <a:latin typeface="Titillium Regular"/>
+              </a:rPr>
+              <a:t> </a:t>
+            </a:r>
+            <a:r>
+              <a:rPr lang="de-DE" dirty="0" err="1" smtClean="0">
+                <a:latin typeface="Titillium Regular"/>
+              </a:rPr>
+              <a:t>is</a:t>
+            </a:r>
+            <a:r>
+              <a:rPr lang="de-DE" dirty="0" smtClean="0">
+                <a:latin typeface="Titillium Regular"/>
+              </a:rPr>
+              <a:t> </a:t>
+            </a:r>
+            <a:r>
+              <a:rPr lang="de-DE" dirty="0" err="1" smtClean="0">
+                <a:latin typeface="Titillium Regular"/>
+              </a:rPr>
+              <a:t>basically</a:t>
+            </a:r>
+            <a:r>
+              <a:rPr lang="de-DE" dirty="0" smtClean="0">
+                <a:latin typeface="Titillium Regular"/>
+              </a:rPr>
+              <a:t> a </a:t>
+            </a:r>
+            <a:r>
+              <a:rPr lang="de-DE" dirty="0" err="1" smtClean="0">
+                <a:latin typeface="Titillium Regular"/>
+              </a:rPr>
+              <a:t>library</a:t>
+            </a:r>
+            <a:endParaRPr lang="de-DE" dirty="0" smtClean="0">
+              <a:latin typeface="Titillium Regular"/>
+            </a:endParaRPr>
+          </a:p>
+          <a:p>
+            <a:pPr marL="342900" indent="-342900">
+              <a:spcBef>
+                <a:spcPts val="400"/>
+              </a:spcBef>
+              <a:buFont typeface="Arial" charset="0"/>
+              <a:buChar char="•"/>
+            </a:pPr>
+            <a:r>
+              <a:rPr lang="de-DE" dirty="0" err="1" smtClean="0">
+                <a:latin typeface="Titillium Regular"/>
+              </a:rPr>
+              <a:t>Has</a:t>
+            </a:r>
+            <a:r>
+              <a:rPr lang="de-DE" dirty="0" smtClean="0">
+                <a:latin typeface="Titillium Regular"/>
+              </a:rPr>
+              <a:t> </a:t>
+            </a:r>
+            <a:r>
+              <a:rPr lang="de-DE" dirty="0" err="1" smtClean="0">
+                <a:latin typeface="Titillium Regular"/>
+              </a:rPr>
+              <a:t>defined</a:t>
+            </a:r>
+            <a:r>
+              <a:rPr lang="de-DE" dirty="0" smtClean="0">
+                <a:latin typeface="Titillium Regular"/>
+              </a:rPr>
+              <a:t> </a:t>
+            </a:r>
+            <a:r>
+              <a:rPr lang="de-DE" dirty="0" err="1" smtClean="0">
+                <a:latin typeface="Titillium Regular"/>
+              </a:rPr>
+              <a:t>directory</a:t>
+            </a:r>
+            <a:r>
+              <a:rPr lang="de-DE" dirty="0" smtClean="0">
+                <a:latin typeface="Titillium Regular"/>
+              </a:rPr>
+              <a:t> </a:t>
+            </a:r>
+            <a:r>
+              <a:rPr lang="de-DE" dirty="0" err="1" smtClean="0">
+                <a:latin typeface="Titillium Regular"/>
+              </a:rPr>
+              <a:t>structure</a:t>
+            </a:r>
+            <a:endParaRPr lang="de-DE" dirty="0" smtClean="0">
+              <a:latin typeface="Titillium Regular"/>
+            </a:endParaRPr>
+          </a:p>
+          <a:p>
+            <a:pPr marL="342900" indent="-342900">
+              <a:spcBef>
+                <a:spcPts val="400"/>
+              </a:spcBef>
+              <a:buFont typeface="Arial" charset="0"/>
+              <a:buChar char="•"/>
+            </a:pPr>
+            <a:r>
+              <a:rPr lang="de-DE" dirty="0" smtClean="0">
+                <a:latin typeface="Titillium Regular"/>
+              </a:rPr>
+              <a:t>Can </a:t>
+            </a:r>
+            <a:r>
+              <a:rPr lang="de-DE" dirty="0" err="1" smtClean="0">
+                <a:latin typeface="Titillium Regular"/>
+              </a:rPr>
+              <a:t>be</a:t>
+            </a:r>
+            <a:r>
+              <a:rPr lang="de-DE" dirty="0" smtClean="0">
+                <a:latin typeface="Titillium Regular"/>
+              </a:rPr>
+              <a:t> </a:t>
+            </a:r>
+            <a:r>
+              <a:rPr lang="de-DE" dirty="0" err="1" smtClean="0">
+                <a:latin typeface="Titillium Regular"/>
+              </a:rPr>
+              <a:t>build</a:t>
+            </a:r>
+            <a:r>
+              <a:rPr lang="de-DE" dirty="0" smtClean="0">
+                <a:latin typeface="Titillium Regular"/>
+              </a:rPr>
+              <a:t>, </a:t>
+            </a:r>
+            <a:r>
+              <a:rPr lang="de-DE" dirty="0" err="1" smtClean="0">
+                <a:latin typeface="Titillium Regular"/>
+              </a:rPr>
+              <a:t>installed</a:t>
+            </a:r>
+            <a:r>
+              <a:rPr lang="de-DE" dirty="0" smtClean="0">
+                <a:latin typeface="Titillium Regular"/>
+              </a:rPr>
+              <a:t> </a:t>
+            </a:r>
+            <a:r>
+              <a:rPr lang="de-DE" dirty="0" err="1" smtClean="0">
+                <a:latin typeface="Titillium Regular"/>
+              </a:rPr>
+              <a:t>and</a:t>
+            </a:r>
+            <a:r>
+              <a:rPr lang="de-DE" dirty="0" smtClean="0">
+                <a:latin typeface="Titillium Regular"/>
+              </a:rPr>
+              <a:t> </a:t>
+            </a:r>
+            <a:r>
+              <a:rPr lang="de-DE" dirty="0" err="1" smtClean="0">
+                <a:latin typeface="Titillium Regular"/>
+              </a:rPr>
+              <a:t>managed</a:t>
+            </a:r>
+            <a:r>
+              <a:rPr lang="de-DE" dirty="0" smtClean="0">
+                <a:latin typeface="Titillium Regular"/>
+              </a:rPr>
+              <a:t> </a:t>
+            </a:r>
+            <a:r>
+              <a:rPr lang="de-DE" dirty="0" err="1" smtClean="0">
+                <a:latin typeface="Titillium Regular"/>
+              </a:rPr>
+              <a:t>by</a:t>
+            </a:r>
+            <a:r>
+              <a:rPr lang="de-DE" dirty="0" smtClean="0">
+                <a:latin typeface="Titillium Regular"/>
+              </a:rPr>
+              <a:t> </a:t>
+            </a:r>
+            <a:r>
+              <a:rPr lang="de-DE" i="1" dirty="0" err="1" smtClean="0">
+                <a:latin typeface="Titillium Regular"/>
+              </a:rPr>
+              <a:t>gem</a:t>
+            </a:r>
+            <a:endParaRPr lang="de-DE" dirty="0">
+              <a:latin typeface="Titillium Regular"/>
+            </a:endParaRPr>
+          </a:p>
+        </p:txBody>
+      </p:sp>
+      <p:sp>
+        <p:nvSpPr>
+          <p:cNvPr id="9" name="Textfeld 8"/>
+          <p:cNvSpPr txBox="1"/>
+          <p:nvPr/>
+        </p:nvSpPr>
+        <p:spPr>
+          <a:xfrm>
+            <a:off x="309780" y="2483286"/>
+            <a:ext cx="7142540" cy="1528624"/>
+          </a:xfrm>
+          <a:prstGeom prst="rect">
+            <a:avLst/>
+          </a:prstGeom>
+          <a:solidFill>
+            <a:schemeClr val="tx1"/>
+          </a:solidFill>
+        </p:spPr>
+        <p:txBody>
+          <a:bodyPr wrap="square" rtlCol="0">
+            <a:spAutoFit/>
+          </a:bodyPr>
+          <a:lstStyle/>
+          <a:p>
+            <a:pPr marL="342900" indent="-342900">
+              <a:spcBef>
+                <a:spcPts val="400"/>
+              </a:spcBef>
+            </a:pPr>
+            <a:r>
+              <a:rPr lang="de-DE" sz="1600" dirty="0" smtClean="0">
+                <a:solidFill>
+                  <a:schemeClr val="bg1"/>
+                </a:solidFill>
+                <a:latin typeface="Lucida Console" pitchFamily="49" charset="0"/>
+              </a:rPr>
+              <a:t>$ </a:t>
+            </a:r>
+            <a:r>
+              <a:rPr lang="de-DE" sz="1600" dirty="0" err="1" smtClean="0">
+                <a:solidFill>
+                  <a:schemeClr val="bg1"/>
+                </a:solidFill>
+                <a:latin typeface="Lucida Console" pitchFamily="49" charset="0"/>
+              </a:rPr>
+              <a:t>gem</a:t>
+            </a:r>
+            <a:r>
+              <a:rPr lang="de-DE" sz="1600" dirty="0" smtClean="0">
+                <a:solidFill>
+                  <a:schemeClr val="bg1"/>
+                </a:solidFill>
+                <a:latin typeface="Lucida Console" pitchFamily="49" charset="0"/>
+              </a:rPr>
+              <a:t> </a:t>
+            </a:r>
+            <a:r>
+              <a:rPr lang="de-DE" sz="1600" dirty="0" err="1" smtClean="0">
+                <a:solidFill>
+                  <a:schemeClr val="bg1"/>
+                </a:solidFill>
+                <a:latin typeface="Lucida Console" pitchFamily="49" charset="0"/>
+              </a:rPr>
+              <a:t>install</a:t>
+            </a:r>
+            <a:r>
+              <a:rPr lang="de-DE" sz="1600" dirty="0" smtClean="0">
+                <a:solidFill>
+                  <a:schemeClr val="bg1"/>
+                </a:solidFill>
+                <a:latin typeface="Lucida Console" pitchFamily="49" charset="0"/>
+              </a:rPr>
+              <a:t> </a:t>
+            </a:r>
+            <a:r>
+              <a:rPr lang="de-DE" sz="1600" dirty="0" err="1" smtClean="0">
+                <a:solidFill>
+                  <a:schemeClr val="bg1"/>
+                </a:solidFill>
+                <a:latin typeface="Lucida Console" pitchFamily="49" charset="0"/>
+              </a:rPr>
+              <a:t>timecop</a:t>
+            </a:r>
+            <a:endParaRPr lang="de-DE" sz="1600" dirty="0" smtClean="0">
+              <a:solidFill>
+                <a:schemeClr val="bg1"/>
+              </a:solidFill>
+              <a:latin typeface="Lucida Console" pitchFamily="49" charset="0"/>
+            </a:endParaRPr>
+          </a:p>
+          <a:p>
+            <a:pPr marL="342900" indent="-342900">
+              <a:spcBef>
+                <a:spcPts val="400"/>
+              </a:spcBef>
+            </a:pPr>
+            <a:r>
+              <a:rPr lang="de-DE" sz="1600" dirty="0" smtClean="0">
+                <a:solidFill>
+                  <a:schemeClr val="bg1"/>
+                </a:solidFill>
+                <a:latin typeface="Lucida Console" pitchFamily="49" charset="0"/>
+              </a:rPr>
+              <a:t>$ </a:t>
+            </a:r>
+            <a:r>
+              <a:rPr lang="de-DE" sz="1600" dirty="0" err="1" smtClean="0">
+                <a:solidFill>
+                  <a:schemeClr val="bg1"/>
+                </a:solidFill>
+                <a:latin typeface="Lucida Console" pitchFamily="49" charset="0"/>
+              </a:rPr>
+              <a:t>gem</a:t>
+            </a:r>
+            <a:r>
+              <a:rPr lang="de-DE" sz="1600" dirty="0" smtClean="0">
+                <a:solidFill>
+                  <a:schemeClr val="bg1"/>
+                </a:solidFill>
+                <a:latin typeface="Lucida Console" pitchFamily="49" charset="0"/>
+              </a:rPr>
+              <a:t> </a:t>
+            </a:r>
+            <a:r>
+              <a:rPr lang="de-DE" sz="1600" dirty="0" err="1" smtClean="0">
+                <a:solidFill>
+                  <a:schemeClr val="bg1"/>
+                </a:solidFill>
+                <a:latin typeface="Lucida Console" pitchFamily="49" charset="0"/>
+              </a:rPr>
+              <a:t>list</a:t>
+            </a:r>
+            <a:r>
+              <a:rPr lang="de-DE" sz="1600" dirty="0" smtClean="0">
+                <a:solidFill>
+                  <a:schemeClr val="bg1"/>
+                </a:solidFill>
+                <a:latin typeface="Lucida Console" pitchFamily="49" charset="0"/>
+              </a:rPr>
+              <a:t> </a:t>
+            </a:r>
+            <a:r>
+              <a:rPr lang="de-DE" sz="1600" dirty="0" err="1" smtClean="0">
+                <a:solidFill>
+                  <a:schemeClr val="bg1"/>
+                </a:solidFill>
+                <a:latin typeface="Lucida Console" pitchFamily="49" charset="0"/>
+              </a:rPr>
+              <a:t>timecop</a:t>
+            </a:r>
+            <a:endParaRPr lang="de-DE" sz="1600" dirty="0" smtClean="0">
+              <a:solidFill>
+                <a:schemeClr val="bg1"/>
+              </a:solidFill>
+              <a:latin typeface="Lucida Console" pitchFamily="49" charset="0"/>
+            </a:endParaRPr>
+          </a:p>
+          <a:p>
+            <a:pPr marL="342900" indent="-342900">
+              <a:spcBef>
+                <a:spcPts val="400"/>
+              </a:spcBef>
+            </a:pPr>
+            <a:r>
+              <a:rPr lang="de-DE" sz="1600" dirty="0" smtClean="0">
+                <a:solidFill>
+                  <a:schemeClr val="bg1"/>
+                </a:solidFill>
+                <a:latin typeface="Lucida Console" pitchFamily="49" charset="0"/>
+              </a:rPr>
+              <a:t>$ </a:t>
+            </a:r>
+            <a:r>
+              <a:rPr lang="de-DE" sz="1600" dirty="0" err="1" smtClean="0">
+                <a:solidFill>
+                  <a:schemeClr val="bg1"/>
+                </a:solidFill>
+                <a:latin typeface="Lucida Console" pitchFamily="49" charset="0"/>
+              </a:rPr>
+              <a:t>irb</a:t>
+            </a:r>
+            <a:endParaRPr lang="de-DE" sz="1600" dirty="0" smtClean="0">
+              <a:solidFill>
+                <a:schemeClr val="bg1"/>
+              </a:solidFill>
+              <a:latin typeface="Lucida Console" pitchFamily="49" charset="0"/>
+            </a:endParaRPr>
+          </a:p>
+          <a:p>
+            <a:pPr>
+              <a:spcBef>
+                <a:spcPts val="400"/>
+              </a:spcBef>
+            </a:pPr>
+            <a:r>
+              <a:rPr lang="de-DE" sz="1600" dirty="0" smtClean="0">
+                <a:solidFill>
+                  <a:schemeClr val="bg1"/>
+                </a:solidFill>
+                <a:latin typeface="Lucida Console" pitchFamily="49" charset="0"/>
+              </a:rPr>
+              <a:t>&gt; </a:t>
+            </a:r>
+            <a:r>
+              <a:rPr lang="de-DE" sz="1600" dirty="0" err="1" smtClean="0">
+                <a:solidFill>
+                  <a:schemeClr val="bg1"/>
+                </a:solidFill>
+                <a:latin typeface="Lucida Console" pitchFamily="49" charset="0"/>
+              </a:rPr>
+              <a:t>require</a:t>
+            </a:r>
+            <a:r>
+              <a:rPr lang="de-DE" sz="1600" dirty="0" smtClean="0">
+                <a:solidFill>
+                  <a:schemeClr val="bg1"/>
+                </a:solidFill>
+                <a:latin typeface="Lucida Console" pitchFamily="49" charset="0"/>
+              </a:rPr>
+              <a:t> ‘</a:t>
+            </a:r>
+            <a:r>
+              <a:rPr lang="de-DE" sz="1600" dirty="0" err="1">
+                <a:solidFill>
+                  <a:schemeClr val="bg1"/>
+                </a:solidFill>
+                <a:latin typeface="Lucida Console" pitchFamily="49" charset="0"/>
+              </a:rPr>
+              <a:t>timecop</a:t>
+            </a:r>
+            <a:r>
+              <a:rPr lang="de-DE" sz="1600" dirty="0" smtClean="0">
+                <a:solidFill>
+                  <a:schemeClr val="bg1"/>
+                </a:solidFill>
+                <a:latin typeface="Lucida Console" pitchFamily="49" charset="0"/>
+              </a:rPr>
+              <a:t>‘</a:t>
+            </a:r>
+          </a:p>
+          <a:p>
+            <a:pPr>
+              <a:spcBef>
+                <a:spcPts val="400"/>
+              </a:spcBef>
+            </a:pPr>
+            <a:r>
+              <a:rPr lang="de-DE" sz="1600" dirty="0" smtClean="0">
+                <a:solidFill>
+                  <a:schemeClr val="bg1"/>
+                </a:solidFill>
+                <a:latin typeface="Lucida Console" pitchFamily="49" charset="0"/>
+              </a:rPr>
+              <a:t>=&gt; </a:t>
+            </a:r>
+            <a:r>
+              <a:rPr lang="de-DE" sz="1600" dirty="0" err="1" smtClean="0">
+                <a:solidFill>
+                  <a:schemeClr val="bg1"/>
+                </a:solidFill>
+                <a:latin typeface="Lucida Console" pitchFamily="49" charset="0"/>
+              </a:rPr>
+              <a:t>nil</a:t>
+            </a:r>
+            <a:endParaRPr lang="de-DE" sz="1600" dirty="0">
+              <a:solidFill>
+                <a:schemeClr val="bg1"/>
+              </a:solidFill>
+              <a:latin typeface="Lucida Console" pitchFamily="49" charset="0"/>
+            </a:endParaRPr>
+          </a:p>
+        </p:txBody>
+      </p:sp>
+    </p:spTree>
+    <p:extLst>
+      <p:ext uri="{BB962C8B-B14F-4D97-AF65-F5344CB8AC3E}">
+        <p14:creationId xmlns:p14="http://schemas.microsoft.com/office/powerpoint/2010/main" val="282781009"/>
+      </p:ext>
+    </p:extLst>
+  </p:cSld>
+  <p:clrMapOvr>
+    <a:masterClrMapping/>
+  </p:clrMapOvr>
+  <p:transition xmlns:p14="http://schemas.microsoft.com/office/powerpoint/2010/main" spd="slow">
+    <p:push dir="u"/>
+  </p:transition>
+  <p:timing>
+    <p:tnLst>
+      <p:par>
+        <p:cTn xmlns:p14="http://schemas.microsoft.com/office/powerpoint/2010/main" id="1" dur="indefinite" restart="never" nodeType="tmRoot"/>
+      </p:par>
+    </p:tnLst>
+  </p:timing>
+</p:sld>
+</file>
+
+<file path=ppt/slides/slide12.xml><?xml version="1.0" encoding="utf-8"?>
+<p:sld xmlns:a="http://schemas.openxmlformats.org/drawingml/2006/main" xmlns:r="http://schemas.openxmlformats.org/officeDocument/2006/relationships" xmlns:p="http://schemas.openxmlformats.org/presentationml/2006/main">
+  <p:cSld>
+    <p:spTree>
+      <p:nvGrpSpPr>
+        <p:cNvPr id="1" name=""/>
+        <p:cNvGrpSpPr/>
+        <p:nvPr/>
+      </p:nvGrpSpPr>
+      <p:grpSpPr>
+        <a:xfrm>
+          <a:off x="0" y="0"/>
+          <a:ext cx="0" cy="0"/>
+          <a:chOff x="0" y="0"/>
+          <a:chExt cx="0" cy="0"/>
+        </a:xfrm>
+      </p:grpSpPr>
+      <p:sp>
+        <p:nvSpPr>
+          <p:cNvPr id="5" name="Foliennummernplatzhalter 4"/>
+          <p:cNvSpPr>
+            <a:spLocks noGrp="1"/>
+          </p:cNvSpPr>
+          <p:nvPr>
+            <p:ph type="sldNum" sz="quarter" idx="4"/>
+          </p:nvPr>
+        </p:nvSpPr>
+        <p:spPr/>
+        <p:txBody>
+          <a:bodyPr/>
+          <a:lstStyle/>
+          <a:p>
+            <a:fld id="{57FFC010-DE17-2E4F-A3CE-21658994C6EA}" type="slidenum">
+              <a:rPr lang="de-DE" smtClean="0"/>
+              <a:pPr/>
+              <a:t>12</a:t>
+            </a:fld>
+            <a:endParaRPr lang="de-DE" dirty="0"/>
+          </a:p>
+        </p:txBody>
+      </p:sp>
+      <p:sp>
+        <p:nvSpPr>
+          <p:cNvPr id="8" name="Fußzeilenplatzhalter 4"/>
+          <p:cNvSpPr>
+            <a:spLocks noGrp="1"/>
+          </p:cNvSpPr>
+          <p:nvPr>
+            <p:ph type="ftr" sz="quarter" idx="3"/>
+          </p:nvPr>
+        </p:nvSpPr>
+        <p:spPr>
+          <a:xfrm>
+            <a:off x="309780" y="4741147"/>
+            <a:ext cx="5562601" cy="273844"/>
+          </a:xfrm>
+        </p:spPr>
+        <p:txBody>
+          <a:bodyPr/>
+          <a:lstStyle/>
+          <a:p>
+            <a:r>
+              <a:rPr lang="de-DE" dirty="0" err="1" smtClean="0"/>
+              <a:t>appcom</a:t>
+            </a:r>
+            <a:r>
+              <a:rPr lang="de-DE" dirty="0" smtClean="0"/>
+              <a:t> </a:t>
+            </a:r>
+            <a:r>
+              <a:rPr lang="de-DE" dirty="0" err="1" smtClean="0"/>
+              <a:t>interactive</a:t>
+            </a:r>
+            <a:r>
+              <a:rPr lang="de-DE" dirty="0" smtClean="0"/>
+              <a:t> GmbH / </a:t>
+            </a:r>
+            <a:r>
+              <a:rPr lang="de-DE" dirty="0" err="1" smtClean="0"/>
+              <a:t>Erkrather</a:t>
+            </a:r>
+            <a:r>
+              <a:rPr lang="de-DE" dirty="0" smtClean="0"/>
+              <a:t> Str. 228a / 40233 Düsseldorf</a:t>
+            </a:r>
+            <a:endParaRPr lang="de-DE" dirty="0"/>
+          </a:p>
+        </p:txBody>
+      </p:sp>
+      <p:sp>
+        <p:nvSpPr>
+          <p:cNvPr id="7" name="Textfeld 6"/>
+          <p:cNvSpPr txBox="1"/>
+          <p:nvPr/>
+        </p:nvSpPr>
+        <p:spPr>
+          <a:xfrm>
+            <a:off x="309780" y="288521"/>
+            <a:ext cx="3862656" cy="461665"/>
+          </a:xfrm>
+          <a:prstGeom prst="rect">
+            <a:avLst/>
+          </a:prstGeom>
+          <a:noFill/>
+        </p:spPr>
+        <p:txBody>
+          <a:bodyPr wrap="none" rtlCol="0">
+            <a:spAutoFit/>
+          </a:bodyPr>
+          <a:lstStyle/>
+          <a:p>
+            <a:r>
+              <a:rPr lang="de-DE" sz="2400" dirty="0" smtClean="0">
+                <a:solidFill>
+                  <a:schemeClr val="bg1">
+                    <a:lumMod val="50000"/>
+                  </a:schemeClr>
+                </a:solidFill>
+                <a:latin typeface="Titillium Regular"/>
+                <a:cs typeface="Titillium Regular"/>
+              </a:rPr>
+              <a:t>Ruby on </a:t>
+            </a:r>
+            <a:r>
+              <a:rPr lang="de-DE" sz="2400" dirty="0" err="1" smtClean="0">
+                <a:solidFill>
+                  <a:schemeClr val="bg1">
+                    <a:lumMod val="50000"/>
+                  </a:schemeClr>
+                </a:solidFill>
+                <a:latin typeface="Titillium Regular"/>
+                <a:cs typeface="Titillium Regular"/>
+              </a:rPr>
+              <a:t>rails</a:t>
+            </a:r>
+            <a:r>
+              <a:rPr lang="de-DE" sz="2400" dirty="0" smtClean="0">
+                <a:solidFill>
+                  <a:schemeClr val="bg1">
+                    <a:lumMod val="50000"/>
+                  </a:schemeClr>
+                </a:solidFill>
+                <a:latin typeface="Titillium Regular"/>
+                <a:cs typeface="Titillium Regular"/>
+              </a:rPr>
+              <a:t> - </a:t>
+            </a:r>
+            <a:r>
+              <a:rPr lang="de-DE" sz="2400" dirty="0" err="1" smtClean="0">
+                <a:solidFill>
+                  <a:schemeClr val="bg1">
+                    <a:lumMod val="50000"/>
+                  </a:schemeClr>
+                </a:solidFill>
+                <a:latin typeface="Titillium Regular"/>
+                <a:cs typeface="Titillium Regular"/>
+              </a:rPr>
+              <a:t>Introduction</a:t>
+            </a:r>
+            <a:endParaRPr lang="de-DE" sz="2200" dirty="0">
+              <a:solidFill>
+                <a:schemeClr val="tx1">
+                  <a:lumMod val="75000"/>
+                  <a:lumOff val="25000"/>
+                </a:schemeClr>
+              </a:solidFill>
+              <a:latin typeface="Titillium Regular"/>
+              <a:cs typeface="Titillium Regular"/>
+            </a:endParaRPr>
+          </a:p>
+        </p:txBody>
+      </p:sp>
+      <p:sp>
+        <p:nvSpPr>
+          <p:cNvPr id="6" name="Textfeld 5"/>
+          <p:cNvSpPr txBox="1"/>
+          <p:nvPr/>
+        </p:nvSpPr>
+        <p:spPr>
+          <a:xfrm>
+            <a:off x="309780" y="1131590"/>
+            <a:ext cx="7142540" cy="1025922"/>
+          </a:xfrm>
+          <a:prstGeom prst="rect">
+            <a:avLst/>
+          </a:prstGeom>
+          <a:noFill/>
+        </p:spPr>
+        <p:txBody>
+          <a:bodyPr wrap="square" rtlCol="0">
+            <a:spAutoFit/>
+          </a:bodyPr>
+          <a:lstStyle/>
+          <a:p>
+            <a:pPr marL="342900" indent="-342900">
+              <a:spcBef>
+                <a:spcPts val="400"/>
+              </a:spcBef>
+              <a:buFont typeface="Arial" charset="0"/>
+              <a:buChar char="•"/>
+            </a:pPr>
+            <a:r>
+              <a:rPr lang="de-DE" dirty="0" smtClean="0">
+                <a:latin typeface="Titillium Regular"/>
+              </a:rPr>
+              <a:t>Web </a:t>
+            </a:r>
+            <a:r>
+              <a:rPr lang="de-DE" dirty="0" err="1" smtClean="0">
+                <a:latin typeface="Titillium Regular"/>
+              </a:rPr>
+              <a:t>framework</a:t>
+            </a:r>
+            <a:r>
+              <a:rPr lang="de-DE" dirty="0" smtClean="0">
+                <a:latin typeface="Titillium Regular"/>
+              </a:rPr>
+              <a:t> </a:t>
+            </a:r>
+            <a:r>
+              <a:rPr lang="de-DE" dirty="0" err="1" smtClean="0">
+                <a:latin typeface="Titillium Regular"/>
+              </a:rPr>
+              <a:t>for</a:t>
+            </a:r>
+            <a:r>
+              <a:rPr lang="de-DE" dirty="0" smtClean="0">
+                <a:latin typeface="Titillium Regular"/>
+              </a:rPr>
+              <a:t> </a:t>
+            </a:r>
+            <a:r>
+              <a:rPr lang="de-DE" dirty="0" err="1" smtClean="0">
+                <a:latin typeface="Titillium Regular"/>
+              </a:rPr>
+              <a:t>ruby</a:t>
+            </a:r>
+            <a:endParaRPr lang="de-DE" dirty="0" smtClean="0">
+              <a:latin typeface="Titillium Regular"/>
+            </a:endParaRPr>
+          </a:p>
+          <a:p>
+            <a:pPr marL="342900" indent="-342900">
+              <a:spcBef>
+                <a:spcPts val="400"/>
+              </a:spcBef>
+              <a:buFont typeface="Arial" charset="0"/>
+              <a:buChar char="•"/>
+            </a:pPr>
+            <a:r>
+              <a:rPr lang="de-DE" dirty="0" smtClean="0">
+                <a:latin typeface="Titillium Regular"/>
+              </a:rPr>
+              <a:t>First </a:t>
+            </a:r>
+            <a:r>
+              <a:rPr lang="de-DE" dirty="0" err="1" smtClean="0">
+                <a:latin typeface="Titillium Regular"/>
+              </a:rPr>
+              <a:t>release</a:t>
+            </a:r>
+            <a:r>
+              <a:rPr lang="de-DE" dirty="0" smtClean="0">
+                <a:latin typeface="Titillium Regular"/>
+              </a:rPr>
+              <a:t> in 2004 </a:t>
+            </a:r>
+            <a:r>
+              <a:rPr lang="de-DE" dirty="0" err="1" smtClean="0">
+                <a:latin typeface="Titillium Regular"/>
+              </a:rPr>
+              <a:t>by</a:t>
+            </a:r>
+            <a:r>
+              <a:rPr lang="de-DE" dirty="0" smtClean="0">
+                <a:latin typeface="Titillium Regular"/>
+              </a:rPr>
+              <a:t> David Heinemeier Hansson</a:t>
+            </a:r>
+            <a:endParaRPr lang="de-DE" dirty="0">
+              <a:latin typeface="Titillium Regular"/>
+            </a:endParaRPr>
+          </a:p>
+          <a:p>
+            <a:pPr marL="342900" indent="-342900">
+              <a:spcBef>
+                <a:spcPts val="400"/>
+              </a:spcBef>
+              <a:buFont typeface="Arial" charset="0"/>
+              <a:buChar char="•"/>
+            </a:pPr>
+            <a:r>
+              <a:rPr lang="de-DE" dirty="0" err="1" smtClean="0">
+                <a:latin typeface="Titillium Regular"/>
+              </a:rPr>
+              <a:t>Based</a:t>
+            </a:r>
+            <a:r>
+              <a:rPr lang="de-DE" dirty="0" smtClean="0">
+                <a:latin typeface="Titillium Regular"/>
+              </a:rPr>
+              <a:t> on 5A </a:t>
+            </a:r>
+            <a:r>
+              <a:rPr lang="de-DE" dirty="0" err="1" smtClean="0">
+                <a:latin typeface="Titillium Regular"/>
+              </a:rPr>
+              <a:t>modules</a:t>
+            </a:r>
+            <a:endParaRPr lang="de-DE" dirty="0">
+              <a:latin typeface="Titillium Regular"/>
+            </a:endParaRPr>
+          </a:p>
+        </p:txBody>
+      </p:sp>
+      <p:sp>
+        <p:nvSpPr>
+          <p:cNvPr id="2" name="Textfeld 1"/>
+          <p:cNvSpPr txBox="1"/>
+          <p:nvPr/>
+        </p:nvSpPr>
+        <p:spPr>
+          <a:xfrm>
+            <a:off x="431540" y="3219822"/>
+            <a:ext cx="8280920" cy="369332"/>
+          </a:xfrm>
+          <a:prstGeom prst="rect">
+            <a:avLst/>
+          </a:prstGeom>
+          <a:noFill/>
+        </p:spPr>
+        <p:txBody>
+          <a:bodyPr wrap="square" numCol="5" rtlCol="0">
+            <a:spAutoFit/>
+          </a:bodyPr>
+          <a:lstStyle/>
+          <a:p>
+            <a:pPr algn="ctr"/>
+            <a:r>
+              <a:rPr lang="de-DE" dirty="0" err="1" smtClean="0"/>
+              <a:t>Active</a:t>
+            </a:r>
+            <a:r>
+              <a:rPr lang="de-DE" dirty="0" smtClean="0"/>
+              <a:t> Support </a:t>
+            </a:r>
+            <a:r>
+              <a:rPr lang="de-DE" dirty="0" err="1" smtClean="0"/>
+              <a:t>Active</a:t>
+            </a:r>
+            <a:r>
+              <a:rPr lang="de-DE" dirty="0" smtClean="0"/>
+              <a:t> </a:t>
+            </a:r>
+            <a:r>
+              <a:rPr lang="de-DE" dirty="0" err="1" smtClean="0"/>
+              <a:t>Record</a:t>
+            </a:r>
+            <a:r>
+              <a:rPr lang="de-DE" dirty="0" smtClean="0"/>
+              <a:t> Action Pack Action Mailer </a:t>
+            </a:r>
+            <a:r>
+              <a:rPr lang="de-DE" dirty="0" err="1" smtClean="0"/>
+              <a:t>Active</a:t>
+            </a:r>
+            <a:r>
+              <a:rPr lang="de-DE" dirty="0" smtClean="0"/>
+              <a:t> </a:t>
+            </a:r>
+            <a:r>
+              <a:rPr lang="de-DE" dirty="0" err="1" smtClean="0"/>
+              <a:t>Resource</a:t>
+            </a:r>
+            <a:endParaRPr lang="de-DE" dirty="0"/>
+          </a:p>
+        </p:txBody>
+      </p:sp>
+    </p:spTree>
+    <p:extLst>
+      <p:ext uri="{BB962C8B-B14F-4D97-AF65-F5344CB8AC3E}">
+        <p14:creationId xmlns:p14="http://schemas.microsoft.com/office/powerpoint/2010/main" val="312715929"/>
+      </p:ext>
+    </p:extLst>
+  </p:cSld>
+  <p:clrMapOvr>
+    <a:masterClrMapping/>
+  </p:clrMapOvr>
+  <p:transition xmlns:p14="http://schemas.microsoft.com/office/powerpoint/2010/main" spd="slow">
+    <p:push dir="u"/>
+  </p:transition>
+  <p:timing>
+    <p:tnLst>
+      <p:par>
+        <p:cTn xmlns:p14="http://schemas.microsoft.com/office/powerpoint/2010/main" id="1" dur="indefinite" restart="never" nodeType="tmRoot"/>
+      </p:par>
+    </p:tnLst>
+  </p:timing>
+</p:sld>
+</file>
+
+<file path=ppt/slides/slide13.xml><?xml version="1.0" encoding="utf-8"?>
+<p:sld xmlns:a="http://schemas.openxmlformats.org/drawingml/2006/main" xmlns:r="http://schemas.openxmlformats.org/officeDocument/2006/relationships" xmlns:p="http://schemas.openxmlformats.org/presentationml/2006/main">
+  <p:cSld>
+    <p:spTree>
+      <p:nvGrpSpPr>
+        <p:cNvPr id="1" name=""/>
+        <p:cNvGrpSpPr/>
+        <p:nvPr/>
+      </p:nvGrpSpPr>
+      <p:grpSpPr>
+        <a:xfrm>
+          <a:off x="0" y="0"/>
+          <a:ext cx="0" cy="0"/>
+          <a:chOff x="0" y="0"/>
+          <a:chExt cx="0" cy="0"/>
+        </a:xfrm>
+      </p:grpSpPr>
+      <p:sp>
+        <p:nvSpPr>
+          <p:cNvPr id="5" name="Foliennummernplatzhalter 4"/>
+          <p:cNvSpPr>
+            <a:spLocks noGrp="1"/>
+          </p:cNvSpPr>
+          <p:nvPr>
+            <p:ph type="sldNum" sz="quarter" idx="4"/>
+          </p:nvPr>
+        </p:nvSpPr>
+        <p:spPr/>
+        <p:txBody>
+          <a:bodyPr/>
+          <a:lstStyle/>
+          <a:p>
+            <a:fld id="{57FFC010-DE17-2E4F-A3CE-21658994C6EA}" type="slidenum">
+              <a:rPr lang="de-DE" smtClean="0"/>
+              <a:pPr/>
+              <a:t>13</a:t>
+            </a:fld>
+            <a:endParaRPr lang="de-DE" dirty="0"/>
+          </a:p>
+        </p:txBody>
+      </p:sp>
+      <p:sp>
+        <p:nvSpPr>
+          <p:cNvPr id="8" name="Fußzeilenplatzhalter 4"/>
+          <p:cNvSpPr>
+            <a:spLocks noGrp="1"/>
+          </p:cNvSpPr>
+          <p:nvPr>
+            <p:ph type="ftr" sz="quarter" idx="3"/>
+          </p:nvPr>
+        </p:nvSpPr>
+        <p:spPr>
+          <a:xfrm>
+            <a:off x="309780" y="4741147"/>
+            <a:ext cx="5562601" cy="273844"/>
+          </a:xfrm>
+        </p:spPr>
+        <p:txBody>
+          <a:bodyPr/>
+          <a:lstStyle/>
+          <a:p>
+            <a:r>
+              <a:rPr lang="de-DE" dirty="0" err="1" smtClean="0"/>
+              <a:t>appcom</a:t>
+            </a:r>
+            <a:r>
+              <a:rPr lang="de-DE" dirty="0" smtClean="0"/>
+              <a:t> </a:t>
+            </a:r>
+            <a:r>
+              <a:rPr lang="de-DE" dirty="0" err="1" smtClean="0"/>
+              <a:t>interactive</a:t>
+            </a:r>
+            <a:r>
+              <a:rPr lang="de-DE" dirty="0" smtClean="0"/>
+              <a:t> GmbH / </a:t>
+            </a:r>
+            <a:r>
+              <a:rPr lang="de-DE" dirty="0" err="1" smtClean="0"/>
+              <a:t>Erkrather</a:t>
+            </a:r>
+            <a:r>
+              <a:rPr lang="de-DE" dirty="0" smtClean="0"/>
+              <a:t> Str. 228a / 40233 Düsseldorf</a:t>
+            </a:r>
+            <a:endParaRPr lang="de-DE" dirty="0"/>
+          </a:p>
+        </p:txBody>
+      </p:sp>
+      <p:sp>
+        <p:nvSpPr>
+          <p:cNvPr id="7" name="Textfeld 6"/>
+          <p:cNvSpPr txBox="1"/>
+          <p:nvPr/>
+        </p:nvSpPr>
+        <p:spPr>
+          <a:xfrm>
+            <a:off x="309780" y="288521"/>
+            <a:ext cx="3879487" cy="461665"/>
+          </a:xfrm>
+          <a:prstGeom prst="rect">
+            <a:avLst/>
+          </a:prstGeom>
+          <a:noFill/>
+        </p:spPr>
+        <p:txBody>
+          <a:bodyPr wrap="none" rtlCol="0">
+            <a:spAutoFit/>
+          </a:bodyPr>
+          <a:lstStyle/>
+          <a:p>
+            <a:r>
+              <a:rPr lang="de-DE" sz="2400" dirty="0" smtClean="0">
+                <a:solidFill>
+                  <a:schemeClr val="bg1">
+                    <a:lumMod val="50000"/>
+                  </a:schemeClr>
+                </a:solidFill>
+                <a:latin typeface="Titillium Regular"/>
+                <a:cs typeface="Titillium Regular"/>
+              </a:rPr>
+              <a:t>Ruby on </a:t>
+            </a:r>
+            <a:r>
+              <a:rPr lang="de-DE" sz="2400" dirty="0" err="1" smtClean="0">
+                <a:solidFill>
+                  <a:schemeClr val="bg1">
+                    <a:lumMod val="50000"/>
+                  </a:schemeClr>
+                </a:solidFill>
+                <a:latin typeface="Titillium Regular"/>
+                <a:cs typeface="Titillium Regular"/>
+              </a:rPr>
+              <a:t>rails</a:t>
+            </a:r>
+            <a:r>
+              <a:rPr lang="de-DE" sz="2400" dirty="0" smtClean="0">
+                <a:solidFill>
+                  <a:schemeClr val="bg1">
+                    <a:lumMod val="50000"/>
+                  </a:schemeClr>
+                </a:solidFill>
+                <a:latin typeface="Titillium Regular"/>
+                <a:cs typeface="Titillium Regular"/>
+              </a:rPr>
+              <a:t> - </a:t>
+            </a:r>
+            <a:r>
+              <a:rPr lang="de-DE" sz="2400" dirty="0" err="1" smtClean="0">
+                <a:solidFill>
+                  <a:schemeClr val="bg1">
+                    <a:lumMod val="50000"/>
+                  </a:schemeClr>
+                </a:solidFill>
+                <a:latin typeface="Titillium Regular"/>
+                <a:cs typeface="Titillium Regular"/>
+              </a:rPr>
+              <a:t>Architecture</a:t>
+            </a:r>
+            <a:endParaRPr lang="de-DE" sz="2200" dirty="0">
+              <a:solidFill>
+                <a:schemeClr val="tx1">
+                  <a:lumMod val="75000"/>
+                  <a:lumOff val="25000"/>
+                </a:schemeClr>
+              </a:solidFill>
+              <a:latin typeface="Titillium Regular"/>
+              <a:cs typeface="Titillium Regular"/>
+            </a:endParaRPr>
+          </a:p>
+        </p:txBody>
+      </p:sp>
+      <p:pic>
+        <p:nvPicPr>
+          <p:cNvPr id="4" name="Bild 3"/>
+          <p:cNvPicPr>
+            <a:picLocks noChangeAspect="1"/>
+          </p:cNvPicPr>
+          <p:nvPr/>
+        </p:nvPicPr>
+        <p:blipFill>
+          <a:blip r:embed="rId2"/>
+          <a:stretch>
+            <a:fillRect/>
+          </a:stretch>
+        </p:blipFill>
+        <p:spPr>
+          <a:xfrm>
+            <a:off x="827584" y="987574"/>
+            <a:ext cx="5999205" cy="3573297"/>
+          </a:xfrm>
+          <a:prstGeom prst="rect">
+            <a:avLst/>
+          </a:prstGeom>
+        </p:spPr>
+      </p:pic>
+    </p:spTree>
+    <p:extLst>
+      <p:ext uri="{BB962C8B-B14F-4D97-AF65-F5344CB8AC3E}">
+        <p14:creationId xmlns:p14="http://schemas.microsoft.com/office/powerpoint/2010/main" val="4258485710"/>
+      </p:ext>
+    </p:extLst>
+  </p:cSld>
+  <p:clrMapOvr>
+    <a:masterClrMapping/>
+  </p:clrMapOvr>
+  <p:transition xmlns:p14="http://schemas.microsoft.com/office/powerpoint/2010/main" spd="slow">
+    <p:push dir="u"/>
+  </p:transition>
+  <p:timing>
+    <p:tnLst>
+      <p:par>
+        <p:cTn xmlns:p14="http://schemas.microsoft.com/office/powerpoint/2010/main" id="1" dur="indefinite" restart="never" nodeType="tmRoot"/>
       </p:par>
     </p:tnLst>
   </p:timing>
@@ -4984,7 +6284,7 @@
           <a:blip r:embed="rId2" cstate="screen">
             <a:extLst>
               <a:ext uri="{28A0092B-C50C-407E-A947-70E740481C1C}">
-                <a14:useLocalDpi xmlns:a14="http://schemas.microsoft.com/office/drawing/2010/main" xmlns=""/>
+                <a14:useLocalDpi xmlns:a14="http://schemas.microsoft.com/office/drawing/2010/main"/>
               </a:ext>
             </a:extLst>
           </a:blip>
@@ -5057,7 +6357,7 @@
             <a:blip r:embed="rId3">
               <a:extLst>
                 <a:ext uri="{28A0092B-C50C-407E-A947-70E740481C1C}">
-                  <a14:useLocalDpi xmlns:a14="http://schemas.microsoft.com/office/drawing/2010/main" xmlns=""/>
+                  <a14:useLocalDpi xmlns:a14="http://schemas.microsoft.com/office/drawing/2010/main"/>
                 </a:ext>
               </a:extLst>
             </a:blip>
@@ -5087,7 +6387,7 @@
             <a:blip r:embed="rId3" cstate="screen">
               <a:extLst>
                 <a:ext uri="{28A0092B-C50C-407E-A947-70E740481C1C}">
-                  <a14:useLocalDpi xmlns:a14="http://schemas.microsoft.com/office/drawing/2010/main" xmlns=""/>
+                  <a14:useLocalDpi xmlns:a14="http://schemas.microsoft.com/office/drawing/2010/main"/>
                 </a:ext>
               </a:extLst>
             </a:blip>
@@ -5317,20 +6617,20 @@
     </p:spTree>
     <p:extLst>
       <p:ext uri="{BB962C8B-B14F-4D97-AF65-F5344CB8AC3E}">
-        <p14:creationId xmlns:p14="http://schemas.microsoft.com/office/powerpoint/2010/main" xmlns="" val="1268873191"/>
+        <p14:creationId xmlns:p14="http://schemas.microsoft.com/office/powerpoint/2010/main" val="1268873191"/>
       </p:ext>
     </p:extLst>
   </p:cSld>
   <p:clrMapOvr>
     <a:masterClrMapping/>
   </p:clrMapOvr>
-  <mc:AlternateContent xmlns:mc="http://schemas.openxmlformats.org/markup-compatibility/2006">
-    <mc:Choice xmlns:p14="http://schemas.microsoft.com/office/powerpoint/2010/main" xmlns="" Requires="p14">
+  <mc:AlternateContent xmlns:mc="http://schemas.openxmlformats.org/markup-compatibility/2006" xmlns:p14="http://schemas.microsoft.com/office/powerpoint/2010/main">
+    <mc:Choice Requires="p14">
       <p:transition spd="med" p14:dur="700">
         <p:fade/>
       </p:transition>
     </mc:Choice>
-    <mc:Fallback>
+    <mc:Fallback xmlns="">
       <p:transition spd="med">
         <p:fade/>
       </p:transition>
@@ -5339,7 +6639,7 @@
   <p:timing>
     <p:tnLst>
       <p:par>
-        <p:cTn id="1" dur="indefinite" restart="never" nodeType="tmRoot"/>
+        <p:cTn xmlns:p14="http://schemas.microsoft.com/office/powerpoint/2010/main" id="1" dur="indefinite" restart="never" nodeType="tmRoot"/>
       </p:par>
     </p:tnLst>
   </p:timing>
@@ -5491,7 +6791,7 @@
         <p:spPr>
           <a:xfrm>
             <a:off x="309780" y="1131590"/>
-            <a:ext cx="7142540" cy="1682512"/>
+            <a:ext cx="7142540" cy="2339102"/>
           </a:xfrm>
           <a:prstGeom prst="rect">
             <a:avLst/>
@@ -5610,6 +6910,54 @@
               </a:rPr>
               <a:t>Exceptions</a:t>
             </a:r>
+            <a:endParaRPr lang="de-DE" dirty="0" smtClean="0">
+              <a:latin typeface="Titillium Regular"/>
+            </a:endParaRPr>
+          </a:p>
+          <a:p>
+            <a:pPr marL="342900" indent="-342900">
+              <a:spcBef>
+                <a:spcPts val="400"/>
+              </a:spcBef>
+              <a:buFont typeface="+mj-lt"/>
+              <a:buAutoNum type="arabicPeriod"/>
+            </a:pPr>
+            <a:r>
+              <a:rPr lang="de-DE" dirty="0" smtClean="0">
+                <a:latin typeface="Titillium Regular"/>
+              </a:rPr>
+              <a:t>Ruby </a:t>
+            </a:r>
+            <a:r>
+              <a:rPr lang="de-DE" dirty="0" err="1" smtClean="0">
+                <a:latin typeface="Titillium Regular"/>
+              </a:rPr>
+              <a:t>gems</a:t>
+            </a:r>
+            <a:endParaRPr lang="de-DE" dirty="0" smtClean="0">
+              <a:latin typeface="Titillium Regular"/>
+            </a:endParaRPr>
+          </a:p>
+          <a:p>
+            <a:pPr marL="342900" indent="-342900">
+              <a:spcBef>
+                <a:spcPts val="400"/>
+              </a:spcBef>
+              <a:buFont typeface="+mj-lt"/>
+              <a:buAutoNum type="arabicPeriod"/>
+            </a:pPr>
+            <a:r>
+              <a:rPr lang="de-DE" dirty="0" smtClean="0">
+                <a:latin typeface="Titillium Regular"/>
+              </a:rPr>
+              <a:t>Ruby on </a:t>
+            </a:r>
+            <a:r>
+              <a:rPr lang="de-DE" dirty="0" err="1" smtClean="0">
+                <a:latin typeface="Titillium Regular"/>
+              </a:rPr>
+              <a:t>Rails</a:t>
+            </a:r>
             <a:endParaRPr lang="de-DE" dirty="0">
               <a:latin typeface="Titillium Regular"/>
             </a:endParaRPr>
@@ -5619,20 +6967,20 @@
     </p:spTree>
     <p:extLst>
       <p:ext uri="{BB962C8B-B14F-4D97-AF65-F5344CB8AC3E}">
-        <p14:creationId xmlns:p14="http://schemas.microsoft.com/office/powerpoint/2010/main" xmlns="" val="986839820"/>
+        <p14:creationId xmlns:p14="http://schemas.microsoft.com/office/powerpoint/2010/main" val="986839820"/>
       </p:ext>
     </p:extLst>
   </p:cSld>
   <p:clrMapOvr>
     <a:masterClrMapping/>
   </p:clrMapOvr>
-  <p:transition spd="slow">
+  <p:transition xmlns:p14="http://schemas.microsoft.com/office/powerpoint/2010/main" spd="slow">
     <p:push dir="u"/>
   </p:transition>
   <p:timing>
     <p:tnLst>
       <p:par>
-        <p:cTn id="1" dur="indefinite" restart="never" nodeType="tmRoot"/>
+        <p:cTn xmlns:p14="http://schemas.microsoft.com/office/powerpoint/2010/main" id="1" dur="indefinite" restart="never" nodeType="tmRoot"/>
       </p:par>
     </p:tnLst>
   </p:timing>
@@ -6071,20 +7419,20 @@
     </p:spTree>
     <p:extLst>
       <p:ext uri="{BB962C8B-B14F-4D97-AF65-F5344CB8AC3E}">
-        <p14:creationId xmlns:p14="http://schemas.microsoft.com/office/powerpoint/2010/main" xmlns="" val="986839820"/>
+        <p14:creationId xmlns:p14="http://schemas.microsoft.com/office/powerpoint/2010/main" val="986839820"/>
       </p:ext>
     </p:extLst>
   </p:cSld>
   <p:clrMapOvr>
     <a:masterClrMapping/>
   </p:clrMapOvr>
-  <p:transition spd="slow">
+  <p:transition xmlns:p14="http://schemas.microsoft.com/office/powerpoint/2010/main" spd="slow">
     <p:push dir="u"/>
   </p:transition>
   <p:timing>
     <p:tnLst>
       <p:par>
-        <p:cTn id="1" dur="indefinite" restart="never" nodeType="tmRoot"/>
+        <p:cTn xmlns:p14="http://schemas.microsoft.com/office/powerpoint/2010/main" id="1" dur="indefinite" restart="never" nodeType="tmRoot"/>
       </p:par>
     </p:tnLst>
   </p:timing>
@@ -6427,20 +7775,20 @@
     </p:spTree>
     <p:extLst>
       <p:ext uri="{BB962C8B-B14F-4D97-AF65-F5344CB8AC3E}">
-        <p14:creationId xmlns:p14="http://schemas.microsoft.com/office/powerpoint/2010/main" xmlns="" val="986839820"/>
+        <p14:creationId xmlns:p14="http://schemas.microsoft.com/office/powerpoint/2010/main" val="986839820"/>
       </p:ext>
     </p:extLst>
   </p:cSld>
   <p:clrMapOvr>
     <a:masterClrMapping/>
   </p:clrMapOvr>
-  <p:transition spd="slow">
+  <p:transition xmlns:p14="http://schemas.microsoft.com/office/powerpoint/2010/main" spd="slow">
     <p:push dir="u"/>
   </p:transition>
   <p:timing>
     <p:tnLst>
       <p:par>
-        <p:cTn id="1" dur="indefinite" restart="never" nodeType="tmRoot"/>
+        <p:cTn xmlns:p14="http://schemas.microsoft.com/office/powerpoint/2010/main" id="1" dur="indefinite" restart="never" nodeType="tmRoot"/>
       </p:par>
     </p:tnLst>
   </p:timing>
@@ -6568,19 +7916,7 @@
                 <a:latin typeface="Titillium Regular"/>
                 <a:cs typeface="Titillium Regular"/>
               </a:rPr>
-              <a:t>Basics </a:t>
-            </a:r>
-            <a:r>
-              <a:rPr lang="de-DE" sz="2400" dirty="0" smtClean="0">
-                <a:solidFill>
-                  <a:schemeClr val="bg1">
-                    <a:lumMod val="50000"/>
-                  </a:schemeClr>
-                </a:solidFill>
-                <a:latin typeface="Titillium Regular"/>
-                <a:cs typeface="Titillium Regular"/>
-              </a:rPr>
-              <a:t>- Comments</a:t>
+              <a:t>Basics - Comments</a:t>
             </a:r>
             <a:endParaRPr lang="de-DE" sz="2200" dirty="0">
               <a:solidFill>
@@ -7034,20 +8370,20 @@
     </p:spTree>
     <p:extLst>
       <p:ext uri="{BB962C8B-B14F-4D97-AF65-F5344CB8AC3E}">
-        <p14:creationId xmlns:p14="http://schemas.microsoft.com/office/powerpoint/2010/main" xmlns="" val="986839820"/>
+        <p14:creationId xmlns:p14="http://schemas.microsoft.com/office/powerpoint/2010/main" val="986839820"/>
       </p:ext>
     </p:extLst>
   </p:cSld>
   <p:clrMapOvr>
     <a:masterClrMapping/>
   </p:clrMapOvr>
-  <p:transition spd="slow">
+  <p:transition xmlns:p14="http://schemas.microsoft.com/office/powerpoint/2010/main" spd="slow">
     <p:push dir="u"/>
   </p:transition>
   <p:timing>
     <p:tnLst>
       <p:par>
-        <p:cTn id="1" dur="indefinite" restart="never" nodeType="tmRoot"/>
+        <p:cTn xmlns:p14="http://schemas.microsoft.com/office/powerpoint/2010/main" id="1" dur="indefinite" restart="never" nodeType="tmRoot"/>
       </p:par>
     </p:tnLst>
   </p:timing>
@@ -7530,20 +8866,20 @@
     </p:spTree>
     <p:extLst>
       <p:ext uri="{BB962C8B-B14F-4D97-AF65-F5344CB8AC3E}">
-        <p14:creationId xmlns:p14="http://schemas.microsoft.com/office/powerpoint/2010/main" xmlns="" val="986839820"/>
+        <p14:creationId xmlns:p14="http://schemas.microsoft.com/office/powerpoint/2010/main" val="986839820"/>
       </p:ext>
     </p:extLst>
   </p:cSld>
   <p:clrMapOvr>
     <a:masterClrMapping/>
   </p:clrMapOvr>
-  <p:transition spd="slow">
+  <p:transition xmlns:p14="http://schemas.microsoft.com/office/powerpoint/2010/main" spd="slow">
     <p:push dir="u"/>
   </p:transition>
   <p:timing>
     <p:tnLst>
       <p:par>
-        <p:cTn id="1" dur="indefinite" restart="never" nodeType="tmRoot"/>
+        <p:cTn xmlns:p14="http://schemas.microsoft.com/office/powerpoint/2010/main" id="1" dur="indefinite" restart="never" nodeType="tmRoot"/>
       </p:par>
     </p:tnLst>
   </p:timing>
@@ -8248,20 +9584,20 @@
     </p:spTree>
     <p:extLst>
       <p:ext uri="{BB962C8B-B14F-4D97-AF65-F5344CB8AC3E}">
-        <p14:creationId xmlns:p14="http://schemas.microsoft.com/office/powerpoint/2010/main" xmlns="" val="986839820"/>
+        <p14:creationId xmlns:p14="http://schemas.microsoft.com/office/powerpoint/2010/main" val="986839820"/>
       </p:ext>
     </p:extLst>
   </p:cSld>
   <p:clrMapOvr>
     <a:masterClrMapping/>
   </p:clrMapOvr>
-  <p:transition spd="slow">
+  <p:transition xmlns:p14="http://schemas.microsoft.com/office/powerpoint/2010/main" spd="slow">
     <p:push dir="u"/>
   </p:transition>
   <p:timing>
     <p:tnLst>
       <p:par>
-        <p:cTn id="1" dur="indefinite" restart="never" nodeType="tmRoot"/>
+        <p:cTn xmlns:p14="http://schemas.microsoft.com/office/powerpoint/2010/main" id="1" dur="indefinite" restart="never" nodeType="tmRoot"/>
       </p:par>
     </p:tnLst>
   </p:timing>
@@ -8721,9 +10057,6 @@
               </a:rPr>
               <a:t>	</a:t>
             </a:r>
-            <a:endParaRPr lang="de-DE" dirty="0" smtClean="0">
-              <a:latin typeface="Titillium Regular"/>
-            </a:endParaRPr>
           </a:p>
           <a:p>
             <a:pPr marL="342900" indent="-342900">
@@ -8808,20 +10141,20 @@
     </p:spTree>
     <p:extLst>
       <p:ext uri="{BB962C8B-B14F-4D97-AF65-F5344CB8AC3E}">
-        <p14:creationId xmlns:p14="http://schemas.microsoft.com/office/powerpoint/2010/main" xmlns="" val="986839820"/>
+        <p14:creationId xmlns:p14="http://schemas.microsoft.com/office/powerpoint/2010/main" val="986839820"/>
       </p:ext>
     </p:extLst>
   </p:cSld>
   <p:clrMapOvr>
     <a:masterClrMapping/>
   </p:clrMapOvr>
-  <p:transition spd="slow">
+  <p:transition xmlns:p14="http://schemas.microsoft.com/office/powerpoint/2010/main" spd="slow">
     <p:push dir="u"/>
   </p:transition>
   <p:timing>
     <p:tnLst>
       <p:par>
-        <p:cTn id="1" dur="indefinite" restart="never" nodeType="tmRoot"/>
+        <p:cTn xmlns:p14="http://schemas.microsoft.com/office/powerpoint/2010/main" id="1" dur="indefinite" restart="never" nodeType="tmRoot"/>
       </p:par>
     </p:tnLst>
   </p:timing>

--- a/rror_workshop.pptx
+++ b/rror_workshop.pptx
@@ -5,25 +5,24 @@
     <p:sldMasterId id="2147483648" r:id="rId1"/>
   </p:sldMasterIdLst>
   <p:notesMasterIdLst>
-    <p:notesMasterId r:id="rId15"/>
+    <p:notesMasterId r:id="rId14"/>
   </p:notesMasterIdLst>
   <p:handoutMasterIdLst>
-    <p:handoutMasterId r:id="rId16"/>
+    <p:handoutMasterId r:id="rId15"/>
   </p:handoutMasterIdLst>
   <p:sldIdLst>
     <p:sldId id="256" r:id="rId2"/>
-    <p:sldId id="356" r:id="rId3"/>
-    <p:sldId id="304" r:id="rId4"/>
-    <p:sldId id="357" r:id="rId5"/>
-    <p:sldId id="358" r:id="rId6"/>
-    <p:sldId id="359" r:id="rId7"/>
-    <p:sldId id="360" r:id="rId8"/>
-    <p:sldId id="361" r:id="rId9"/>
-    <p:sldId id="362" r:id="rId10"/>
-    <p:sldId id="363" r:id="rId11"/>
-    <p:sldId id="364" r:id="rId12"/>
-    <p:sldId id="365" r:id="rId13"/>
-    <p:sldId id="366" r:id="rId14"/>
+    <p:sldId id="304" r:id="rId3"/>
+    <p:sldId id="357" r:id="rId4"/>
+    <p:sldId id="358" r:id="rId5"/>
+    <p:sldId id="359" r:id="rId6"/>
+    <p:sldId id="360" r:id="rId7"/>
+    <p:sldId id="361" r:id="rId8"/>
+    <p:sldId id="362" r:id="rId9"/>
+    <p:sldId id="363" r:id="rId10"/>
+    <p:sldId id="364" r:id="rId11"/>
+    <p:sldId id="365" r:id="rId12"/>
+    <p:sldId id="366" r:id="rId13"/>
   </p:sldIdLst>
   <p:sldSz cx="9144000" cy="5143500" type="screen16x9"/>
   <p:notesSz cx="6858000" cy="9144000"/>
@@ -208,7 +207,7 @@
             <a:fld id="{B8456A54-2605-A247-81D8-41E2D367714D}" type="datetimeFigureOut">
               <a:rPr lang="de-DE" smtClean="0"/>
               <a:pPr/>
-              <a:t>23/10/15</a:t>
+              <a:t>24/10/15</a:t>
             </a:fld>
             <a:endParaRPr lang="de-DE"/>
           </a:p>
@@ -376,7 +375,7 @@
             <a:fld id="{A25FBC86-85CC-B34D-BB56-DDE331AAC5E7}" type="datetimeFigureOut">
               <a:rPr lang="de-DE" smtClean="0"/>
               <a:pPr/>
-              <a:t>23/10/15</a:t>
+              <a:t>24/10/15</a:t>
             </a:fld>
             <a:endParaRPr lang="de-DE"/>
           </a:p>
@@ -1056,7 +1055,7 @@
             <a:fld id="{0B92A9D3-29F9-7448-AE96-EDAD86D49C22}" type="datetime1">
               <a:rPr lang="en-US" smtClean="0"/>
               <a:pPr/>
-              <a:t>23/10/15</a:t>
+              <a:t>24/10/15</a:t>
             </a:fld>
             <a:endParaRPr lang="de-DE"/>
           </a:p>
@@ -1256,7 +1255,7 @@
             <a:fld id="{DA641C1C-8495-9D4D-8E62-D040A74A825A}" type="datetime1">
               <a:rPr lang="en-US" smtClean="0"/>
               <a:pPr/>
-              <a:t>23/10/15</a:t>
+              <a:t>24/10/15</a:t>
             </a:fld>
             <a:endParaRPr lang="de-DE"/>
           </a:p>
@@ -1739,7 +1738,7 @@
             <a:fld id="{410D269C-91C3-1D46-B57E-2C0CC77715C4}" type="datetime1">
               <a:rPr lang="en-US" smtClean="0"/>
               <a:pPr/>
-              <a:t>23/10/15</a:t>
+              <a:t>24/10/15</a:t>
             </a:fld>
             <a:endParaRPr lang="de-DE"/>
           </a:p>
@@ -2052,7 +2051,7 @@
             <a:fld id="{B8BAE581-DD91-8144-857A-B28BB3F521E5}" type="datetime1">
               <a:rPr lang="en-US" smtClean="0"/>
               <a:pPr/>
-              <a:t>23/10/15</a:t>
+              <a:t>24/10/15</a:t>
             </a:fld>
             <a:endParaRPr lang="de-DE"/>
           </a:p>
@@ -2499,7 +2498,7 @@
             <a:fld id="{CF013FFD-805C-E743-81EE-BB7C76DFCF3B}" type="datetime1">
               <a:rPr lang="en-US" smtClean="0"/>
               <a:pPr/>
-              <a:t>23/10/15</a:t>
+              <a:t>24/10/15</a:t>
             </a:fld>
             <a:endParaRPr lang="de-DE"/>
           </a:p>
@@ -2642,7 +2641,7 @@
             <a:fld id="{842A93A0-0DFF-BC43-8DC4-6CAF9B09243D}" type="datetime1">
               <a:rPr lang="en-US" smtClean="0"/>
               <a:pPr/>
-              <a:t>23/10/15</a:t>
+              <a:t>24/10/15</a:t>
             </a:fld>
             <a:endParaRPr lang="de-DE"/>
           </a:p>
@@ -2754,7 +2753,7 @@
             <a:fld id="{61D58FDD-DDC3-A44A-ADF8-CF9561013635}" type="datetime1">
               <a:rPr lang="en-US" smtClean="0"/>
               <a:pPr/>
-              <a:t>23/10/15</a:t>
+              <a:t>24/10/15</a:t>
             </a:fld>
             <a:endParaRPr lang="de-DE"/>
           </a:p>
@@ -3092,7 +3091,7 @@
             <a:fld id="{51099D5E-9155-0E49-9280-C43C1452F59B}" type="datetime1">
               <a:rPr lang="en-US" smtClean="0"/>
               <a:pPr/>
-              <a:t>23/10/15</a:t>
+              <a:t>24/10/15</a:t>
             </a:fld>
             <a:endParaRPr lang="de-DE"/>
           </a:p>
@@ -3365,7 +3364,7 @@
             <a:fld id="{41D1BAEA-3E92-A241-A10C-5AC932D87E24}" type="datetime1">
               <a:rPr lang="en-US" smtClean="0"/>
               <a:pPr/>
-              <a:t>23/10/15</a:t>
+              <a:t>24/10/15</a:t>
             </a:fld>
             <a:endParaRPr lang="de-DE"/>
           </a:p>
@@ -4294,11 +4293,18 @@
               </a:lnSpc>
             </a:pPr>
             <a:r>
+              <a:rPr lang="de-DE" sz="3200" dirty="0" smtClean="0">
+                <a:latin typeface="Titillium Regular"/>
+                <a:cs typeface="Titillium Regular"/>
+              </a:rPr>
+              <a:t>Ruby/Ruby on </a:t>
+            </a:r>
+            <a:r>
               <a:rPr lang="de-DE" sz="3200" dirty="0" err="1" smtClean="0">
                 <a:latin typeface="Titillium Regular"/>
                 <a:cs typeface="Titillium Regular"/>
               </a:rPr>
-              <a:t>appcom</a:t>
+              <a:t>Rails</a:t>
             </a:r>
             <a:r>
               <a:rPr lang="de-DE" sz="3200" dirty="0" smtClean="0">
@@ -4334,11 +4340,11 @@
               <a:t> </a:t>
             </a:r>
             <a:r>
-              <a:rPr lang="de-DE" sz="1400" dirty="0" err="1" smtClean="0">
+              <a:rPr lang="de-DE" sz="1400" dirty="0" smtClean="0">
                 <a:latin typeface="Titillium Regular"/>
                 <a:cs typeface="Titillium Regular"/>
               </a:rPr>
-              <a:t>Subtitle</a:t>
+              <a:t>Workshop</a:t>
             </a:r>
             <a:endParaRPr lang="de-DE" sz="1400" dirty="0">
               <a:latin typeface="Titillium Regular"/>
@@ -4468,7 +4474,7 @@
         <p:spPr>
           <a:xfrm>
             <a:off x="309780" y="288521"/>
-            <a:ext cx="2392001" cy="461665"/>
+            <a:ext cx="1741282" cy="461665"/>
           </a:xfrm>
           <a:prstGeom prst="rect">
             <a:avLst/>
@@ -4482,7 +4488,7 @@
           <a:lstStyle/>
           <a:p>
             <a:r>
-              <a:rPr lang="de-DE" sz="2400" smtClean="0">
+              <a:rPr lang="de-DE" sz="2400" dirty="0" smtClean="0">
                 <a:solidFill>
                   <a:schemeClr val="bg1">
                     <a:lumMod val="50000"/>
@@ -4491,10 +4497,10 @@
                 <a:latin typeface="Titillium Regular"/>
                 <a:cs typeface="Titillium Regular"/>
               </a:rPr>
-              <a:t>Basics - </a:t>
-            </a:r>
-            <a:r>
-              <a:rPr lang="de-DE" sz="2400" dirty="0" smtClean="0">
+              <a:t>Ruby </a:t>
+            </a:r>
+            <a:r>
+              <a:rPr lang="de-DE" sz="2400" dirty="0" err="1" smtClean="0">
                 <a:solidFill>
                   <a:schemeClr val="bg1">
                     <a:lumMod val="50000"/>
@@ -4503,7 +4509,7 @@
                 <a:latin typeface="Titillium Regular"/>
                 <a:cs typeface="Titillium Regular"/>
               </a:rPr>
-              <a:t>Symbol</a:t>
+              <a:t>gems</a:t>
             </a:r>
             <a:endParaRPr lang="de-DE" sz="2200" dirty="0">
               <a:solidFill>
@@ -4526,8 +4532,241 @@
         </p:nvSpPr>
         <p:spPr>
           <a:xfrm>
-            <a:off x="251520" y="1131590"/>
-            <a:ext cx="7142540" cy="933589"/>
+            <a:off x="309780" y="1131590"/>
+            <a:ext cx="7142540" cy="1025922"/>
+          </a:xfrm>
+          <a:prstGeom prst="rect">
+            <a:avLst/>
+          </a:prstGeom>
+          <a:noFill/>
+        </p:spPr>
+        <p:txBody>
+          <a:bodyPr wrap="square" rtlCol="0">
+            <a:spAutoFit/>
+          </a:bodyPr>
+          <a:lstStyle/>
+          <a:p>
+            <a:pPr marL="342900" indent="-342900">
+              <a:spcBef>
+                <a:spcPts val="400"/>
+              </a:spcBef>
+              <a:buFont typeface="Arial" charset="0"/>
+              <a:buChar char="•"/>
+            </a:pPr>
+            <a:r>
+              <a:rPr lang="de-DE" dirty="0" smtClean="0">
+                <a:latin typeface="Titillium Regular"/>
+              </a:rPr>
+              <a:t>Ruby </a:t>
+            </a:r>
+            <a:r>
+              <a:rPr lang="de-DE" dirty="0" err="1" smtClean="0">
+                <a:latin typeface="Titillium Regular"/>
+              </a:rPr>
+              <a:t>gem</a:t>
+            </a:r>
+            <a:r>
+              <a:rPr lang="de-DE" dirty="0" smtClean="0">
+                <a:latin typeface="Titillium Regular"/>
+              </a:rPr>
+              <a:t> </a:t>
+            </a:r>
+            <a:r>
+              <a:rPr lang="de-DE" dirty="0" err="1" smtClean="0">
+                <a:latin typeface="Titillium Regular"/>
+              </a:rPr>
+              <a:t>is</a:t>
+            </a:r>
+            <a:r>
+              <a:rPr lang="de-DE" dirty="0" smtClean="0">
+                <a:latin typeface="Titillium Regular"/>
+              </a:rPr>
+              <a:t> </a:t>
+            </a:r>
+            <a:r>
+              <a:rPr lang="de-DE" dirty="0" err="1" smtClean="0">
+                <a:latin typeface="Titillium Regular"/>
+              </a:rPr>
+              <a:t>basically</a:t>
+            </a:r>
+            <a:r>
+              <a:rPr lang="de-DE" dirty="0" smtClean="0">
+                <a:latin typeface="Titillium Regular"/>
+              </a:rPr>
+              <a:t> a </a:t>
+            </a:r>
+            <a:r>
+              <a:rPr lang="de-DE" dirty="0" err="1" smtClean="0">
+                <a:latin typeface="Titillium Regular"/>
+              </a:rPr>
+              <a:t>library</a:t>
+            </a:r>
+            <a:endParaRPr lang="de-DE" dirty="0" smtClean="0">
+              <a:latin typeface="Titillium Regular"/>
+            </a:endParaRPr>
+          </a:p>
+          <a:p>
+            <a:pPr marL="342900" indent="-342900">
+              <a:spcBef>
+                <a:spcPts val="400"/>
+              </a:spcBef>
+              <a:buFont typeface="Arial" charset="0"/>
+              <a:buChar char="•"/>
+            </a:pPr>
+            <a:r>
+              <a:rPr lang="de-DE" dirty="0" err="1" smtClean="0">
+                <a:latin typeface="Titillium Regular"/>
+              </a:rPr>
+              <a:t>Has</a:t>
+            </a:r>
+            <a:r>
+              <a:rPr lang="de-DE" dirty="0" smtClean="0">
+                <a:latin typeface="Titillium Regular"/>
+              </a:rPr>
+              <a:t> </a:t>
+            </a:r>
+            <a:r>
+              <a:rPr lang="de-DE" dirty="0" err="1" smtClean="0">
+                <a:latin typeface="Titillium Regular"/>
+              </a:rPr>
+              <a:t>defined</a:t>
+            </a:r>
+            <a:r>
+              <a:rPr lang="de-DE" dirty="0" smtClean="0">
+                <a:latin typeface="Titillium Regular"/>
+              </a:rPr>
+              <a:t> </a:t>
+            </a:r>
+            <a:r>
+              <a:rPr lang="de-DE" dirty="0" err="1" smtClean="0">
+                <a:latin typeface="Titillium Regular"/>
+              </a:rPr>
+              <a:t>directory</a:t>
+            </a:r>
+            <a:r>
+              <a:rPr lang="de-DE" dirty="0" smtClean="0">
+                <a:latin typeface="Titillium Regular"/>
+              </a:rPr>
+              <a:t> </a:t>
+            </a:r>
+            <a:r>
+              <a:rPr lang="de-DE" dirty="0" err="1" smtClean="0">
+                <a:latin typeface="Titillium Regular"/>
+              </a:rPr>
+              <a:t>structure</a:t>
+            </a:r>
+            <a:endParaRPr lang="de-DE" dirty="0" smtClean="0">
+              <a:latin typeface="Titillium Regular"/>
+            </a:endParaRPr>
+          </a:p>
+          <a:p>
+            <a:pPr marL="342900" indent="-342900">
+              <a:spcBef>
+                <a:spcPts val="400"/>
+              </a:spcBef>
+              <a:buFont typeface="Arial" charset="0"/>
+              <a:buChar char="•"/>
+            </a:pPr>
+            <a:r>
+              <a:rPr lang="de-DE" dirty="0" smtClean="0">
+                <a:latin typeface="Titillium Regular"/>
+              </a:rPr>
+              <a:t>Can </a:t>
+            </a:r>
+            <a:r>
+              <a:rPr lang="de-DE" dirty="0" err="1" smtClean="0">
+                <a:latin typeface="Titillium Regular"/>
+              </a:rPr>
+              <a:t>be</a:t>
+            </a:r>
+            <a:r>
+              <a:rPr lang="de-DE" dirty="0" smtClean="0">
+                <a:latin typeface="Titillium Regular"/>
+              </a:rPr>
+              <a:t> </a:t>
+            </a:r>
+            <a:r>
+              <a:rPr lang="de-DE" dirty="0" err="1" smtClean="0">
+                <a:latin typeface="Titillium Regular"/>
+              </a:rPr>
+              <a:t>build</a:t>
+            </a:r>
+            <a:r>
+              <a:rPr lang="de-DE" dirty="0" smtClean="0">
+                <a:latin typeface="Titillium Regular"/>
+              </a:rPr>
+              <a:t>, </a:t>
+            </a:r>
+            <a:r>
+              <a:rPr lang="de-DE" dirty="0" err="1" smtClean="0">
+                <a:latin typeface="Titillium Regular"/>
+              </a:rPr>
+              <a:t>installed</a:t>
+            </a:r>
+            <a:r>
+              <a:rPr lang="de-DE" dirty="0" smtClean="0">
+                <a:latin typeface="Titillium Regular"/>
+              </a:rPr>
+              <a:t> </a:t>
+            </a:r>
+            <a:r>
+              <a:rPr lang="de-DE" dirty="0" err="1" smtClean="0">
+                <a:latin typeface="Titillium Regular"/>
+              </a:rPr>
+              <a:t>and</a:t>
+            </a:r>
+            <a:r>
+              <a:rPr lang="de-DE" dirty="0" smtClean="0">
+                <a:latin typeface="Titillium Regular"/>
+              </a:rPr>
+              <a:t> </a:t>
+            </a:r>
+            <a:r>
+              <a:rPr lang="de-DE" dirty="0" err="1" smtClean="0">
+                <a:latin typeface="Titillium Regular"/>
+              </a:rPr>
+              <a:t>managed</a:t>
+            </a:r>
+            <a:r>
+              <a:rPr lang="de-DE" dirty="0" smtClean="0">
+                <a:latin typeface="Titillium Regular"/>
+              </a:rPr>
+              <a:t> </a:t>
+            </a:r>
+            <a:r>
+              <a:rPr lang="de-DE" dirty="0" err="1" smtClean="0">
+                <a:latin typeface="Titillium Regular"/>
+              </a:rPr>
+              <a:t>by</a:t>
+            </a:r>
+            <a:r>
+              <a:rPr lang="de-DE" dirty="0" smtClean="0">
+                <a:latin typeface="Titillium Regular"/>
+              </a:rPr>
+              <a:t> </a:t>
+            </a:r>
+            <a:r>
+              <a:rPr lang="de-DE" i="1" dirty="0" err="1" smtClean="0">
+                <a:latin typeface="Titillium Regular"/>
+              </a:rPr>
+              <a:t>gem</a:t>
+            </a:r>
+            <a:endParaRPr lang="de-DE" dirty="0">
+              <a:latin typeface="Titillium Regular"/>
+            </a:endParaRPr>
+          </a:p>
+        </p:txBody>
+      </p:sp>
+      <p:sp>
+        <p:nvSpPr>
+          <p:cNvPr id="9" name="Textfeld 8"/>
+          <p:cNvSpPr txBox="1"/>
+          <p:nvPr/>
+        </p:nvSpPr>
+        <p:spPr>
+          <a:xfrm>
+            <a:off x="309780" y="2483286"/>
+            <a:ext cx="7142540" cy="1528624"/>
           </a:xfrm>
           <a:prstGeom prst="rect">
             <a:avLst/>
@@ -4554,7 +4793,7 @@
                 </a:solidFill>
                 <a:latin typeface="Lucida Console" pitchFamily="49" charset="0"/>
               </a:rPr>
-              <a:t>&gt; :</a:t>
+              <a:t>$ </a:t>
             </a:r>
             <a:r>
               <a:rPr lang="de-DE" sz="1600" dirty="0" err="1" smtClean="0">
@@ -4563,7 +4802,43 @@
                 </a:solidFill>
                 <a:latin typeface="Lucida Console" pitchFamily="49" charset="0"/>
               </a:rPr>
-              <a:t>symbol</a:t>
+              <a:t>gem</a:t>
+            </a:r>
+            <a:r>
+              <a:rPr lang="de-DE" sz="1600" dirty="0" smtClean="0">
+                <a:solidFill>
+                  <a:schemeClr val="bg1"/>
+                </a:solidFill>
+                <a:latin typeface="Lucida Console" pitchFamily="49" charset="0"/>
+              </a:rPr>
+              <a:t> </a:t>
+            </a:r>
+            <a:r>
+              <a:rPr lang="de-DE" sz="1600" dirty="0" err="1" smtClean="0">
+                <a:solidFill>
+                  <a:schemeClr val="bg1"/>
+                </a:solidFill>
+                <a:latin typeface="Lucida Console" pitchFamily="49" charset="0"/>
+              </a:rPr>
+              <a:t>install</a:t>
+            </a:r>
+            <a:r>
+              <a:rPr lang="de-DE" sz="1600" dirty="0" smtClean="0">
+                <a:solidFill>
+                  <a:schemeClr val="bg1"/>
+                </a:solidFill>
+                <a:latin typeface="Lucida Console" pitchFamily="49" charset="0"/>
+              </a:rPr>
+              <a:t> </a:t>
+            </a:r>
+            <a:r>
+              <a:rPr lang="de-DE" sz="1600" dirty="0" err="1" smtClean="0">
+                <a:solidFill>
+                  <a:schemeClr val="bg1"/>
+                </a:solidFill>
+                <a:latin typeface="Lucida Console" pitchFamily="49" charset="0"/>
+              </a:rPr>
+              <a:t>timecop</a:t>
             </a:r>
             <a:endParaRPr lang="de-DE" sz="1600" dirty="0" smtClean="0">
               <a:solidFill>
@@ -4585,7 +4860,7 @@
                 </a:solidFill>
                 <a:latin typeface="Lucida Console" pitchFamily="49" charset="0"/>
               </a:rPr>
-              <a:t>&gt; “</a:t>
+              <a:t>$ </a:t>
             </a:r>
             <a:r>
               <a:rPr lang="de-DE" sz="1600" dirty="0" err="1" smtClean="0">
@@ -4594,7 +4869,7 @@
                 </a:solidFill>
                 <a:latin typeface="Lucida Console" pitchFamily="49" charset="0"/>
               </a:rPr>
-              <a:t>symbol“.object_id</a:t>
+              <a:t>gem</a:t>
             </a:r>
             <a:r>
               <a:rPr lang="de-DE" sz="1600" dirty="0" smtClean="0">
@@ -4603,7 +4878,7 @@
                 </a:solidFill>
                 <a:latin typeface="Lucida Console" pitchFamily="49" charset="0"/>
               </a:rPr>
-              <a:t> # </a:t>
+              <a:t> </a:t>
             </a:r>
             <a:r>
               <a:rPr lang="de-DE" sz="1600" dirty="0" err="1" smtClean="0">
@@ -4612,7 +4887,7 @@
                 </a:solidFill>
                 <a:latin typeface="Lucida Console" pitchFamily="49" charset="0"/>
               </a:rPr>
-              <a:t>some</a:t>
+              <a:t>list</a:t>
             </a:r>
             <a:r>
               <a:rPr lang="de-DE" sz="1600" dirty="0" smtClean="0">
@@ -4621,7 +4896,7 @@
                 </a:solidFill>
                 <a:latin typeface="Lucida Console" pitchFamily="49" charset="0"/>
               </a:rPr>
-              <a:t> variant </a:t>
+              <a:t> </a:t>
             </a:r>
             <a:r>
               <a:rPr lang="de-DE" sz="1600" dirty="0" err="1" smtClean="0">
@@ -4630,7 +4905,7 @@
                 </a:solidFill>
                 <a:latin typeface="Lucida Console" pitchFamily="49" charset="0"/>
               </a:rPr>
-              <a:t>value</a:t>
+              <a:t>timecop</a:t>
             </a:r>
             <a:endParaRPr lang="de-DE" sz="1600" dirty="0" smtClean="0">
               <a:solidFill>
@@ -4652,7 +4927,7 @@
                 </a:solidFill>
                 <a:latin typeface="Lucida Console" pitchFamily="49" charset="0"/>
               </a:rPr>
-              <a:t>&gt; :</a:t>
+              <a:t>$ </a:t>
             </a:r>
             <a:r>
               <a:rPr lang="de-DE" sz="1600" dirty="0" err="1" smtClean="0">
@@ -4661,8 +4936,21 @@
                 </a:solidFill>
                 <a:latin typeface="Lucida Console" pitchFamily="49" charset="0"/>
               </a:rPr>
-              <a:t>symbol.object_id</a:t>
-            </a:r>
+              <a:t>irb</a:t>
+            </a:r>
+            <a:endParaRPr lang="de-DE" sz="1600" dirty="0" smtClean="0">
+              <a:solidFill>
+                <a:schemeClr val="bg1"/>
+              </a:solidFill>
+              <a:latin typeface="Lucida Console" pitchFamily="49" charset="0"/>
+            </a:endParaRPr>
+          </a:p>
+          <a:p>
+            <a:pPr>
+              <a:spcBef>
+                <a:spcPts val="400"/>
+              </a:spcBef>
+            </a:pPr>
             <a:r>
               <a:rPr lang="de-DE" sz="1600" dirty="0" smtClean="0">
                 <a:solidFill>
@@ -4670,7 +4958,7 @@
                 </a:solidFill>
                 <a:latin typeface="Lucida Console" pitchFamily="49" charset="0"/>
               </a:rPr>
-              <a:t> # </a:t>
+              <a:t>&gt; </a:t>
             </a:r>
             <a:r>
               <a:rPr lang="de-DE" sz="1600" dirty="0" err="1" smtClean="0">
@@ -4679,7 +4967,7 @@
                 </a:solidFill>
                 <a:latin typeface="Lucida Console" pitchFamily="49" charset="0"/>
               </a:rPr>
-              <a:t>some</a:t>
+              <a:t>require</a:t>
             </a:r>
             <a:r>
               <a:rPr lang="de-DE" sz="1600" dirty="0" smtClean="0">
@@ -4688,7 +4976,41 @@
                 </a:solidFill>
                 <a:latin typeface="Lucida Console" pitchFamily="49" charset="0"/>
               </a:rPr>
-              <a:t> </a:t>
+              <a:t> ‘</a:t>
+            </a:r>
+            <a:r>
+              <a:rPr lang="de-DE" sz="1600" dirty="0" err="1">
+                <a:solidFill>
+                  <a:schemeClr val="bg1"/>
+                </a:solidFill>
+                <a:latin typeface="Lucida Console" pitchFamily="49" charset="0"/>
+              </a:rPr>
+              <a:t>timecop</a:t>
+            </a:r>
+            <a:r>
+              <a:rPr lang="de-DE" sz="1600" dirty="0" smtClean="0">
+                <a:solidFill>
+                  <a:schemeClr val="bg1"/>
+                </a:solidFill>
+                <a:latin typeface="Lucida Console" pitchFamily="49" charset="0"/>
+              </a:rPr>
+              <a:t>‘</a:t>
+            </a:r>
+          </a:p>
+          <a:p>
+            <a:pPr>
+              <a:spcBef>
+                <a:spcPts val="400"/>
+              </a:spcBef>
+            </a:pPr>
+            <a:r>
+              <a:rPr lang="de-DE" sz="1600" dirty="0" smtClean="0">
+                <a:solidFill>
+                  <a:schemeClr val="bg1"/>
+                </a:solidFill>
+                <a:latin typeface="Lucida Console" pitchFamily="49" charset="0"/>
+              </a:rPr>
+              <a:t>=&gt; </a:t>
             </a:r>
             <a:r>
               <a:rPr lang="de-DE" sz="1600" dirty="0" err="1" smtClean="0">
@@ -4697,25 +5019,7 @@
                 </a:solidFill>
                 <a:latin typeface="Lucida Console" pitchFamily="49" charset="0"/>
               </a:rPr>
-              <a:t>constant</a:t>
-            </a:r>
-            <a:r>
-              <a:rPr lang="de-DE" sz="1600" dirty="0" smtClean="0">
-                <a:solidFill>
-                  <a:schemeClr val="bg1"/>
-                </a:solidFill>
-                <a:latin typeface="Lucida Console" pitchFamily="49" charset="0"/>
-              </a:rPr>
-              <a:t> </a:t>
-            </a:r>
-            <a:r>
-              <a:rPr lang="de-DE" sz="1600" dirty="0" err="1" smtClean="0">
-                <a:solidFill>
-                  <a:schemeClr val="bg1"/>
-                </a:solidFill>
-                <a:latin typeface="Lucida Console" pitchFamily="49" charset="0"/>
-              </a:rPr>
-              <a:t>value</a:t>
+              <a:t>nil</a:t>
             </a:r>
             <a:endParaRPr lang="de-DE" sz="1600" dirty="0">
               <a:solidFill>
@@ -4726,219 +5030,10 @@
           </a:p>
         </p:txBody>
       </p:sp>
-      <p:sp>
-        <p:nvSpPr>
-          <p:cNvPr id="11" name="Textfeld 10"/>
-          <p:cNvSpPr txBox="1"/>
-          <p:nvPr/>
-        </p:nvSpPr>
-        <p:spPr>
-          <a:xfrm>
-            <a:off x="251520" y="2337916"/>
-            <a:ext cx="7142540" cy="1025922"/>
-          </a:xfrm>
-          <a:prstGeom prst="rect">
-            <a:avLst/>
-          </a:prstGeom>
-          <a:noFill/>
-        </p:spPr>
-        <p:txBody>
-          <a:bodyPr wrap="square" rtlCol="0">
-            <a:spAutoFit/>
-          </a:bodyPr>
-          <a:lstStyle/>
-          <a:p>
-            <a:pPr marL="342900" indent="-342900">
-              <a:spcBef>
-                <a:spcPts val="400"/>
-              </a:spcBef>
-              <a:buFont typeface="Arial" charset="0"/>
-              <a:buChar char="•"/>
-            </a:pPr>
-            <a:r>
-              <a:rPr lang="de-DE" dirty="0" smtClean="0">
-                <a:latin typeface="Titillium Regular"/>
-              </a:rPr>
-              <a:t>Symbols </a:t>
-            </a:r>
-            <a:r>
-              <a:rPr lang="de-DE" dirty="0" err="1" smtClean="0">
-                <a:latin typeface="Titillium Regular"/>
-              </a:rPr>
-              <a:t>are</a:t>
-            </a:r>
-            <a:r>
-              <a:rPr lang="de-DE" dirty="0" smtClean="0">
-                <a:latin typeface="Titillium Regular"/>
-              </a:rPr>
-              <a:t> </a:t>
-            </a:r>
-            <a:r>
-              <a:rPr lang="de-DE" dirty="0" err="1" smtClean="0">
-                <a:latin typeface="Titillium Regular"/>
-              </a:rPr>
-              <a:t>unique</a:t>
-            </a:r>
-            <a:r>
-              <a:rPr lang="de-DE" dirty="0" smtClean="0">
-                <a:latin typeface="Titillium Regular"/>
-              </a:rPr>
-              <a:t> </a:t>
-            </a:r>
-            <a:r>
-              <a:rPr lang="de-DE" dirty="0" err="1" smtClean="0">
-                <a:latin typeface="Titillium Regular"/>
-              </a:rPr>
-              <a:t>to</a:t>
-            </a:r>
-            <a:r>
-              <a:rPr lang="de-DE" dirty="0" smtClean="0">
-                <a:latin typeface="Titillium Regular"/>
-              </a:rPr>
-              <a:t> </a:t>
-            </a:r>
-            <a:r>
-              <a:rPr lang="de-DE" dirty="0" err="1" smtClean="0">
-                <a:latin typeface="Titillium Regular"/>
-              </a:rPr>
-              <a:t>ruby</a:t>
-            </a:r>
-            <a:endParaRPr lang="de-DE" dirty="0" smtClean="0">
-              <a:latin typeface="Titillium Regular"/>
-            </a:endParaRPr>
-          </a:p>
-          <a:p>
-            <a:pPr marL="342900" indent="-342900">
-              <a:spcBef>
-                <a:spcPts val="400"/>
-              </a:spcBef>
-              <a:buFont typeface="Arial" charset="0"/>
-              <a:buChar char="•"/>
-            </a:pPr>
-            <a:r>
-              <a:rPr lang="de-DE" dirty="0" smtClean="0">
-                <a:latin typeface="Titillium Regular"/>
-              </a:rPr>
-              <a:t>Share </a:t>
-            </a:r>
-            <a:r>
-              <a:rPr lang="de-DE" dirty="0" err="1" smtClean="0">
-                <a:latin typeface="Titillium Regular"/>
-              </a:rPr>
-              <a:t>the</a:t>
-            </a:r>
-            <a:r>
-              <a:rPr lang="de-DE" dirty="0" smtClean="0">
-                <a:latin typeface="Titillium Regular"/>
-              </a:rPr>
-              <a:t> same </a:t>
-            </a:r>
-            <a:r>
-              <a:rPr lang="de-DE" dirty="0" err="1" smtClean="0">
-                <a:latin typeface="Titillium Regular"/>
-              </a:rPr>
-              <a:t>address</a:t>
-            </a:r>
-            <a:r>
-              <a:rPr lang="de-DE" dirty="0" smtClean="0">
-                <a:latin typeface="Titillium Regular"/>
-              </a:rPr>
-              <a:t> in </a:t>
-            </a:r>
-            <a:r>
-              <a:rPr lang="de-DE" dirty="0" err="1" smtClean="0">
-                <a:latin typeface="Titillium Regular"/>
-              </a:rPr>
-              <a:t>memory</a:t>
-            </a:r>
-            <a:endParaRPr lang="de-DE" dirty="0" smtClean="0">
-              <a:latin typeface="Titillium Regular"/>
-            </a:endParaRPr>
-          </a:p>
-          <a:p>
-            <a:pPr marL="342900" indent="-342900">
-              <a:spcBef>
-                <a:spcPts val="400"/>
-              </a:spcBef>
-              <a:buFont typeface="Arial" charset="0"/>
-              <a:buChar char="•"/>
-            </a:pPr>
-            <a:r>
-              <a:rPr lang="de-DE" dirty="0" err="1" smtClean="0">
-                <a:latin typeface="Titillium Regular"/>
-              </a:rPr>
-              <a:t>Good</a:t>
-            </a:r>
-            <a:r>
-              <a:rPr lang="de-DE" dirty="0" smtClean="0">
-                <a:latin typeface="Titillium Regular"/>
-              </a:rPr>
-              <a:t> </a:t>
-            </a:r>
-            <a:r>
-              <a:rPr lang="de-DE" dirty="0" err="1" smtClean="0">
-                <a:latin typeface="Titillium Regular"/>
-              </a:rPr>
-              <a:t>for</a:t>
-            </a:r>
-            <a:r>
-              <a:rPr lang="de-DE" dirty="0" smtClean="0">
-                <a:latin typeface="Titillium Regular"/>
-              </a:rPr>
-              <a:t> „</a:t>
-            </a:r>
-            <a:r>
-              <a:rPr lang="de-DE" dirty="0" err="1" smtClean="0">
-                <a:latin typeface="Titillium Regular"/>
-              </a:rPr>
-              <a:t>instance-less</a:t>
-            </a:r>
-            <a:r>
-              <a:rPr lang="de-DE" dirty="0" smtClean="0">
-                <a:latin typeface="Titillium Regular"/>
-              </a:rPr>
-              <a:t>“ </a:t>
-            </a:r>
-            <a:r>
-              <a:rPr lang="de-DE" dirty="0" err="1" smtClean="0">
-                <a:latin typeface="Titillium Regular"/>
-              </a:rPr>
-              <a:t>comparison</a:t>
-            </a:r>
-            <a:r>
-              <a:rPr lang="de-DE" dirty="0" smtClean="0">
-                <a:latin typeface="Titillium Regular"/>
-              </a:rPr>
-              <a:t> </a:t>
-            </a:r>
-            <a:r>
-              <a:rPr lang="de-DE" dirty="0" err="1" smtClean="0">
-                <a:latin typeface="Titillium Regular"/>
-              </a:rPr>
-              <a:t>or</a:t>
-            </a:r>
-            <a:r>
-              <a:rPr lang="de-DE" dirty="0" smtClean="0">
-                <a:latin typeface="Titillium Regular"/>
-              </a:rPr>
-              <a:t> </a:t>
-            </a:r>
-            <a:r>
-              <a:rPr lang="de-DE" dirty="0" err="1" smtClean="0">
-                <a:latin typeface="Titillium Regular"/>
-              </a:rPr>
-              <a:t>keys</a:t>
-            </a:r>
-            <a:endParaRPr lang="de-DE" dirty="0">
-              <a:latin typeface="Titillium Regular"/>
-            </a:endParaRPr>
-          </a:p>
-        </p:txBody>
-      </p:sp>
     </p:spTree>
     <p:extLst>
       <p:ext uri="{BB962C8B-B14F-4D97-AF65-F5344CB8AC3E}">
-        <p14:creationId xmlns:p14="http://schemas.microsoft.com/office/powerpoint/2010/main" val="986839820"/>
+        <p14:creationId xmlns:p14="http://schemas.microsoft.com/office/powerpoint/2010/main" val="282781009"/>
       </p:ext>
     </p:extLst>
   </p:cSld>
@@ -5056,7 +5151,7 @@
         <p:spPr>
           <a:xfrm>
             <a:off x="309780" y="288521"/>
-            <a:ext cx="1741282" cy="461665"/>
+            <a:ext cx="3862656" cy="461665"/>
           </a:xfrm>
           <a:prstGeom prst="rect">
             <a:avLst/>
@@ -5079,7 +5174,7 @@
                 <a:latin typeface="Titillium Regular"/>
                 <a:cs typeface="Titillium Regular"/>
               </a:rPr>
-              <a:t>Ruby </a:t>
+              <a:t>Ruby on </a:t>
             </a:r>
             <a:r>
               <a:rPr lang="de-DE" sz="2400" dirty="0" err="1" smtClean="0">
@@ -5091,7 +5186,31 @@
                 <a:latin typeface="Titillium Regular"/>
                 <a:cs typeface="Titillium Regular"/>
               </a:rPr>
-              <a:t>gems</a:t>
+              <a:t>rails</a:t>
+            </a:r>
+            <a:r>
+              <a:rPr lang="de-DE" sz="2400" dirty="0" smtClean="0">
+                <a:solidFill>
+                  <a:schemeClr val="bg1">
+                    <a:lumMod val="50000"/>
+                  </a:schemeClr>
+                </a:solidFill>
+                <a:latin typeface="Titillium Regular"/>
+                <a:cs typeface="Titillium Regular"/>
+              </a:rPr>
+              <a:t> - </a:t>
+            </a:r>
+            <a:r>
+              <a:rPr lang="de-DE" sz="2400" dirty="0" err="1" smtClean="0">
+                <a:solidFill>
+                  <a:schemeClr val="bg1">
+                    <a:lumMod val="50000"/>
+                  </a:schemeClr>
+                </a:solidFill>
+                <a:latin typeface="Titillium Regular"/>
+                <a:cs typeface="Titillium Regular"/>
+              </a:rPr>
+              <a:t>Introduction</a:t>
             </a:r>
             <a:endParaRPr lang="de-DE" sz="2200" dirty="0">
               <a:solidFill>
@@ -5139,13 +5258,13 @@
               <a:rPr lang="de-DE" dirty="0" smtClean="0">
                 <a:latin typeface="Titillium Regular"/>
               </a:rPr>
-              <a:t>Ruby </a:t>
+              <a:t>Web </a:t>
             </a:r>
             <a:r>
               <a:rPr lang="de-DE" dirty="0" err="1" smtClean="0">
                 <a:latin typeface="Titillium Regular"/>
               </a:rPr>
-              <a:t>gem</a:t>
+              <a:t>framework</a:t>
             </a:r>
             <a:r>
               <a:rPr lang="de-DE" dirty="0" smtClean="0">
@@ -5157,7 +5276,7 @@
               <a:rPr lang="de-DE" dirty="0" err="1" smtClean="0">
                 <a:latin typeface="Titillium Regular"/>
               </a:rPr>
-              <a:t>is</a:t>
+              <a:t>for</a:t>
             </a:r>
             <a:r>
               <a:rPr lang="de-DE" dirty="0" smtClean="0">
@@ -5169,19 +5288,7 @@
               <a:rPr lang="de-DE" dirty="0" err="1" smtClean="0">
                 <a:latin typeface="Titillium Regular"/>
               </a:rPr>
-              <a:t>basically</a:t>
-            </a:r>
-            <a:r>
-              <a:rPr lang="de-DE" dirty="0" smtClean="0">
-                <a:latin typeface="Titillium Regular"/>
-              </a:rPr>
-              <a:t> a </a:t>
-            </a:r>
-            <a:r>
-              <a:rPr lang="de-DE" dirty="0" err="1" smtClean="0">
-                <a:latin typeface="Titillium Regular"/>
-              </a:rPr>
-              <a:t>library</a:t>
+              <a:t>ruby</a:t>
             </a:r>
             <a:endParaRPr lang="de-DE" dirty="0" smtClean="0">
               <a:latin typeface="Titillium Regular"/>
@@ -5196,48 +5303,36 @@
               <a:buChar char="•"/>
             </a:pPr>
             <a:r>
+              <a:rPr lang="de-DE" dirty="0" smtClean="0">
+                <a:latin typeface="Titillium Regular"/>
+              </a:rPr>
+              <a:t>First </a:t>
+            </a:r>
+            <a:r>
               <a:rPr lang="de-DE" dirty="0" err="1" smtClean="0">
                 <a:latin typeface="Titillium Regular"/>
               </a:rPr>
-              <a:t>Has</a:t>
+              <a:t>release</a:t>
             </a:r>
             <a:r>
               <a:rPr lang="de-DE" dirty="0" smtClean="0">
                 <a:latin typeface="Titillium Regular"/>
               </a:rPr>
-              <a:t> </a:t>
+              <a:t> in 2004 </a:t>
             </a:r>
             <a:r>
               <a:rPr lang="de-DE" dirty="0" err="1" smtClean="0">
                 <a:latin typeface="Titillium Regular"/>
               </a:rPr>
-              <a:t>defined</a:t>
+              <a:t>by</a:t>
             </a:r>
             <a:r>
               <a:rPr lang="de-DE" dirty="0" smtClean="0">
                 <a:latin typeface="Titillium Regular"/>
               </a:rPr>
-              <a:t> </a:t>
-            </a:r>
-            <a:r>
-              <a:rPr lang="de-DE" dirty="0" err="1" smtClean="0">
-                <a:latin typeface="Titillium Regular"/>
-              </a:rPr>
-              <a:t>directory</a:t>
-            </a:r>
-            <a:r>
-              <a:rPr lang="de-DE" dirty="0" smtClean="0">
-                <a:latin typeface="Titillium Regular"/>
-              </a:rPr>
-              <a:t> </a:t>
-            </a:r>
-            <a:r>
-              <a:rPr lang="de-DE" dirty="0" err="1" smtClean="0">
-                <a:latin typeface="Titillium Regular"/>
-              </a:rPr>
-              <a:t>structure</a:t>
-            </a:r>
-            <a:endParaRPr lang="de-DE" dirty="0" smtClean="0">
+              <a:t> David Heinemeier Hansson</a:t>
+            </a:r>
+            <a:endParaRPr lang="de-DE" dirty="0">
               <a:latin typeface="Titillium Regular"/>
             </a:endParaRPr>
           </a:p>
@@ -5250,88 +5345,22 @@
               <a:buChar char="•"/>
             </a:pPr>
             <a:r>
+              <a:rPr lang="de-DE" dirty="0" err="1" smtClean="0">
+                <a:latin typeface="Titillium Regular"/>
+              </a:rPr>
+              <a:t>Based</a:t>
+            </a:r>
+            <a:r>
               <a:rPr lang="de-DE" dirty="0" smtClean="0">
                 <a:latin typeface="Titillium Regular"/>
               </a:rPr>
-              <a:t>Can </a:t>
+              <a:t> on 5A </a:t>
             </a:r>
             <a:r>
               <a:rPr lang="de-DE" dirty="0" err="1" smtClean="0">
                 <a:latin typeface="Titillium Regular"/>
               </a:rPr>
-              <a:t>be</a:t>
-            </a:r>
-            <a:r>
-              <a:rPr lang="de-DE" dirty="0" smtClean="0">
-                <a:latin typeface="Titillium Regular"/>
-              </a:rPr>
-              <a:t> </a:t>
-            </a:r>
-            <a:r>
-              <a:rPr lang="de-DE" dirty="0" err="1" smtClean="0">
-                <a:latin typeface="Titillium Regular"/>
-              </a:rPr>
-              <a:t>build</a:t>
-            </a:r>
-            <a:r>
-              <a:rPr lang="de-DE" dirty="0" smtClean="0">
-                <a:latin typeface="Titillium Regular"/>
-              </a:rPr>
-              <a:t>, </a:t>
-            </a:r>
-            <a:r>
-              <a:rPr lang="de-DE" dirty="0" err="1" smtClean="0">
-                <a:latin typeface="Titillium Regular"/>
-              </a:rPr>
-              <a:t>installed</a:t>
-            </a:r>
-            <a:r>
-              <a:rPr lang="de-DE" dirty="0" smtClean="0">
-                <a:latin typeface="Titillium Regular"/>
-              </a:rPr>
-              <a:t> </a:t>
-            </a:r>
-            <a:r>
-              <a:rPr lang="de-DE" dirty="0" err="1" smtClean="0">
-                <a:latin typeface="Titillium Regular"/>
-              </a:rPr>
-              <a:t>and</a:t>
-            </a:r>
-            <a:r>
-              <a:rPr lang="de-DE" dirty="0" smtClean="0">
-                <a:latin typeface="Titillium Regular"/>
-              </a:rPr>
-              <a:t> </a:t>
-            </a:r>
-            <a:r>
-              <a:rPr lang="de-DE" dirty="0" err="1" smtClean="0">
-                <a:latin typeface="Titillium Regular"/>
-              </a:rPr>
-              <a:t>managed</a:t>
-            </a:r>
-            <a:r>
-              <a:rPr lang="de-DE" dirty="0" smtClean="0">
-                <a:latin typeface="Titillium Regular"/>
-              </a:rPr>
-              <a:t> </a:t>
-            </a:r>
-            <a:r>
-              <a:rPr lang="de-DE" dirty="0" err="1" smtClean="0">
-                <a:latin typeface="Titillium Regular"/>
-              </a:rPr>
-              <a:t>by</a:t>
-            </a:r>
-            <a:r>
-              <a:rPr lang="de-DE" dirty="0" smtClean="0">
-                <a:latin typeface="Titillium Regular"/>
-              </a:rPr>
-              <a:t> </a:t>
-            </a:r>
-            <a:r>
-              <a:rPr lang="de-DE" i="1" dirty="0" err="1" smtClean="0">
-                <a:latin typeface="Titillium Regular"/>
-              </a:rPr>
-              <a:t>gem</a:t>
+              <a:t>modules</a:t>
             </a:r>
             <a:endParaRPr lang="de-DE" dirty="0">
               <a:latin typeface="Titillium Regular"/>
@@ -5341,281 +5370,71 @@
       </p:sp>
       <p:sp>
         <p:nvSpPr>
-          <p:cNvPr id="9" name="Textfeld 8"/>
+          <p:cNvPr id="2" name="Textfeld 1"/>
           <p:cNvSpPr txBox="1"/>
           <p:nvPr/>
         </p:nvSpPr>
         <p:spPr>
           <a:xfrm>
-            <a:off x="309780" y="2483286"/>
-            <a:ext cx="7142540" cy="1528624"/>
+            <a:off x="431540" y="3219822"/>
+            <a:ext cx="8280920" cy="369332"/>
           </a:xfrm>
           <a:prstGeom prst="rect">
             <a:avLst/>
           </a:prstGeom>
-          <a:solidFill>
-            <a:schemeClr val="tx1"/>
-          </a:solidFill>
+          <a:noFill/>
         </p:spPr>
         <p:txBody>
-          <a:bodyPr wrap="square" rtlCol="0">
+          <a:bodyPr wrap="square" numCol="5" rtlCol="0">
             <a:spAutoFit/>
           </a:bodyPr>
           <a:lstStyle/>
           <a:p>
-            <a:pPr marL="342900" indent="-342900">
-              <a:spcBef>
-                <a:spcPts val="400"/>
-              </a:spcBef>
-            </a:pPr>
-            <a:r>
-              <a:rPr lang="de-DE" sz="1600" dirty="0" smtClean="0">
-                <a:solidFill>
-                  <a:schemeClr val="bg1"/>
-                </a:solidFill>
-                <a:latin typeface="Lucida Console" pitchFamily="49" charset="0"/>
-              </a:rPr>
-              <a:t>$ </a:t>
-            </a:r>
-            <a:r>
-              <a:rPr lang="de-DE" sz="1600" dirty="0" err="1" smtClean="0">
-                <a:solidFill>
-                  <a:schemeClr val="bg1"/>
-                </a:solidFill>
-                <a:latin typeface="Lucida Console" pitchFamily="49" charset="0"/>
-              </a:rPr>
-              <a:t>gem</a:t>
-            </a:r>
-            <a:r>
-              <a:rPr lang="de-DE" sz="1600" dirty="0" smtClean="0">
-                <a:solidFill>
-                  <a:schemeClr val="bg1"/>
-                </a:solidFill>
-                <a:latin typeface="Lucida Console" pitchFamily="49" charset="0"/>
-              </a:rPr>
+            <a:pPr algn="ctr"/>
+            <a:r>
+              <a:rPr lang="de-DE" dirty="0" err="1" smtClean="0"/>
+              <a:t>Active</a:t>
+            </a:r>
+            <a:r>
+              <a:rPr lang="de-DE" dirty="0" smtClean="0"/>
+              <a:t> Support </a:t>
+            </a:r>
+            <a:r>
+              <a:rPr lang="de-DE" dirty="0" err="1" smtClean="0"/>
+              <a:t>Active</a:t>
+            </a:r>
+            <a:r>
+              <a:rPr lang="de-DE" dirty="0" smtClean="0"/>
               <a:t> </a:t>
             </a:r>
             <a:r>
-              <a:rPr lang="de-DE" sz="1600" dirty="0" err="1" smtClean="0">
-                <a:solidFill>
-                  <a:schemeClr val="bg1"/>
-                </a:solidFill>
-                <a:latin typeface="Lucida Console" pitchFamily="49" charset="0"/>
-              </a:rPr>
-              <a:t>install</a:t>
-            </a:r>
-            <a:r>
-              <a:rPr lang="de-DE" sz="1600" dirty="0" smtClean="0">
-                <a:solidFill>
-                  <a:schemeClr val="bg1"/>
-                </a:solidFill>
-                <a:latin typeface="Lucida Console" pitchFamily="49" charset="0"/>
-              </a:rPr>
+              <a:rPr lang="de-DE" dirty="0" err="1" smtClean="0"/>
+              <a:t>Record</a:t>
+            </a:r>
+            <a:r>
+              <a:rPr lang="de-DE" dirty="0" smtClean="0"/>
+              <a:t> Action Pack Action Mailer </a:t>
+            </a:r>
+            <a:r>
+              <a:rPr lang="de-DE" dirty="0" err="1" smtClean="0"/>
+              <a:t>Active</a:t>
+            </a:r>
+            <a:r>
+              <a:rPr lang="de-DE" dirty="0" smtClean="0"/>
               <a:t> </a:t>
             </a:r>
             <a:r>
-              <a:rPr lang="de-DE" sz="1600" dirty="0" err="1" smtClean="0">
-                <a:solidFill>
-                  <a:schemeClr val="bg1"/>
-                </a:solidFill>
-                <a:latin typeface="Lucida Console" pitchFamily="49" charset="0"/>
-              </a:rPr>
-              <a:t>timecop</a:t>
-            </a:r>
-            <a:endParaRPr lang="de-DE" sz="1600" dirty="0" smtClean="0">
-              <a:solidFill>
-                <a:schemeClr val="bg1"/>
-              </a:solidFill>
-              <a:latin typeface="Lucida Console" pitchFamily="49" charset="0"/>
-            </a:endParaRPr>
-          </a:p>
-          <a:p>
-            <a:pPr marL="342900" indent="-342900">
-              <a:spcBef>
-                <a:spcPts val="400"/>
-              </a:spcBef>
-            </a:pPr>
-            <a:r>
-              <a:rPr lang="de-DE" sz="1600" dirty="0" smtClean="0">
-                <a:solidFill>
-                  <a:schemeClr val="bg1"/>
-                </a:solidFill>
-                <a:latin typeface="Lucida Console" pitchFamily="49" charset="0"/>
-              </a:rPr>
-              <a:t>$ </a:t>
-            </a:r>
-            <a:r>
-              <a:rPr lang="de-DE" sz="1600" dirty="0" err="1" smtClean="0">
-                <a:solidFill>
-                  <a:schemeClr val="bg1"/>
-                </a:solidFill>
-                <a:latin typeface="Lucida Console" pitchFamily="49" charset="0"/>
-              </a:rPr>
-              <a:t>gem</a:t>
-            </a:r>
-            <a:r>
-              <a:rPr lang="de-DE" sz="1600" dirty="0" smtClean="0">
-                <a:solidFill>
-                  <a:schemeClr val="bg1"/>
-                </a:solidFill>
-                <a:latin typeface="Lucida Console" pitchFamily="49" charset="0"/>
-              </a:rPr>
-              <a:t> </a:t>
-            </a:r>
-            <a:r>
-              <a:rPr lang="de-DE" sz="1600" dirty="0" err="1" smtClean="0">
-                <a:solidFill>
-                  <a:schemeClr val="bg1"/>
-                </a:solidFill>
-                <a:latin typeface="Lucida Console" pitchFamily="49" charset="0"/>
-              </a:rPr>
-              <a:t>list</a:t>
-            </a:r>
-            <a:r>
-              <a:rPr lang="de-DE" sz="1600" dirty="0" smtClean="0">
-                <a:solidFill>
-                  <a:schemeClr val="bg1"/>
-                </a:solidFill>
-                <a:latin typeface="Lucida Console" pitchFamily="49" charset="0"/>
-              </a:rPr>
-              <a:t> </a:t>
-            </a:r>
-            <a:r>
-              <a:rPr lang="de-DE" sz="1600" dirty="0" err="1" smtClean="0">
-                <a:solidFill>
-                  <a:schemeClr val="bg1"/>
-                </a:solidFill>
-                <a:latin typeface="Lucida Console" pitchFamily="49" charset="0"/>
-              </a:rPr>
-              <a:t>timecop</a:t>
-            </a:r>
-            <a:endParaRPr lang="de-DE" sz="1600" dirty="0" smtClean="0">
-              <a:solidFill>
-                <a:schemeClr val="bg1"/>
-              </a:solidFill>
-              <a:latin typeface="Lucida Console" pitchFamily="49" charset="0"/>
-            </a:endParaRPr>
-          </a:p>
-          <a:p>
-            <a:pPr marL="342900" indent="-342900">
-              <a:spcBef>
-                <a:spcPts val="400"/>
-              </a:spcBef>
-            </a:pPr>
-            <a:r>
-              <a:rPr lang="de-DE" sz="1600" dirty="0" smtClean="0">
-                <a:solidFill>
-                  <a:schemeClr val="bg1"/>
-                </a:solidFill>
-                <a:latin typeface="Lucida Console" pitchFamily="49" charset="0"/>
-              </a:rPr>
-              <a:t>$ </a:t>
-            </a:r>
-            <a:r>
-              <a:rPr lang="de-DE" sz="1600" dirty="0" err="1" smtClean="0">
-                <a:solidFill>
-                  <a:schemeClr val="bg1"/>
-                </a:solidFill>
-                <a:latin typeface="Lucida Console" pitchFamily="49" charset="0"/>
-              </a:rPr>
-              <a:t>irb</a:t>
-            </a:r>
-            <a:endParaRPr lang="de-DE" sz="1600" dirty="0" smtClean="0">
-              <a:solidFill>
-                <a:schemeClr val="bg1"/>
-              </a:solidFill>
-              <a:latin typeface="Lucida Console" pitchFamily="49" charset="0"/>
-            </a:endParaRPr>
-          </a:p>
-          <a:p>
-            <a:pPr>
-              <a:spcBef>
-                <a:spcPts val="400"/>
-              </a:spcBef>
-            </a:pPr>
-            <a:r>
-              <a:rPr lang="de-DE" sz="1600" dirty="0" smtClean="0">
-                <a:solidFill>
-                  <a:schemeClr val="bg1"/>
-                </a:solidFill>
-                <a:latin typeface="Lucida Console" pitchFamily="49" charset="0"/>
-              </a:rPr>
-              <a:t>&gt; </a:t>
-            </a:r>
-            <a:r>
-              <a:rPr lang="de-DE" sz="1600" dirty="0" err="1" smtClean="0">
-                <a:solidFill>
-                  <a:schemeClr val="bg1"/>
-                </a:solidFill>
-                <a:latin typeface="Lucida Console" pitchFamily="49" charset="0"/>
-              </a:rPr>
-              <a:t>require</a:t>
-            </a:r>
-            <a:r>
-              <a:rPr lang="de-DE" sz="1600" dirty="0" smtClean="0">
-                <a:solidFill>
-                  <a:schemeClr val="bg1"/>
-                </a:solidFill>
-                <a:latin typeface="Lucida Console" pitchFamily="49" charset="0"/>
-              </a:rPr>
-              <a:t> ‘</a:t>
-            </a:r>
-            <a:r>
-              <a:rPr lang="de-DE" sz="1600" dirty="0" err="1">
-                <a:solidFill>
-                  <a:schemeClr val="bg1"/>
-                </a:solidFill>
-                <a:latin typeface="Lucida Console" pitchFamily="49" charset="0"/>
-              </a:rPr>
-              <a:t>timecop</a:t>
-            </a:r>
-            <a:r>
-              <a:rPr lang="de-DE" sz="1600" dirty="0" smtClean="0">
-                <a:solidFill>
-                  <a:schemeClr val="bg1"/>
-                </a:solidFill>
-                <a:latin typeface="Lucida Console" pitchFamily="49" charset="0"/>
-              </a:rPr>
-              <a:t>‘</a:t>
-            </a:r>
-          </a:p>
-          <a:p>
-            <a:pPr>
-              <a:spcBef>
-                <a:spcPts val="400"/>
-              </a:spcBef>
-            </a:pPr>
-            <a:r>
-              <a:rPr lang="de-DE" sz="1600" dirty="0" smtClean="0">
-                <a:solidFill>
-                  <a:schemeClr val="bg1"/>
-                </a:solidFill>
-                <a:latin typeface="Lucida Console" pitchFamily="49" charset="0"/>
-              </a:rPr>
-              <a:t>=&gt; </a:t>
-            </a:r>
-            <a:r>
-              <a:rPr lang="de-DE" sz="1600" dirty="0" err="1" smtClean="0">
-                <a:solidFill>
-                  <a:schemeClr val="bg1"/>
-                </a:solidFill>
-                <a:latin typeface="Lucida Console" pitchFamily="49" charset="0"/>
-              </a:rPr>
-              <a:t>nil</a:t>
-            </a:r>
-            <a:endParaRPr lang="de-DE" sz="1600" dirty="0">
-              <a:solidFill>
-                <a:schemeClr val="bg1"/>
-              </a:solidFill>
-              <a:latin typeface="Lucida Console" pitchFamily="49" charset="0"/>
-            </a:endParaRPr>
+              <a:rPr lang="de-DE" dirty="0" err="1" smtClean="0"/>
+              <a:t>Resource</a:t>
+            </a:r>
+            <a:endParaRPr lang="de-DE" dirty="0"/>
           </a:p>
         </p:txBody>
       </p:sp>
     </p:spTree>
     <p:extLst>
       <p:ext uri="{BB962C8B-B14F-4D97-AF65-F5344CB8AC3E}">
-        <p14:creationId xmlns:p14="http://schemas.microsoft.com/office/powerpoint/2010/main" val="282781009"/>
+        <p14:creationId xmlns:p14="http://schemas.microsoft.com/office/powerpoint/2010/main" val="312715929"/>
       </p:ext>
     </p:extLst>
   </p:cSld>
@@ -5671,407 +5490,6 @@
               <a:rPr lang="de-DE" smtClean="0"/>
               <a:pPr/>
               <a:t>12</a:t>
-            </a:fld>
-            <a:endParaRPr lang="de-DE" dirty="0"/>
-          </a:p>
-        </p:txBody>
-      </p:sp>
-      <p:sp>
-        <p:nvSpPr>
-          <p:cNvPr id="8" name="Fußzeilenplatzhalter 4"/>
-          <p:cNvSpPr>
-            <a:spLocks noGrp="1"/>
-          </p:cNvSpPr>
-          <p:nvPr>
-            <p:ph type="ftr" sz="quarter" idx="3"/>
-          </p:nvPr>
-        </p:nvSpPr>
-        <p:spPr>
-          <a:xfrm>
-            <a:off x="309780" y="4741147"/>
-            <a:ext cx="5562601" cy="273844"/>
-          </a:xfrm>
-        </p:spPr>
-        <p:txBody>
-          <a:bodyPr/>
-          <a:lstStyle/>
-          <a:p>
-            <a:r>
-              <a:rPr lang="de-DE" dirty="0" err="1" smtClean="0"/>
-              <a:t>appcom</a:t>
-            </a:r>
-            <a:r>
-              <a:rPr lang="de-DE" dirty="0" smtClean="0"/>
-              <a:t> </a:t>
-            </a:r>
-            <a:r>
-              <a:rPr lang="de-DE" dirty="0" err="1" smtClean="0"/>
-              <a:t>interactive</a:t>
-            </a:r>
-            <a:r>
-              <a:rPr lang="de-DE" dirty="0" smtClean="0"/>
-              <a:t> GmbH / </a:t>
-            </a:r>
-            <a:r>
-              <a:rPr lang="de-DE" dirty="0" err="1" smtClean="0"/>
-              <a:t>Erkrather</a:t>
-            </a:r>
-            <a:r>
-              <a:rPr lang="de-DE" dirty="0" smtClean="0"/>
-              <a:t> Str. 228a / 40233 Düsseldorf</a:t>
-            </a:r>
-            <a:endParaRPr lang="de-DE" dirty="0"/>
-          </a:p>
-        </p:txBody>
-      </p:sp>
-      <p:sp>
-        <p:nvSpPr>
-          <p:cNvPr id="7" name="Textfeld 6"/>
-          <p:cNvSpPr txBox="1"/>
-          <p:nvPr/>
-        </p:nvSpPr>
-        <p:spPr>
-          <a:xfrm>
-            <a:off x="309780" y="288521"/>
-            <a:ext cx="3862656" cy="461665"/>
-          </a:xfrm>
-          <a:prstGeom prst="rect">
-            <a:avLst/>
-          </a:prstGeom>
-          <a:noFill/>
-        </p:spPr>
-        <p:txBody>
-          <a:bodyPr wrap="none" rtlCol="0">
-            <a:spAutoFit/>
-          </a:bodyPr>
-          <a:lstStyle/>
-          <a:p>
-            <a:r>
-              <a:rPr lang="de-DE" sz="2400" dirty="0" smtClean="0">
-                <a:solidFill>
-                  <a:schemeClr val="bg1">
-                    <a:lumMod val="50000"/>
-                  </a:schemeClr>
-                </a:solidFill>
-                <a:latin typeface="Titillium Regular"/>
-                <a:cs typeface="Titillium Regular"/>
-              </a:rPr>
-              <a:t>Ruby on </a:t>
-            </a:r>
-            <a:r>
-              <a:rPr lang="de-DE" sz="2400" dirty="0" err="1" smtClean="0">
-                <a:solidFill>
-                  <a:schemeClr val="bg1">
-                    <a:lumMod val="50000"/>
-                  </a:schemeClr>
-                </a:solidFill>
-                <a:latin typeface="Titillium Regular"/>
-                <a:cs typeface="Titillium Regular"/>
-              </a:rPr>
-              <a:t>rails</a:t>
-            </a:r>
-            <a:r>
-              <a:rPr lang="de-DE" sz="2400" dirty="0" smtClean="0">
-                <a:solidFill>
-                  <a:schemeClr val="bg1">
-                    <a:lumMod val="50000"/>
-                  </a:schemeClr>
-                </a:solidFill>
-                <a:latin typeface="Titillium Regular"/>
-                <a:cs typeface="Titillium Regular"/>
-              </a:rPr>
-              <a:t> - </a:t>
-            </a:r>
-            <a:r>
-              <a:rPr lang="de-DE" sz="2400" dirty="0" err="1" smtClean="0">
-                <a:solidFill>
-                  <a:schemeClr val="bg1">
-                    <a:lumMod val="50000"/>
-                  </a:schemeClr>
-                </a:solidFill>
-                <a:latin typeface="Titillium Regular"/>
-                <a:cs typeface="Titillium Regular"/>
-              </a:rPr>
-              <a:t>Introduction</a:t>
-            </a:r>
-            <a:endParaRPr lang="de-DE" sz="2200" dirty="0">
-              <a:solidFill>
-                <a:schemeClr val="tx1">
-                  <a:lumMod val="75000"/>
-                  <a:lumOff val="25000"/>
-                </a:schemeClr>
-              </a:solidFill>
-              <a:latin typeface="Titillium Regular"/>
-              <a:cs typeface="Titillium Regular"/>
-            </a:endParaRPr>
-          </a:p>
-        </p:txBody>
-      </p:sp>
-      <p:sp>
-        <p:nvSpPr>
-          <p:cNvPr id="6" name="Textfeld 5"/>
-          <p:cNvSpPr txBox="1"/>
-          <p:nvPr/>
-        </p:nvSpPr>
-        <p:spPr>
-          <a:xfrm>
-            <a:off x="309780" y="1131590"/>
-            <a:ext cx="7142540" cy="1025922"/>
-          </a:xfrm>
-          <a:prstGeom prst="rect">
-            <a:avLst/>
-          </a:prstGeom>
-          <a:noFill/>
-        </p:spPr>
-        <p:txBody>
-          <a:bodyPr wrap="square" rtlCol="0">
-            <a:spAutoFit/>
-          </a:bodyPr>
-          <a:lstStyle/>
-          <a:p>
-            <a:pPr marL="342900" indent="-342900">
-              <a:spcBef>
-                <a:spcPts val="400"/>
-              </a:spcBef>
-              <a:buFont typeface="Arial" charset="0"/>
-              <a:buChar char="•"/>
-            </a:pPr>
-            <a:r>
-              <a:rPr lang="de-DE" dirty="0" smtClean="0">
-                <a:latin typeface="Titillium Regular"/>
-              </a:rPr>
-              <a:t>Web </a:t>
-            </a:r>
-            <a:r>
-              <a:rPr lang="de-DE" dirty="0" err="1" smtClean="0">
-                <a:latin typeface="Titillium Regular"/>
-              </a:rPr>
-              <a:t>framework</a:t>
-            </a:r>
-            <a:r>
-              <a:rPr lang="de-DE" dirty="0" smtClean="0">
-                <a:latin typeface="Titillium Regular"/>
-              </a:rPr>
-              <a:t> </a:t>
-            </a:r>
-            <a:r>
-              <a:rPr lang="de-DE" dirty="0" err="1" smtClean="0">
-                <a:latin typeface="Titillium Regular"/>
-              </a:rPr>
-              <a:t>for</a:t>
-            </a:r>
-            <a:r>
-              <a:rPr lang="de-DE" dirty="0" smtClean="0">
-                <a:latin typeface="Titillium Regular"/>
-              </a:rPr>
-              <a:t> </a:t>
-            </a:r>
-            <a:r>
-              <a:rPr lang="de-DE" dirty="0" err="1" smtClean="0">
-                <a:latin typeface="Titillium Regular"/>
-              </a:rPr>
-              <a:t>ruby</a:t>
-            </a:r>
-            <a:endParaRPr lang="de-DE" dirty="0" smtClean="0">
-              <a:latin typeface="Titillium Regular"/>
-            </a:endParaRPr>
-          </a:p>
-          <a:p>
-            <a:pPr marL="342900" indent="-342900">
-              <a:spcBef>
-                <a:spcPts val="400"/>
-              </a:spcBef>
-              <a:buFont typeface="Arial" charset="0"/>
-              <a:buChar char="•"/>
-            </a:pPr>
-            <a:r>
-              <a:rPr lang="de-DE" dirty="0" smtClean="0">
-                <a:latin typeface="Titillium Regular"/>
-              </a:rPr>
-              <a:t>First </a:t>
-            </a:r>
-            <a:r>
-              <a:rPr lang="de-DE" dirty="0" err="1" smtClean="0">
-                <a:latin typeface="Titillium Regular"/>
-              </a:rPr>
-              <a:t>release</a:t>
-            </a:r>
-            <a:r>
-              <a:rPr lang="de-DE" dirty="0" smtClean="0">
-                <a:latin typeface="Titillium Regular"/>
-              </a:rPr>
-              <a:t> in 2004 </a:t>
-            </a:r>
-            <a:r>
-              <a:rPr lang="de-DE" dirty="0" err="1" smtClean="0">
-                <a:latin typeface="Titillium Regular"/>
-              </a:rPr>
-              <a:t>by</a:t>
-            </a:r>
-            <a:r>
-              <a:rPr lang="de-DE" dirty="0" smtClean="0">
-                <a:latin typeface="Titillium Regular"/>
-              </a:rPr>
-              <a:t> David Heinemeier Hansson</a:t>
-            </a:r>
-            <a:endParaRPr lang="de-DE" dirty="0">
-              <a:latin typeface="Titillium Regular"/>
-            </a:endParaRPr>
-          </a:p>
-          <a:p>
-            <a:pPr marL="342900" indent="-342900">
-              <a:spcBef>
-                <a:spcPts val="400"/>
-              </a:spcBef>
-              <a:buFont typeface="Arial" charset="0"/>
-              <a:buChar char="•"/>
-            </a:pPr>
-            <a:r>
-              <a:rPr lang="de-DE" dirty="0" err="1" smtClean="0">
-                <a:latin typeface="Titillium Regular"/>
-              </a:rPr>
-              <a:t>Based</a:t>
-            </a:r>
-            <a:r>
-              <a:rPr lang="de-DE" dirty="0" smtClean="0">
-                <a:latin typeface="Titillium Regular"/>
-              </a:rPr>
-              <a:t> on 5A </a:t>
-            </a:r>
-            <a:r>
-              <a:rPr lang="de-DE" dirty="0" err="1" smtClean="0">
-                <a:latin typeface="Titillium Regular"/>
-              </a:rPr>
-              <a:t>modules</a:t>
-            </a:r>
-            <a:endParaRPr lang="de-DE" dirty="0">
-              <a:latin typeface="Titillium Regular"/>
-            </a:endParaRPr>
-          </a:p>
-        </p:txBody>
-      </p:sp>
-      <p:sp>
-        <p:nvSpPr>
-          <p:cNvPr id="2" name="Textfeld 1"/>
-          <p:cNvSpPr txBox="1"/>
-          <p:nvPr/>
-        </p:nvSpPr>
-        <p:spPr>
-          <a:xfrm>
-            <a:off x="431540" y="3219822"/>
-            <a:ext cx="8280920" cy="369332"/>
-          </a:xfrm>
-          <a:prstGeom prst="rect">
-            <a:avLst/>
-          </a:prstGeom>
-          <a:noFill/>
-        </p:spPr>
-        <p:txBody>
-          <a:bodyPr wrap="square" numCol="5" rtlCol="0">
-            <a:spAutoFit/>
-          </a:bodyPr>
-          <a:lstStyle/>
-          <a:p>
-            <a:pPr algn="ctr"/>
-            <a:r>
-              <a:rPr lang="de-DE" dirty="0" err="1" smtClean="0"/>
-              <a:t>Active</a:t>
-            </a:r>
-            <a:r>
-              <a:rPr lang="de-DE" dirty="0" smtClean="0"/>
-              <a:t> Support </a:t>
-            </a:r>
-            <a:r>
-              <a:rPr lang="de-DE" dirty="0" err="1" smtClean="0"/>
-              <a:t>Active</a:t>
-            </a:r>
-            <a:r>
-              <a:rPr lang="de-DE" dirty="0" smtClean="0"/>
-              <a:t> </a:t>
-            </a:r>
-            <a:r>
-              <a:rPr lang="de-DE" dirty="0" err="1" smtClean="0"/>
-              <a:t>Record</a:t>
-            </a:r>
-            <a:r>
-              <a:rPr lang="de-DE" dirty="0" smtClean="0"/>
-              <a:t> Action Pack Action Mailer </a:t>
-            </a:r>
-            <a:r>
-              <a:rPr lang="de-DE" dirty="0" err="1" smtClean="0"/>
-              <a:t>Active</a:t>
-            </a:r>
-            <a:r>
-              <a:rPr lang="de-DE" dirty="0" smtClean="0"/>
-              <a:t> </a:t>
-            </a:r>
-            <a:r>
-              <a:rPr lang="de-DE" dirty="0" err="1" smtClean="0"/>
-              <a:t>Resource</a:t>
-            </a:r>
-            <a:endParaRPr lang="de-DE" dirty="0"/>
-          </a:p>
-        </p:txBody>
-      </p:sp>
-    </p:spTree>
-    <p:extLst>
-      <p:ext uri="{BB962C8B-B14F-4D97-AF65-F5344CB8AC3E}">
-        <p14:creationId xmlns:p14="http://schemas.microsoft.com/office/powerpoint/2010/main" val="312715929"/>
-      </p:ext>
-    </p:extLst>
-  </p:cSld>
-  <p:clrMapOvr>
-    <a:masterClrMapping/>
-  </p:clrMapOvr>
-  <p:transition xmlns:p14="http://schemas.microsoft.com/office/powerpoint/2010/main" spd="slow">
-    <p:push dir="u"/>
-  </p:transition>
-  <p:timing>
-    <p:tnLst>
-      <p:par>
-        <p:cTn xmlns:p14="http://schemas.microsoft.com/office/powerpoint/2010/main" id="1" dur="indefinite" restart="never" nodeType="tmRoot"/>
-      </p:par>
-    </p:tnLst>
-  </p:timing>
-</p:sld>
-</file>
-
-<file path=ppt/slides/slide13.xml><?xml version="1.0" encoding="utf-8"?>
-<p:sld xmlns:a="http://schemas.openxmlformats.org/drawingml/2006/main" xmlns:r="http://schemas.openxmlformats.org/officeDocument/2006/relationships" xmlns:p="http://schemas.openxmlformats.org/presentationml/2006/main">
-  <p:cSld>
-    <p:spTree>
-      <p:nvGrpSpPr>
-        <p:cNvPr id="1" name=""/>
-        <p:cNvGrpSpPr/>
-        <p:nvPr/>
-      </p:nvGrpSpPr>
-      <p:grpSpPr>
-        <a:xfrm>
-          <a:off x="0" y="0"/>
-          <a:ext cx="0" cy="0"/>
-          <a:chOff x="0" y="0"/>
-          <a:chExt cx="0" cy="0"/>
-        </a:xfrm>
-      </p:grpSpPr>
-      <p:sp>
-        <p:nvSpPr>
-          <p:cNvPr id="5" name="Foliennummernplatzhalter 4"/>
-          <p:cNvSpPr>
-            <a:spLocks noGrp="1"/>
-          </p:cNvSpPr>
-          <p:nvPr>
-            <p:ph type="sldNum" sz="quarter" idx="4"/>
-          </p:nvPr>
-        </p:nvSpPr>
-        <p:spPr/>
-        <p:txBody>
-          <a:bodyPr/>
-          <a:lstStyle/>
-          <a:p>
-            <a:fld id="{57FFC010-DE17-2E4F-A3CE-21658994C6EA}" type="slidenum">
-              <a:rPr lang="de-DE" smtClean="0"/>
-              <a:pPr/>
-              <a:t>13</a:t>
             </a:fld>
             <a:endParaRPr lang="de-DE" dirty="0"/>
           </a:p>
@@ -6272,36 +5690,6 @@
           <a:chExt cx="0" cy="0"/>
         </a:xfrm>
       </p:grpSpPr>
-      <p:pic>
-        <p:nvPicPr>
-          <p:cNvPr id="18" name="Bild 17" descr="basic_futureX_3.png"/>
-          <p:cNvPicPr>
-            <a:picLocks noChangeAspect="1"/>
-          </p:cNvPicPr>
-          <p:nvPr/>
-        </p:nvPicPr>
-        <p:blipFill>
-          <a:blip r:embed="rId2" cstate="screen">
-            <a:extLst>
-              <a:ext uri="{28A0092B-C50C-407E-A947-70E740481C1C}">
-                <a14:useLocalDpi xmlns:a14="http://schemas.microsoft.com/office/drawing/2010/main"/>
-              </a:ext>
-            </a:extLst>
-          </a:blip>
-          <a:stretch>
-            <a:fillRect/>
-          </a:stretch>
-        </p:blipFill>
-        <p:spPr>
-          <a:xfrm>
-            <a:off x="-294641" y="0"/>
-            <a:ext cx="9503031" cy="5143500"/>
-          </a:xfrm>
-          <a:prstGeom prst="rect">
-            <a:avLst/>
-          </a:prstGeom>
-        </p:spPr>
-      </p:pic>
       <p:sp>
         <p:nvSpPr>
           <p:cNvPr id="5" name="Foliennummernplatzhalter 4"/>
@@ -6312,12 +5700,7 @@
             <p:ph type="sldNum" sz="quarter" idx="4"/>
           </p:nvPr>
         </p:nvSpPr>
-        <p:spPr>
-          <a:xfrm>
-            <a:off x="6648640" y="4741147"/>
-            <a:ext cx="2133600" cy="273844"/>
-          </a:xfrm>
-        </p:spPr>
+        <p:spPr/>
         <p:txBody>
           <a:bodyPr/>
           <a:lstStyle/>
@@ -6331,311 +5714,296 @@
           </a:p>
         </p:txBody>
       </p:sp>
-      <p:grpSp>
-        <p:nvGrpSpPr>
-          <p:cNvPr id="12" name="Gruppierung 11"/>
-          <p:cNvGrpSpPr/>
-          <p:nvPr/>
-        </p:nvGrpSpPr>
-        <p:grpSpPr>
-          <a:xfrm>
-            <a:off x="1987885" y="1593778"/>
-            <a:ext cx="4781852" cy="1509642"/>
-            <a:chOff x="870285" y="1582233"/>
-            <a:chExt cx="4781852" cy="1509642"/>
-          </a:xfrm>
-        </p:grpSpPr>
-        <p:pic>
-          <p:nvPicPr>
-            <p:cNvPr id="13" name="Bild 12" descr="appcom_aufzug_logo.eps"/>
-            <p:cNvPicPr>
-              <a:picLocks noChangeAspect="1"/>
-            </p:cNvPicPr>
-            <p:nvPr/>
-          </p:nvPicPr>
-          <p:blipFill>
-            <a:blip r:embed="rId3">
-              <a:extLst>
-                <a:ext uri="{28A0092B-C50C-407E-A947-70E740481C1C}">
-                  <a14:useLocalDpi xmlns:a14="http://schemas.microsoft.com/office/drawing/2010/main"/>
-                </a:ext>
-              </a:extLst>
-            </a:blip>
-            <a:stretch>
-              <a:fillRect/>
-            </a:stretch>
-          </p:blipFill>
-          <p:spPr>
-            <a:xfrm>
-              <a:off x="2536870" y="1582233"/>
-              <a:ext cx="3067050" cy="1498097"/>
-            </a:xfrm>
-            <a:prstGeom prst="rect">
-              <a:avLst/>
-            </a:prstGeom>
-          </p:spPr>
-        </p:pic>
-        <p:pic>
-          <p:nvPicPr>
-            <p:cNvPr id="14" name="Bild 13" descr="appcom_aufzug_logo.eps"/>
-            <p:cNvPicPr>
-              <a:picLocks noChangeAspect="1"/>
-            </p:cNvPicPr>
-            <p:nvPr/>
-          </p:nvPicPr>
-          <p:blipFill rotWithShape="1">
-            <a:blip r:embed="rId3" cstate="screen">
-              <a:extLst>
-                <a:ext uri="{28A0092B-C50C-407E-A947-70E740481C1C}">
-                  <a14:useLocalDpi xmlns:a14="http://schemas.microsoft.com/office/drawing/2010/main"/>
-                </a:ext>
-              </a:extLst>
-            </a:blip>
-            <a:srcRect l="49690"/>
-            <a:stretch/>
-          </p:blipFill>
-          <p:spPr>
-            <a:xfrm>
-              <a:off x="870285" y="1593778"/>
-              <a:ext cx="1543050" cy="1498097"/>
-            </a:xfrm>
-            <a:prstGeom prst="rect">
-              <a:avLst/>
-            </a:prstGeom>
-          </p:spPr>
-        </p:pic>
-        <p:sp>
-          <p:nvSpPr>
-            <p:cNvPr id="15" name="Textfeld 14"/>
-            <p:cNvSpPr txBox="1"/>
-            <p:nvPr/>
-          </p:nvSpPr>
-          <p:spPr>
-            <a:xfrm>
-              <a:off x="883432" y="2625943"/>
-              <a:ext cx="1656022" cy="338554"/>
-            </a:xfrm>
-            <a:prstGeom prst="rect">
-              <a:avLst/>
-            </a:prstGeom>
-            <a:noFill/>
-          </p:spPr>
-          <p:txBody>
-            <a:bodyPr wrap="none" rtlCol="0">
-              <a:spAutoFit/>
-            </a:bodyPr>
-            <a:lstStyle/>
-            <a:p>
-              <a:r>
-                <a:rPr lang="de-DE" sz="1600" dirty="0" err="1"/>
-                <a:t>i</a:t>
-              </a:r>
-              <a:r>
-                <a:rPr lang="de-DE" sz="1600" dirty="0" err="1" smtClean="0"/>
-                <a:t>nteractive</a:t>
-              </a:r>
-              <a:r>
-                <a:rPr lang="de-DE" sz="1600" dirty="0" smtClean="0"/>
-                <a:t> GmbH</a:t>
-              </a:r>
-              <a:endParaRPr lang="de-DE" sz="1600" dirty="0"/>
-            </a:p>
-          </p:txBody>
-        </p:sp>
-        <p:sp>
-          <p:nvSpPr>
-            <p:cNvPr id="16" name="Textfeld 15"/>
-            <p:cNvSpPr txBox="1"/>
-            <p:nvPr/>
-          </p:nvSpPr>
-          <p:spPr>
-            <a:xfrm>
-              <a:off x="4044305" y="2625943"/>
-              <a:ext cx="1607832" cy="338554"/>
-            </a:xfrm>
-            <a:prstGeom prst="rect">
-              <a:avLst/>
-            </a:prstGeom>
-            <a:noFill/>
-          </p:spPr>
-          <p:txBody>
-            <a:bodyPr wrap="none" rtlCol="0">
-              <a:spAutoFit/>
-            </a:bodyPr>
-            <a:lstStyle/>
-            <a:p>
-              <a:r>
-                <a:rPr lang="de-DE" sz="1600" dirty="0" err="1"/>
-                <a:t>m</a:t>
-              </a:r>
-              <a:r>
-                <a:rPr lang="de-DE" sz="1600" dirty="0" err="1" smtClean="0"/>
-                <a:t>arketing</a:t>
-              </a:r>
-              <a:r>
-                <a:rPr lang="de-DE" sz="1600" dirty="0" smtClean="0"/>
-                <a:t> GmbH</a:t>
-              </a:r>
-              <a:endParaRPr lang="de-DE" sz="1600" dirty="0"/>
-            </a:p>
-          </p:txBody>
-        </p:sp>
-      </p:grpSp>
-      <p:sp>
-        <p:nvSpPr>
-          <p:cNvPr id="19" name="Rechteck 18"/>
-          <p:cNvSpPr/>
-          <p:nvPr/>
+      <p:sp>
+        <p:nvSpPr>
+          <p:cNvPr id="8" name="Fußzeilenplatzhalter 4"/>
+          <p:cNvSpPr>
+            <a:spLocks noGrp="1"/>
+          </p:cNvSpPr>
+          <p:nvPr>
+            <p:ph type="ftr" sz="quarter" idx="3"/>
+          </p:nvPr>
         </p:nvSpPr>
         <p:spPr>
           <a:xfrm>
-            <a:off x="186345" y="3811408"/>
-            <a:ext cx="8757920" cy="964367"/>
+            <a:off x="309780" y="4741147"/>
+            <a:ext cx="5562601" cy="273844"/>
+          </a:xfrm>
+        </p:spPr>
+        <p:txBody>
+          <a:bodyPr/>
+          <a:lstStyle/>
+          <a:p>
+            <a:r>
+              <a:rPr lang="de-DE" dirty="0" err="1" smtClean="0"/>
+              <a:t>appcom</a:t>
+            </a:r>
+            <a:r>
+              <a:rPr lang="de-DE" dirty="0" smtClean="0"/>
+              <a:t> </a:t>
+            </a:r>
+            <a:r>
+              <a:rPr lang="de-DE" dirty="0" err="1" smtClean="0"/>
+              <a:t>interactive</a:t>
+            </a:r>
+            <a:r>
+              <a:rPr lang="de-DE" dirty="0" smtClean="0"/>
+              <a:t> GmbH / </a:t>
+            </a:r>
+            <a:r>
+              <a:rPr lang="de-DE" dirty="0" err="1" smtClean="0"/>
+              <a:t>Erkrather</a:t>
+            </a:r>
+            <a:r>
+              <a:rPr lang="de-DE" dirty="0" smtClean="0"/>
+              <a:t> Str. 228a / 40233 Düsseldorf</a:t>
+            </a:r>
+            <a:endParaRPr lang="de-DE" dirty="0"/>
+          </a:p>
+        </p:txBody>
+      </p:sp>
+      <p:sp>
+        <p:nvSpPr>
+          <p:cNvPr id="7" name="Textfeld 6"/>
+          <p:cNvSpPr txBox="1"/>
+          <p:nvPr/>
+        </p:nvSpPr>
+        <p:spPr>
+          <a:xfrm>
+            <a:off x="309780" y="288521"/>
+            <a:ext cx="1263487" cy="461665"/>
           </a:xfrm>
           <a:prstGeom prst="rect">
             <a:avLst/>
           </a:prstGeom>
+          <a:noFill/>
         </p:spPr>
         <p:txBody>
-          <a:bodyPr wrap="square">
+          <a:bodyPr wrap="none" rtlCol="0">
             <a:spAutoFit/>
           </a:bodyPr>
           <a:lstStyle/>
           <a:p>
-            <a:pPr>
-              <a:lnSpc>
-                <a:spcPct val="150000"/>
-              </a:lnSpc>
+            <a:r>
+              <a:rPr lang="de-DE" sz="2400" dirty="0" smtClean="0">
+                <a:solidFill>
+                  <a:schemeClr val="bg1">
+                    <a:lumMod val="50000"/>
+                  </a:schemeClr>
+                </a:solidFill>
+                <a:latin typeface="Titillium Regular"/>
+                <a:cs typeface="Titillium Regular"/>
+              </a:rPr>
+              <a:t>Content</a:t>
+            </a:r>
+            <a:endParaRPr lang="de-DE" sz="2200" dirty="0">
+              <a:solidFill>
+                <a:schemeClr val="tx1">
+                  <a:lumMod val="75000"/>
+                  <a:lumOff val="25000"/>
+                </a:schemeClr>
+              </a:solidFill>
+              <a:latin typeface="Titillium Regular"/>
+              <a:cs typeface="Titillium Regular"/>
+            </a:endParaRPr>
+          </a:p>
+        </p:txBody>
+      </p:sp>
+      <p:sp>
+        <p:nvSpPr>
+          <p:cNvPr id="6" name="Textfeld 5"/>
+          <p:cNvSpPr txBox="1"/>
+          <p:nvPr/>
+        </p:nvSpPr>
+        <p:spPr>
+          <a:xfrm>
+            <a:off x="309780" y="1131590"/>
+            <a:ext cx="7142540" cy="2339102"/>
+          </a:xfrm>
+          <a:prstGeom prst="rect">
+            <a:avLst/>
+          </a:prstGeom>
+          <a:noFill/>
+        </p:spPr>
+        <p:txBody>
+          <a:bodyPr wrap="square" rtlCol="0">
+            <a:spAutoFit/>
+          </a:bodyPr>
+          <a:lstStyle/>
+          <a:p>
+            <a:pPr marL="342900" indent="-342900">
+              <a:spcBef>
+                <a:spcPts val="400"/>
+              </a:spcBef>
+              <a:buFont typeface="+mj-lt"/>
+              <a:buAutoNum type="arabicPeriod"/>
             </a:pPr>
             <a:r>
-              <a:rPr lang="de-DE" sz="4000" dirty="0" smtClean="0">
-                <a:solidFill>
-                  <a:schemeClr val="tx1">
-                    <a:lumMod val="75000"/>
-                    <a:lumOff val="25000"/>
-                  </a:schemeClr>
-                </a:solidFill>
-                <a:latin typeface="TitilliumText22L 1 wt"/>
-                <a:cs typeface="TitilliumText22L 1 wt"/>
-              </a:rPr>
-              <a:t>440</a:t>
-            </a:r>
-            <a:r>
-              <a:rPr lang="de-DE" sz="3200" dirty="0" smtClean="0">
-                <a:solidFill>
-                  <a:schemeClr val="tx1">
-                    <a:lumMod val="75000"/>
-                    <a:lumOff val="25000"/>
-                  </a:schemeClr>
-                </a:solidFill>
-                <a:latin typeface="TitilliumText22L 1 wt"/>
-                <a:cs typeface="TitilliumText22L 1 wt"/>
+              <a:rPr lang="de-DE" dirty="0" err="1" smtClean="0">
+                <a:latin typeface="Titillium Regular"/>
+              </a:rPr>
+              <a:t>Introduction</a:t>
+            </a:r>
+            <a:endParaRPr lang="de-DE" dirty="0" smtClean="0">
+              <a:latin typeface="Titillium Regular"/>
+            </a:endParaRPr>
+          </a:p>
+          <a:p>
+            <a:pPr marL="342900" indent="-342900">
+              <a:spcBef>
+                <a:spcPts val="400"/>
+              </a:spcBef>
+              <a:buFont typeface="+mj-lt"/>
+              <a:buAutoNum type="arabicPeriod"/>
+            </a:pPr>
+            <a:r>
+              <a:rPr lang="de-DE" dirty="0" smtClean="0">
+                <a:latin typeface="Titillium Regular"/>
+              </a:rPr>
+              <a:t>Basics</a:t>
+            </a:r>
+          </a:p>
+          <a:p>
+            <a:pPr marL="342900" indent="-342900">
+              <a:spcBef>
+                <a:spcPts val="400"/>
+              </a:spcBef>
+              <a:buFont typeface="+mj-lt"/>
+              <a:buAutoNum type="arabicPeriod"/>
+            </a:pPr>
+            <a:r>
+              <a:rPr lang="de-DE" dirty="0" err="1" smtClean="0">
+                <a:latin typeface="Titillium Regular"/>
+              </a:rPr>
+              <a:t>Methods</a:t>
+            </a:r>
+            <a:endParaRPr lang="de-DE" dirty="0" smtClean="0">
+              <a:latin typeface="Titillium Regular"/>
+            </a:endParaRPr>
+          </a:p>
+          <a:p>
+            <a:pPr marL="342900" indent="-342900">
+              <a:spcBef>
+                <a:spcPts val="400"/>
+              </a:spcBef>
+              <a:buFont typeface="+mj-lt"/>
+              <a:buAutoNum type="arabicPeriod"/>
+            </a:pPr>
+            <a:r>
+              <a:rPr lang="de-DE" dirty="0" err="1" smtClean="0">
+                <a:latin typeface="Titillium Regular"/>
+              </a:rPr>
+              <a:t>Classes</a:t>
+            </a:r>
+            <a:r>
+              <a:rPr lang="de-DE" dirty="0" smtClean="0">
+                <a:latin typeface="Titillium Regular"/>
               </a:rPr>
               <a:t> </a:t>
             </a:r>
             <a:r>
-              <a:rPr lang="de-DE" dirty="0">
-                <a:solidFill>
-                  <a:schemeClr val="tx1">
-                    <a:lumMod val="75000"/>
-                    <a:lumOff val="25000"/>
-                  </a:schemeClr>
-                </a:solidFill>
-                <a:latin typeface="TitilliumText22L 1 wt"/>
-                <a:cs typeface="TitilliumText22L 1 wt"/>
-              </a:rPr>
-              <a:t>erfolgreiche </a:t>
+              <a:rPr lang="de-DE" dirty="0" err="1" smtClean="0">
+                <a:latin typeface="Titillium Regular"/>
+              </a:rPr>
+              <a:t>and</a:t>
             </a:r>
             <a:r>
               <a:rPr lang="de-DE" dirty="0" smtClean="0">
-                <a:solidFill>
-                  <a:schemeClr val="tx1">
-                    <a:lumMod val="75000"/>
-                    <a:lumOff val="25000"/>
-                  </a:schemeClr>
-                </a:solidFill>
-                <a:latin typeface="TitilliumText22L 1 wt"/>
-                <a:cs typeface="TitilliumText22L 1 wt"/>
-              </a:rPr>
-              <a:t>Projekte            </a:t>
-            </a:r>
-            <a:r>
-              <a:rPr lang="de-DE" sz="4000" dirty="0" smtClean="0">
-                <a:solidFill>
-                  <a:schemeClr val="tx1">
-                    <a:lumMod val="75000"/>
-                    <a:lumOff val="25000"/>
-                  </a:schemeClr>
-                </a:solidFill>
-                <a:latin typeface="TitilliumText22L 1 wt"/>
-                <a:cs typeface="TitilliumText22L 1 wt"/>
-              </a:rPr>
-              <a:t>18 </a:t>
-            </a:r>
+                <a:latin typeface="Titillium Regular"/>
+              </a:rPr>
+              <a:t> </a:t>
+            </a:r>
+            <a:r>
+              <a:rPr lang="de-DE" dirty="0" err="1" smtClean="0">
+                <a:latin typeface="Titillium Regular"/>
+              </a:rPr>
+              <a:t>modules</a:t>
+            </a:r>
+            <a:endParaRPr lang="de-DE" dirty="0" smtClean="0">
+              <a:latin typeface="Titillium Regular"/>
+            </a:endParaRPr>
+          </a:p>
+          <a:p>
+            <a:pPr marL="342900" indent="-342900">
+              <a:spcBef>
+                <a:spcPts val="400"/>
+              </a:spcBef>
+              <a:buFont typeface="+mj-lt"/>
+              <a:buAutoNum type="arabicPeriod"/>
+            </a:pPr>
+            <a:r>
+              <a:rPr lang="de-DE" dirty="0" err="1" smtClean="0">
+                <a:latin typeface="Titillium Regular"/>
+              </a:rPr>
+              <a:t>Exceptions</a:t>
+            </a:r>
+            <a:endParaRPr lang="de-DE" dirty="0" smtClean="0">
+              <a:latin typeface="Titillium Regular"/>
+            </a:endParaRPr>
+          </a:p>
+          <a:p>
+            <a:pPr marL="342900" indent="-342900">
+              <a:spcBef>
+                <a:spcPts val="400"/>
+              </a:spcBef>
+              <a:buFont typeface="+mj-lt"/>
+              <a:buAutoNum type="arabicPeriod"/>
+            </a:pPr>
             <a:r>
               <a:rPr lang="de-DE" dirty="0" smtClean="0">
-                <a:solidFill>
-                  <a:schemeClr val="tx1">
-                    <a:lumMod val="75000"/>
-                    <a:lumOff val="25000"/>
-                  </a:schemeClr>
-                </a:solidFill>
-                <a:latin typeface="TitilliumText22L 1 wt"/>
-                <a:cs typeface="TitilliumText22L 1 wt"/>
-              </a:rPr>
-              <a:t>Mitarbeiter            </a:t>
-            </a:r>
-            <a:r>
-              <a:rPr lang="de-DE" sz="4000" dirty="0" smtClean="0">
-                <a:solidFill>
-                  <a:schemeClr val="tx1">
-                    <a:lumMod val="75000"/>
-                    <a:lumOff val="25000"/>
-                  </a:schemeClr>
-                </a:solidFill>
-                <a:latin typeface="TitilliumText22L 1 wt"/>
-                <a:cs typeface="TitilliumText22L 1 wt"/>
-              </a:rPr>
-              <a:t>4,5 </a:t>
-            </a:r>
-            <a:r>
-              <a:rPr lang="de-DE" dirty="0">
-                <a:solidFill>
-                  <a:schemeClr val="tx1">
-                    <a:lumMod val="75000"/>
-                    <a:lumOff val="25000"/>
-                  </a:schemeClr>
-                </a:solidFill>
-                <a:latin typeface="TitilliumText22L 1 wt"/>
-                <a:cs typeface="TitilliumText22L 1 wt"/>
-              </a:rPr>
-              <a:t>Jahren aktiv</a:t>
-            </a:r>
+                <a:latin typeface="Titillium Regular"/>
+              </a:rPr>
+              <a:t>Ruby </a:t>
+            </a:r>
+            <a:r>
+              <a:rPr lang="de-DE" dirty="0" err="1" smtClean="0">
+                <a:latin typeface="Titillium Regular"/>
+              </a:rPr>
+              <a:t>gems</a:t>
+            </a:r>
+            <a:endParaRPr lang="de-DE" dirty="0" smtClean="0">
+              <a:latin typeface="Titillium Regular"/>
+            </a:endParaRPr>
+          </a:p>
+          <a:p>
+            <a:pPr marL="342900" indent="-342900">
+              <a:spcBef>
+                <a:spcPts val="400"/>
+              </a:spcBef>
+              <a:buFont typeface="+mj-lt"/>
+              <a:buAutoNum type="arabicPeriod"/>
+            </a:pPr>
+            <a:r>
+              <a:rPr lang="de-DE" dirty="0" smtClean="0">
+                <a:latin typeface="Titillium Regular"/>
+              </a:rPr>
+              <a:t>Ruby on </a:t>
+            </a:r>
+            <a:r>
+              <a:rPr lang="de-DE" dirty="0" err="1" smtClean="0">
+                <a:latin typeface="Titillium Regular"/>
+              </a:rPr>
+              <a:t>Rails</a:t>
+            </a:r>
+            <a:endParaRPr lang="de-DE" dirty="0">
+              <a:latin typeface="Titillium Regular"/>
+            </a:endParaRPr>
           </a:p>
         </p:txBody>
       </p:sp>
     </p:spTree>
     <p:extLst>
       <p:ext uri="{BB962C8B-B14F-4D97-AF65-F5344CB8AC3E}">
-        <p14:creationId xmlns:p14="http://schemas.microsoft.com/office/powerpoint/2010/main" val="1268873191"/>
+        <p14:creationId xmlns:p14="http://schemas.microsoft.com/office/powerpoint/2010/main" val="986839820"/>
       </p:ext>
     </p:extLst>
   </p:cSld>
   <p:clrMapOvr>
     <a:masterClrMapping/>
   </p:clrMapOvr>
-  <mc:AlternateContent xmlns:mc="http://schemas.openxmlformats.org/markup-compatibility/2006" xmlns:p14="http://schemas.microsoft.com/office/powerpoint/2010/main">
-    <mc:Choice Requires="p14">
-      <p:transition spd="med" p14:dur="700">
-        <p:fade/>
-      </p:transition>
-    </mc:Choice>
-    <mc:Fallback xmlns="">
-      <p:transition spd="med">
-        <p:fade/>
-      </p:transition>
-    </mc:Fallback>
-  </mc:AlternateContent>
+  <p:transition xmlns:p14="http://schemas.microsoft.com/office/powerpoint/2010/main" spd="slow">
+    <p:push dir="u"/>
+  </p:transition>
   <p:timing>
     <p:tnLst>
       <p:par>
@@ -6744,7 +6112,7 @@
         <p:spPr>
           <a:xfrm>
             <a:off x="309780" y="288521"/>
-            <a:ext cx="1263487" cy="461665"/>
+            <a:ext cx="1794081" cy="461665"/>
           </a:xfrm>
           <a:prstGeom prst="rect">
             <a:avLst/>
@@ -6758,7 +6126,7 @@
           <a:lstStyle/>
           <a:p>
             <a:r>
-              <a:rPr lang="de-DE" sz="2400" dirty="0" smtClean="0">
+              <a:rPr lang="de-DE" sz="2400" dirty="0" err="1" smtClean="0">
                 <a:solidFill>
                   <a:schemeClr val="bg1">
                     <a:lumMod val="50000"/>
@@ -6767,7 +6135,7 @@
                 <a:latin typeface="Titillium Regular"/>
                 <a:cs typeface="Titillium Regular"/>
               </a:rPr>
-              <a:t>Content</a:t>
+              <a:t>Introduction</a:t>
             </a:r>
             <a:endParaRPr lang="de-DE" sz="2200" dirty="0">
               <a:solidFill>
@@ -6791,7 +6159,7 @@
         <p:spPr>
           <a:xfrm>
             <a:off x="309780" y="1131590"/>
-            <a:ext cx="7142540" cy="2339102"/>
+            <a:ext cx="7142540" cy="2667397"/>
           </a:xfrm>
           <a:prstGeom prst="rect">
             <a:avLst/>
@@ -6808,65 +6176,113 @@
               <a:spcBef>
                 <a:spcPts val="400"/>
               </a:spcBef>
-              <a:buFont typeface="+mj-lt"/>
-              <a:buAutoNum type="arabicPeriod"/>
+              <a:buFont typeface="Arial" charset="0"/>
+              <a:buChar char="•"/>
             </a:pPr>
             <a:r>
               <a:rPr lang="de-DE" dirty="0" err="1" smtClean="0">
                 <a:latin typeface="Titillium Regular"/>
               </a:rPr>
-              <a:t>Introduction</a:t>
-            </a:r>
-            <a:endParaRPr lang="de-DE" dirty="0" smtClean="0">
-              <a:latin typeface="Titillium Regular"/>
-            </a:endParaRPr>
+              <a:t>Created</a:t>
+            </a:r>
+            <a:r>
+              <a:rPr lang="de-DE" dirty="0" smtClean="0">
+                <a:latin typeface="Titillium Regular"/>
+              </a:rPr>
+              <a:t> </a:t>
+            </a:r>
+            <a:r>
+              <a:rPr lang="de-DE" dirty="0" err="1" smtClean="0">
+                <a:latin typeface="Titillium Regular"/>
+              </a:rPr>
+              <a:t>by</a:t>
+            </a:r>
+            <a:r>
+              <a:rPr lang="de-DE" dirty="0" smtClean="0">
+                <a:latin typeface="Titillium Regular"/>
+              </a:rPr>
+              <a:t> Yukihiro Matsumoto in 1995</a:t>
+            </a:r>
           </a:p>
           <a:p>
             <a:pPr marL="342900" indent="-342900">
               <a:spcBef>
                 <a:spcPts val="400"/>
               </a:spcBef>
-              <a:buFont typeface="+mj-lt"/>
-              <a:buAutoNum type="arabicPeriod"/>
+              <a:buFont typeface="Arial" charset="0"/>
+              <a:buChar char="•"/>
             </a:pPr>
             <a:r>
               <a:rPr lang="de-DE" dirty="0" smtClean="0">
                 <a:latin typeface="Titillium Regular"/>
               </a:rPr>
-              <a:t>Basics</a:t>
-            </a:r>
+              <a:t>Dynamic </a:t>
+            </a:r>
+            <a:r>
+              <a:rPr lang="de-DE" dirty="0" err="1" smtClean="0">
+                <a:latin typeface="Titillium Regular"/>
+              </a:rPr>
+              <a:t>programming</a:t>
+            </a:r>
+            <a:r>
+              <a:rPr lang="de-DE" dirty="0" smtClean="0">
+                <a:latin typeface="Titillium Regular"/>
+              </a:rPr>
+              <a:t> </a:t>
+            </a:r>
+            <a:r>
+              <a:rPr lang="de-DE" dirty="0" err="1" smtClean="0">
+                <a:latin typeface="Titillium Regular"/>
+              </a:rPr>
+              <a:t>language</a:t>
+            </a:r>
+            <a:endParaRPr lang="de-DE" dirty="0" smtClean="0">
+              <a:latin typeface="Titillium Regular"/>
+            </a:endParaRPr>
           </a:p>
           <a:p>
             <a:pPr marL="342900" indent="-342900">
               <a:spcBef>
                 <a:spcPts val="400"/>
               </a:spcBef>
-              <a:buFont typeface="+mj-lt"/>
-              <a:buAutoNum type="arabicPeriod"/>
+              <a:buFont typeface="Arial" charset="0"/>
+              <a:buChar char="•"/>
             </a:pPr>
             <a:r>
               <a:rPr lang="de-DE" dirty="0" err="1" smtClean="0">
                 <a:latin typeface="Titillium Regular"/>
               </a:rPr>
-              <a:t>Methods</a:t>
+              <a:t>Some</a:t>
+            </a:r>
+            <a:r>
+              <a:rPr lang="de-DE" dirty="0" smtClean="0">
+                <a:latin typeface="Titillium Regular"/>
+              </a:rPr>
+              <a:t> </a:t>
+            </a:r>
+            <a:r>
+              <a:rPr lang="de-DE" dirty="0" err="1" smtClean="0">
+                <a:latin typeface="Titillium Regular"/>
+              </a:rPr>
+              <a:t>features</a:t>
             </a:r>
             <a:endParaRPr lang="de-DE" dirty="0" smtClean="0">
               <a:latin typeface="Titillium Regular"/>
             </a:endParaRPr>
           </a:p>
           <a:p>
-            <a:pPr marL="342900" indent="-342900">
+            <a:pPr marL="800100" lvl="1" indent="-342900">
               <a:spcBef>
                 <a:spcPts val="400"/>
               </a:spcBef>
-              <a:buFont typeface="+mj-lt"/>
-              <a:buAutoNum type="arabicPeriod"/>
+              <a:buFont typeface="Arial" charset="0"/>
+              <a:buChar char="•"/>
             </a:pPr>
             <a:r>
               <a:rPr lang="de-DE" dirty="0" err="1" smtClean="0">
                 <a:latin typeface="Titillium Regular"/>
               </a:rPr>
-              <a:t>Classes</a:t>
+              <a:t>Garbage</a:t>
             </a:r>
             <a:r>
               <a:rPr lang="de-DE" dirty="0" smtClean="0">
@@ -6878,85 +6294,148 @@
               <a:rPr lang="de-DE" dirty="0" err="1" smtClean="0">
                 <a:latin typeface="Titillium Regular"/>
               </a:rPr>
-              <a:t>and</a:t>
-            </a:r>
-            <a:r>
-              <a:rPr lang="de-DE" dirty="0" smtClean="0">
-                <a:latin typeface="Titillium Regular"/>
-              </a:rPr>
-              <a:t> </a:t>
-            </a:r>
-            <a:r>
-              <a:rPr lang="de-DE" dirty="0" err="1" smtClean="0">
-                <a:latin typeface="Titillium Regular"/>
-              </a:rPr>
-              <a:t>modules</a:t>
+              <a:t>collecting</a:t>
             </a:r>
             <a:endParaRPr lang="de-DE" dirty="0" smtClean="0">
               <a:latin typeface="Titillium Regular"/>
             </a:endParaRPr>
           </a:p>
           <a:p>
-            <a:pPr marL="342900" indent="-342900">
+            <a:pPr marL="800100" lvl="1" indent="-342900">
               <a:spcBef>
                 <a:spcPts val="400"/>
               </a:spcBef>
-              <a:buFont typeface="+mj-lt"/>
-              <a:buAutoNum type="arabicPeriod"/>
+              <a:buFont typeface="Arial" charset="0"/>
+              <a:buChar char="•"/>
             </a:pPr>
             <a:r>
+              <a:rPr lang="de-DE" dirty="0" smtClean="0">
+                <a:latin typeface="Titillium Regular"/>
+              </a:rPr>
+              <a:t>(</a:t>
+            </a:r>
+            <a:r>
               <a:rPr lang="de-DE" dirty="0" err="1" smtClean="0">
                 <a:latin typeface="Titillium Regular"/>
               </a:rPr>
-              <a:t>Exceptions</a:t>
+              <a:t>almost</a:t>
+            </a:r>
+            <a:r>
+              <a:rPr lang="de-DE" dirty="0" smtClean="0">
+                <a:latin typeface="Titillium Regular"/>
+              </a:rPr>
+              <a:t>) </a:t>
+            </a:r>
+            <a:r>
+              <a:rPr lang="de-DE" dirty="0" err="1" smtClean="0">
+                <a:latin typeface="Titillium Regular"/>
+              </a:rPr>
+              <a:t>everything</a:t>
+            </a:r>
+            <a:r>
+              <a:rPr lang="de-DE" dirty="0" smtClean="0">
+                <a:latin typeface="Titillium Regular"/>
+              </a:rPr>
+              <a:t> </a:t>
+            </a:r>
+            <a:r>
+              <a:rPr lang="de-DE" dirty="0" err="1" smtClean="0">
+                <a:latin typeface="Titillium Regular"/>
+              </a:rPr>
+              <a:t>is</a:t>
+            </a:r>
+            <a:r>
+              <a:rPr lang="de-DE" dirty="0" smtClean="0">
+                <a:latin typeface="Titillium Regular"/>
+              </a:rPr>
+              <a:t> an </a:t>
+            </a:r>
+            <a:r>
+              <a:rPr lang="de-DE" dirty="0" err="1" smtClean="0">
+                <a:latin typeface="Titillium Regular"/>
+              </a:rPr>
+              <a:t>object</a:t>
             </a:r>
             <a:endParaRPr lang="de-DE" dirty="0" smtClean="0">
               <a:latin typeface="Titillium Regular"/>
             </a:endParaRPr>
           </a:p>
           <a:p>
-            <a:pPr marL="342900" indent="-342900">
+            <a:pPr marL="800100" lvl="1" indent="-342900">
               <a:spcBef>
                 <a:spcPts val="400"/>
               </a:spcBef>
-              <a:buFont typeface="+mj-lt"/>
-              <a:buAutoNum type="arabicPeriod"/>
+              <a:buFont typeface="Arial" charset="0"/>
+              <a:buChar char="•"/>
             </a:pPr>
             <a:r>
+              <a:rPr lang="de-DE" dirty="0" err="1" smtClean="0">
+                <a:latin typeface="Titillium Regular"/>
+              </a:rPr>
+              <a:t>Interpreted</a:t>
+            </a:r>
+            <a:r>
               <a:rPr lang="de-DE" dirty="0" smtClean="0">
                 <a:latin typeface="Titillium Regular"/>
               </a:rPr>
-              <a:t>Ruby </a:t>
+              <a:t> (not </a:t>
             </a:r>
             <a:r>
               <a:rPr lang="de-DE" dirty="0" err="1" smtClean="0">
                 <a:latin typeface="Titillium Regular"/>
               </a:rPr>
-              <a:t>gems</a:t>
+              <a:t>compiled</a:t>
+            </a:r>
+            <a:r>
+              <a:rPr lang="de-DE" dirty="0" smtClean="0">
+                <a:latin typeface="Titillium Regular"/>
+              </a:rPr>
+              <a:t>)</a:t>
+            </a:r>
+          </a:p>
+          <a:p>
+            <a:pPr marL="800100" lvl="1" indent="-342900">
+              <a:spcBef>
+                <a:spcPts val="400"/>
+              </a:spcBef>
+              <a:buFont typeface="Arial" charset="0"/>
+              <a:buChar char="•"/>
+            </a:pPr>
+            <a:r>
+              <a:rPr lang="de-DE" dirty="0" err="1" smtClean="0">
+                <a:latin typeface="Titillium Regular"/>
+              </a:rPr>
+              <a:t>Reflection</a:t>
+            </a:r>
+            <a:r>
+              <a:rPr lang="de-DE" dirty="0" smtClean="0">
+                <a:latin typeface="Titillium Regular"/>
+              </a:rPr>
+              <a:t>/</a:t>
+            </a:r>
+            <a:r>
+              <a:rPr lang="de-DE" dirty="0" err="1" smtClean="0">
+                <a:latin typeface="Titillium Regular"/>
+              </a:rPr>
+              <a:t>Retrospection</a:t>
             </a:r>
             <a:endParaRPr lang="de-DE" dirty="0" smtClean="0">
               <a:latin typeface="Titillium Regular"/>
             </a:endParaRPr>
           </a:p>
           <a:p>
-            <a:pPr marL="342900" indent="-342900">
+            <a:pPr marL="800100" lvl="1" indent="-342900">
               <a:spcBef>
                 <a:spcPts val="400"/>
               </a:spcBef>
-              <a:buFont typeface="+mj-lt"/>
-              <a:buAutoNum type="arabicPeriod"/>
+              <a:buFont typeface="Arial" charset="0"/>
+              <a:buChar char="•"/>
             </a:pPr>
             <a:r>
               <a:rPr lang="de-DE" dirty="0" smtClean="0">
                 <a:latin typeface="Titillium Regular"/>
               </a:rPr>
-              <a:t>Ruby on </a:t>
-            </a:r>
-            <a:r>
-              <a:rPr lang="de-DE" dirty="0" err="1" smtClean="0">
-                <a:latin typeface="Titillium Regular"/>
-              </a:rPr>
-              <a:t>Rails</a:t>
+              <a:t>REPL (IRB)</a:t>
             </a:r>
             <a:endParaRPr lang="de-DE" dirty="0">
               <a:latin typeface="Titillium Regular"/>
@@ -7132,12 +6611,14 @@
         <p:spPr>
           <a:xfrm>
             <a:off x="309780" y="1131590"/>
-            <a:ext cx="7142540" cy="2667397"/>
+            <a:ext cx="7142540" cy="1231106"/>
           </a:xfrm>
           <a:prstGeom prst="rect">
             <a:avLst/>
           </a:prstGeom>
-          <a:noFill/>
+          <a:solidFill>
+            <a:schemeClr val="tx1"/>
+          </a:solidFill>
         </p:spPr>
         <p:txBody>
           <a:bodyPr wrap="square" rtlCol="0">
@@ -7149,269 +6630,171 @@
               <a:spcBef>
                 <a:spcPts val="400"/>
               </a:spcBef>
-              <a:buFont typeface="Arial" charset="0"/>
-              <a:buChar char="•"/>
             </a:pPr>
             <a:r>
-              <a:rPr lang="de-DE" dirty="0" err="1" smtClean="0">
-                <a:latin typeface="Titillium Regular"/>
-              </a:rPr>
-              <a:t>Created</a:t>
-            </a:r>
-            <a:r>
-              <a:rPr lang="de-DE" dirty="0" smtClean="0">
-                <a:latin typeface="Titillium Regular"/>
-              </a:rPr>
-              <a:t> </a:t>
-            </a:r>
-            <a:r>
-              <a:rPr lang="de-DE" dirty="0" err="1" smtClean="0">
-                <a:latin typeface="Titillium Regular"/>
-              </a:rPr>
-              <a:t>by</a:t>
-            </a:r>
-            <a:r>
-              <a:rPr lang="de-DE" dirty="0" smtClean="0">
-                <a:latin typeface="Titillium Regular"/>
-              </a:rPr>
-              <a:t> Yukihiro Matsumoto in 1995</a:t>
-            </a:r>
+              <a:rPr lang="de-DE" sz="1600" dirty="0" smtClean="0">
+                <a:solidFill>
+                  <a:schemeClr val="bg1"/>
+                </a:solidFill>
+                <a:latin typeface="Lucida Console" pitchFamily="49" charset="0"/>
+              </a:rPr>
+              <a:t>$ </a:t>
+            </a:r>
+            <a:r>
+              <a:rPr lang="de-DE" sz="1600" dirty="0" err="1" smtClean="0">
+                <a:solidFill>
+                  <a:schemeClr val="bg1"/>
+                </a:solidFill>
+                <a:latin typeface="Lucida Console" pitchFamily="49" charset="0"/>
+              </a:rPr>
+              <a:t>irb</a:t>
+            </a:r>
+            <a:endParaRPr lang="de-DE" sz="1600" dirty="0" smtClean="0">
+              <a:solidFill>
+                <a:schemeClr val="bg1"/>
+              </a:solidFill>
+              <a:latin typeface="Lucida Console" pitchFamily="49" charset="0"/>
+            </a:endParaRPr>
           </a:p>
           <a:p>
             <a:pPr marL="342900" indent="-342900">
               <a:spcBef>
                 <a:spcPts val="400"/>
               </a:spcBef>
-              <a:buFont typeface="Arial" charset="0"/>
-              <a:buChar char="•"/>
             </a:pPr>
             <a:r>
-              <a:rPr lang="de-DE" dirty="0" smtClean="0">
-                <a:latin typeface="Titillium Regular"/>
-              </a:rPr>
-              <a:t>Dynamic </a:t>
-            </a:r>
-            <a:r>
-              <a:rPr lang="de-DE" dirty="0" err="1" smtClean="0">
-                <a:latin typeface="Titillium Regular"/>
-              </a:rPr>
-              <a:t>programming</a:t>
-            </a:r>
-            <a:r>
-              <a:rPr lang="de-DE" dirty="0" smtClean="0">
-                <a:latin typeface="Titillium Regular"/>
+              <a:rPr lang="de-DE" sz="1600" dirty="0" smtClean="0">
+                <a:solidFill>
+                  <a:schemeClr val="bg1"/>
+                </a:solidFill>
+                <a:latin typeface="Lucida Console" pitchFamily="49" charset="0"/>
+              </a:rPr>
+              <a:t>&gt; </a:t>
+            </a:r>
+            <a:r>
+              <a:rPr lang="de-DE" sz="1600" dirty="0" err="1" smtClean="0">
+                <a:solidFill>
+                  <a:schemeClr val="bg1"/>
+                </a:solidFill>
+                <a:latin typeface="Lucida Console" pitchFamily="49" charset="0"/>
+              </a:rPr>
+              <a:t>puts</a:t>
+            </a:r>
+            <a:r>
+              <a:rPr lang="de-DE" sz="1600" dirty="0" smtClean="0">
+                <a:solidFill>
+                  <a:schemeClr val="bg1"/>
+                </a:solidFill>
+                <a:latin typeface="Lucida Console" pitchFamily="49" charset="0"/>
+              </a:rPr>
+              <a:t> „</a:t>
+            </a:r>
+            <a:r>
+              <a:rPr lang="de-DE" sz="1600" dirty="0" err="1" smtClean="0">
+                <a:solidFill>
+                  <a:schemeClr val="bg1"/>
+                </a:solidFill>
+                <a:latin typeface="Lucida Console" pitchFamily="49" charset="0"/>
+              </a:rPr>
+              <a:t>hello</a:t>
+            </a:r>
+            <a:r>
+              <a:rPr lang="de-DE" sz="1600" dirty="0" smtClean="0">
+                <a:solidFill>
+                  <a:schemeClr val="bg1"/>
+                </a:solidFill>
+                <a:latin typeface="Lucida Console" pitchFamily="49" charset="0"/>
               </a:rPr>
               <a:t> </a:t>
             </a:r>
             <a:r>
-              <a:rPr lang="de-DE" dirty="0" err="1" smtClean="0">
-                <a:latin typeface="Titillium Regular"/>
-              </a:rPr>
-              <a:t>language</a:t>
-            </a:r>
-            <a:endParaRPr lang="de-DE" dirty="0" smtClean="0">
-              <a:latin typeface="Titillium Regular"/>
-            </a:endParaRPr>
+              <a:rPr lang="de-DE" sz="1600" dirty="0" err="1" smtClean="0">
+                <a:solidFill>
+                  <a:schemeClr val="bg1"/>
+                </a:solidFill>
+                <a:latin typeface="Lucida Console" pitchFamily="49" charset="0"/>
+              </a:rPr>
+              <a:t>world</a:t>
+            </a:r>
+            <a:r>
+              <a:rPr lang="de-DE" sz="1600" dirty="0" smtClean="0">
+                <a:solidFill>
+                  <a:schemeClr val="bg1"/>
+                </a:solidFill>
+                <a:latin typeface="Lucida Console" pitchFamily="49" charset="0"/>
+              </a:rPr>
+              <a:t>“</a:t>
+            </a:r>
           </a:p>
           <a:p>
             <a:pPr marL="342900" indent="-342900">
               <a:spcBef>
                 <a:spcPts val="400"/>
               </a:spcBef>
-              <a:buFont typeface="Arial" charset="0"/>
-              <a:buChar char="•"/>
             </a:pPr>
             <a:r>
-              <a:rPr lang="de-DE" dirty="0" err="1" smtClean="0">
-                <a:latin typeface="Titillium Regular"/>
-              </a:rPr>
-              <a:t>Some</a:t>
-            </a:r>
-            <a:r>
-              <a:rPr lang="de-DE" dirty="0" smtClean="0">
-                <a:latin typeface="Titillium Regular"/>
+              <a:rPr lang="de-DE" sz="1600" dirty="0" err="1" smtClean="0">
+                <a:solidFill>
+                  <a:schemeClr val="bg1"/>
+                </a:solidFill>
+                <a:latin typeface="Lucida Console" pitchFamily="49" charset="0"/>
+              </a:rPr>
+              <a:t>hello</a:t>
+            </a:r>
+            <a:r>
+              <a:rPr lang="de-DE" sz="1600" dirty="0" smtClean="0">
+                <a:solidFill>
+                  <a:schemeClr val="bg1"/>
+                </a:solidFill>
+                <a:latin typeface="Lucida Console" pitchFamily="49" charset="0"/>
               </a:rPr>
               <a:t> </a:t>
             </a:r>
             <a:r>
-              <a:rPr lang="de-DE" dirty="0" err="1" smtClean="0">
-                <a:latin typeface="Titillium Regular"/>
-              </a:rPr>
-              <a:t>features</a:t>
-            </a:r>
-            <a:endParaRPr lang="de-DE" dirty="0" smtClean="0">
-              <a:latin typeface="Titillium Regular"/>
+              <a:rPr lang="de-DE" sz="1600" dirty="0" err="1" smtClean="0">
+                <a:solidFill>
+                  <a:schemeClr val="bg1"/>
+                </a:solidFill>
+                <a:latin typeface="Lucida Console" pitchFamily="49" charset="0"/>
+              </a:rPr>
+              <a:t>world</a:t>
+            </a:r>
+            <a:endParaRPr lang="de-DE" sz="1600" dirty="0" smtClean="0">
+              <a:solidFill>
+                <a:schemeClr val="bg1"/>
+              </a:solidFill>
+              <a:latin typeface="Lucida Console" pitchFamily="49" charset="0"/>
             </a:endParaRPr>
           </a:p>
           <a:p>
-            <a:pPr marL="800100" lvl="1" indent="-342900">
+            <a:pPr marL="342900" indent="-342900">
               <a:spcBef>
                 <a:spcPts val="400"/>
               </a:spcBef>
-              <a:buFont typeface="Arial" charset="0"/>
-              <a:buChar char="•"/>
             </a:pPr>
             <a:r>
-              <a:rPr lang="de-DE" dirty="0" err="1" smtClean="0">
-                <a:latin typeface="Titillium Regular"/>
-              </a:rPr>
-              <a:t>Garbage</a:t>
-            </a:r>
-            <a:r>
-              <a:rPr lang="de-DE" dirty="0" smtClean="0">
-                <a:latin typeface="Titillium Regular"/>
-              </a:rPr>
-              <a:t> </a:t>
-            </a:r>
-            <a:r>
-              <a:rPr lang="de-DE" dirty="0" err="1" smtClean="0">
-                <a:latin typeface="Titillium Regular"/>
-              </a:rPr>
-              <a:t>collecting</a:t>
-            </a:r>
-            <a:endParaRPr lang="de-DE" dirty="0" smtClean="0">
-              <a:latin typeface="Titillium Regular"/>
-            </a:endParaRPr>
-          </a:p>
-          <a:p>
-            <a:pPr marL="800100" lvl="1" indent="-342900">
-              <a:spcBef>
-                <a:spcPts val="400"/>
-              </a:spcBef>
-              <a:buFont typeface="Arial" charset="0"/>
-              <a:buChar char="•"/>
-            </a:pPr>
-            <a:r>
-              <a:rPr lang="de-DE" dirty="0" smtClean="0">
-                <a:latin typeface="Titillium Regular"/>
-              </a:rPr>
-              <a:t>(</a:t>
-            </a:r>
-            <a:r>
-              <a:rPr lang="de-DE" dirty="0" err="1" smtClean="0">
-                <a:latin typeface="Titillium Regular"/>
-              </a:rPr>
-              <a:t>almost</a:t>
-            </a:r>
-            <a:r>
-              <a:rPr lang="de-DE" dirty="0" smtClean="0">
-                <a:latin typeface="Titillium Regular"/>
-              </a:rPr>
-              <a:t>) </a:t>
-            </a:r>
-            <a:r>
-              <a:rPr lang="de-DE" dirty="0" err="1" smtClean="0">
-                <a:latin typeface="Titillium Regular"/>
-              </a:rPr>
-              <a:t>everything</a:t>
-            </a:r>
-            <a:r>
-              <a:rPr lang="de-DE" dirty="0" smtClean="0">
-                <a:latin typeface="Titillium Regular"/>
-              </a:rPr>
-              <a:t> </a:t>
-            </a:r>
-            <a:r>
-              <a:rPr lang="de-DE" dirty="0" err="1" smtClean="0">
-                <a:latin typeface="Titillium Regular"/>
-              </a:rPr>
-              <a:t>is</a:t>
-            </a:r>
-            <a:r>
-              <a:rPr lang="de-DE" dirty="0" smtClean="0">
-                <a:latin typeface="Titillium Regular"/>
-              </a:rPr>
-              <a:t> an </a:t>
-            </a:r>
-            <a:r>
-              <a:rPr lang="de-DE" dirty="0" err="1" smtClean="0">
-                <a:latin typeface="Titillium Regular"/>
-              </a:rPr>
-              <a:t>object</a:t>
-            </a:r>
-            <a:endParaRPr lang="de-DE" dirty="0" smtClean="0">
-              <a:latin typeface="Titillium Regular"/>
-            </a:endParaRPr>
-          </a:p>
-          <a:p>
-            <a:pPr marL="800100" lvl="1" indent="-342900">
-              <a:spcBef>
-                <a:spcPts val="400"/>
-              </a:spcBef>
-              <a:buFont typeface="Arial" charset="0"/>
-              <a:buChar char="•"/>
-            </a:pPr>
-            <a:r>
-              <a:rPr lang="de-DE" dirty="0" err="1" smtClean="0">
-                <a:latin typeface="Titillium Regular"/>
-              </a:rPr>
-              <a:t>Interpreted</a:t>
-            </a:r>
-            <a:r>
-              <a:rPr lang="de-DE" dirty="0" smtClean="0">
-                <a:latin typeface="Titillium Regular"/>
-              </a:rPr>
-              <a:t> (not </a:t>
-            </a:r>
-            <a:r>
-              <a:rPr lang="de-DE" dirty="0" err="1" smtClean="0">
-                <a:latin typeface="Titillium Regular"/>
-              </a:rPr>
-              <a:t>compiled</a:t>
-            </a:r>
-            <a:r>
-              <a:rPr lang="de-DE" dirty="0" smtClean="0">
-                <a:latin typeface="Titillium Regular"/>
-              </a:rPr>
-              <a:t>)</a:t>
-            </a:r>
-          </a:p>
-          <a:p>
-            <a:pPr marL="800100" lvl="1" indent="-342900">
-              <a:spcBef>
-                <a:spcPts val="400"/>
-              </a:spcBef>
-              <a:buFont typeface="Arial" charset="0"/>
-              <a:buChar char="•"/>
-            </a:pPr>
-            <a:r>
-              <a:rPr lang="de-DE" dirty="0" err="1" smtClean="0">
-                <a:latin typeface="Titillium Regular"/>
-              </a:rPr>
-              <a:t>Reflection</a:t>
-            </a:r>
-            <a:r>
-              <a:rPr lang="de-DE" dirty="0" smtClean="0">
-                <a:latin typeface="Titillium Regular"/>
-              </a:rPr>
-              <a:t>/</a:t>
-            </a:r>
-            <a:r>
-              <a:rPr lang="de-DE" dirty="0" err="1" smtClean="0">
-                <a:latin typeface="Titillium Regular"/>
-              </a:rPr>
-              <a:t>Retrospection</a:t>
-            </a:r>
-            <a:endParaRPr lang="de-DE" dirty="0" smtClean="0">
-              <a:latin typeface="Titillium Regular"/>
-            </a:endParaRPr>
-          </a:p>
-          <a:p>
-            <a:pPr marL="800100" lvl="1" indent="-342900">
-              <a:spcBef>
-                <a:spcPts val="400"/>
-              </a:spcBef>
-              <a:buFont typeface="Arial" charset="0"/>
-              <a:buChar char="•"/>
-            </a:pPr>
-            <a:r>
-              <a:rPr lang="de-DE" dirty="0" smtClean="0">
-                <a:latin typeface="Titillium Regular"/>
-              </a:rPr>
-              <a:t>REPL (IRB)</a:t>
-            </a:r>
-            <a:endParaRPr lang="de-DE" dirty="0">
-              <a:latin typeface="Titillium Regular"/>
+              <a:rPr lang="de-DE" sz="1600" dirty="0" smtClean="0">
+                <a:solidFill>
+                  <a:schemeClr val="bg1"/>
+                </a:solidFill>
+                <a:latin typeface="Lucida Console" pitchFamily="49" charset="0"/>
+              </a:rPr>
+              <a:t>=&gt; </a:t>
+            </a:r>
+            <a:r>
+              <a:rPr lang="de-DE" sz="1600" dirty="0" err="1" smtClean="0">
+                <a:solidFill>
+                  <a:schemeClr val="bg1"/>
+                </a:solidFill>
+                <a:latin typeface="Lucida Console" pitchFamily="49" charset="0"/>
+              </a:rPr>
+              <a:t>nil</a:t>
+            </a:r>
+            <a:endParaRPr lang="de-DE" sz="1600" dirty="0">
+              <a:solidFill>
+                <a:schemeClr val="bg1"/>
+              </a:solidFill>
+              <a:latin typeface="Lucida Console" pitchFamily="49" charset="0"/>
             </a:endParaRPr>
           </a:p>
         </p:txBody>
@@ -7537,7 +6920,7 @@
         <p:spPr>
           <a:xfrm>
             <a:off x="309780" y="288521"/>
-            <a:ext cx="1794081" cy="461665"/>
+            <a:ext cx="2853666" cy="461665"/>
           </a:xfrm>
           <a:prstGeom prst="rect">
             <a:avLst/>
@@ -7551,7 +6934,7 @@
           <a:lstStyle/>
           <a:p>
             <a:r>
-              <a:rPr lang="de-DE" sz="2400" dirty="0" err="1" smtClean="0">
+              <a:rPr lang="de-DE" sz="2400" dirty="0" smtClean="0">
                 <a:solidFill>
                   <a:schemeClr val="bg1">
                     <a:lumMod val="50000"/>
@@ -7560,7 +6943,7 @@
                 <a:latin typeface="Titillium Regular"/>
                 <a:cs typeface="Titillium Regular"/>
               </a:rPr>
-              <a:t>Introduction</a:t>
+              <a:t>Basics - Comments</a:t>
             </a:r>
             <a:endParaRPr lang="de-DE" sz="2200" dirty="0">
               <a:solidFill>
@@ -7583,8 +6966,8 @@
         </p:nvSpPr>
         <p:spPr>
           <a:xfrm>
-            <a:off x="309780" y="1131590"/>
-            <a:ext cx="7142540" cy="1231106"/>
+            <a:off x="251520" y="1131590"/>
+            <a:ext cx="7142540" cy="2123658"/>
           </a:xfrm>
           <a:prstGeom prst="rect">
             <a:avLst/>
@@ -7611,7 +6994,7 @@
                 </a:solidFill>
                 <a:latin typeface="Lucida Console" pitchFamily="49" charset="0"/>
               </a:rPr>
-              <a:t>$ </a:t>
+              <a:t>&gt; </a:t>
             </a:r>
             <a:r>
               <a:rPr lang="de-DE" sz="1600" dirty="0" err="1" smtClean="0">
@@ -7620,7 +7003,151 @@
                 </a:solidFill>
                 <a:latin typeface="Lucida Console" pitchFamily="49" charset="0"/>
               </a:rPr>
-              <a:t>irb</a:t>
+              <a:t>puts</a:t>
+            </a:r>
+            <a:r>
+              <a:rPr lang="de-DE" sz="1600" dirty="0" smtClean="0">
+                <a:solidFill>
+                  <a:schemeClr val="bg1"/>
+                </a:solidFill>
+                <a:latin typeface="Lucida Console" pitchFamily="49" charset="0"/>
+              </a:rPr>
+              <a:t> „</a:t>
+            </a:r>
+            <a:r>
+              <a:rPr lang="de-DE" sz="1600" dirty="0" err="1" smtClean="0">
+                <a:solidFill>
+                  <a:schemeClr val="bg1"/>
+                </a:solidFill>
+                <a:latin typeface="Lucida Console" pitchFamily="49" charset="0"/>
+              </a:rPr>
+              <a:t>hello</a:t>
+            </a:r>
+            <a:r>
+              <a:rPr lang="de-DE" sz="1600" dirty="0" smtClean="0">
+                <a:solidFill>
+                  <a:schemeClr val="bg1"/>
+                </a:solidFill>
+                <a:latin typeface="Lucida Console" pitchFamily="49" charset="0"/>
+              </a:rPr>
+              <a:t> </a:t>
+            </a:r>
+            <a:r>
+              <a:rPr lang="de-DE" sz="1600" dirty="0" err="1" smtClean="0">
+                <a:solidFill>
+                  <a:schemeClr val="bg1"/>
+                </a:solidFill>
+                <a:latin typeface="Lucida Console" pitchFamily="49" charset="0"/>
+              </a:rPr>
+              <a:t>world</a:t>
+            </a:r>
+            <a:r>
+              <a:rPr lang="de-DE" sz="1600" dirty="0" smtClean="0">
+                <a:solidFill>
+                  <a:schemeClr val="bg1"/>
+                </a:solidFill>
+                <a:latin typeface="Lucida Console" pitchFamily="49" charset="0"/>
+              </a:rPr>
+              <a:t>“ # </a:t>
+            </a:r>
+            <a:r>
+              <a:rPr lang="de-DE" sz="1600" dirty="0" err="1" smtClean="0">
+                <a:solidFill>
+                  <a:schemeClr val="bg1"/>
+                </a:solidFill>
+                <a:latin typeface="Lucida Console" pitchFamily="49" charset="0"/>
+              </a:rPr>
+              <a:t>this</a:t>
+            </a:r>
+            <a:r>
+              <a:rPr lang="de-DE" sz="1600" dirty="0" smtClean="0">
+                <a:solidFill>
+                  <a:schemeClr val="bg1"/>
+                </a:solidFill>
+                <a:latin typeface="Lucida Console" pitchFamily="49" charset="0"/>
+              </a:rPr>
+              <a:t> </a:t>
+            </a:r>
+            <a:r>
+              <a:rPr lang="de-DE" sz="1600" dirty="0" err="1" smtClean="0">
+                <a:solidFill>
+                  <a:schemeClr val="bg1"/>
+                </a:solidFill>
+                <a:latin typeface="Lucida Console" pitchFamily="49" charset="0"/>
+              </a:rPr>
+              <a:t>is</a:t>
+            </a:r>
+            <a:r>
+              <a:rPr lang="de-DE" sz="1600" dirty="0" smtClean="0">
+                <a:solidFill>
+                  <a:schemeClr val="bg1"/>
+                </a:solidFill>
+                <a:latin typeface="Lucida Console" pitchFamily="49" charset="0"/>
+              </a:rPr>
+              <a:t> </a:t>
+            </a:r>
+            <a:r>
+              <a:rPr lang="de-DE" sz="1600" dirty="0" err="1" smtClean="0">
+                <a:solidFill>
+                  <a:schemeClr val="bg1"/>
+                </a:solidFill>
+                <a:latin typeface="Lucida Console" pitchFamily="49" charset="0"/>
+              </a:rPr>
+              <a:t>the</a:t>
+            </a:r>
+            <a:r>
+              <a:rPr lang="de-DE" sz="1600" dirty="0" smtClean="0">
+                <a:solidFill>
+                  <a:schemeClr val="bg1"/>
+                </a:solidFill>
+                <a:latin typeface="Lucida Console" pitchFamily="49" charset="0"/>
+              </a:rPr>
+              <a:t> </a:t>
+            </a:r>
+            <a:r>
+              <a:rPr lang="de-DE" sz="1600" dirty="0" err="1" smtClean="0">
+                <a:solidFill>
+                  <a:schemeClr val="bg1"/>
+                </a:solidFill>
+                <a:latin typeface="Lucida Console" pitchFamily="49" charset="0"/>
+              </a:rPr>
+              <a:t>hello</a:t>
+            </a:r>
+            <a:r>
+              <a:rPr lang="de-DE" sz="1600" dirty="0" smtClean="0">
+                <a:solidFill>
+                  <a:schemeClr val="bg1"/>
+                </a:solidFill>
+                <a:latin typeface="Lucida Console" pitchFamily="49" charset="0"/>
+              </a:rPr>
+              <a:t> </a:t>
+            </a:r>
+            <a:r>
+              <a:rPr lang="de-DE" sz="1600" dirty="0" err="1" smtClean="0">
+                <a:solidFill>
+                  <a:schemeClr val="bg1"/>
+                </a:solidFill>
+                <a:latin typeface="Lucida Console" pitchFamily="49" charset="0"/>
+              </a:rPr>
+              <a:t>world</a:t>
+            </a:r>
+            <a:r>
+              <a:rPr lang="de-DE" sz="1600" dirty="0" smtClean="0">
+                <a:solidFill>
+                  <a:schemeClr val="bg1"/>
+                </a:solidFill>
+                <a:latin typeface="Lucida Console" pitchFamily="49" charset="0"/>
+              </a:rPr>
+              <a:t> </a:t>
+            </a:r>
+            <a:r>
+              <a:rPr lang="de-DE" sz="1600" dirty="0" err="1" smtClean="0">
+                <a:solidFill>
+                  <a:schemeClr val="bg1"/>
+                </a:solidFill>
+                <a:latin typeface="Lucida Console" pitchFamily="49" charset="0"/>
+              </a:rPr>
+              <a:t>program</a:t>
             </a:r>
             <a:endParaRPr lang="de-DE" sz="1600" dirty="0" smtClean="0">
               <a:solidFill>
@@ -7636,76 +7163,6 @@
               </a:spcBef>
             </a:pPr>
             <a:r>
-              <a:rPr lang="de-DE" sz="1600" dirty="0" smtClean="0">
-                <a:solidFill>
-                  <a:schemeClr val="bg1"/>
-                </a:solidFill>
-                <a:latin typeface="Lucida Console" pitchFamily="49" charset="0"/>
-              </a:rPr>
-              <a:t>&gt; </a:t>
-            </a:r>
-            <a:r>
-              <a:rPr lang="de-DE" sz="1600" dirty="0" err="1" smtClean="0">
-                <a:solidFill>
-                  <a:schemeClr val="bg1"/>
-                </a:solidFill>
-                <a:latin typeface="Lucida Console" pitchFamily="49" charset="0"/>
-              </a:rPr>
-              <a:t>puts</a:t>
-            </a:r>
-            <a:r>
-              <a:rPr lang="de-DE" sz="1600" dirty="0" smtClean="0">
-                <a:solidFill>
-                  <a:schemeClr val="bg1"/>
-                </a:solidFill>
-                <a:latin typeface="Lucida Console" pitchFamily="49" charset="0"/>
-              </a:rPr>
-              <a:t> „</a:t>
-            </a:r>
-            <a:r>
-              <a:rPr lang="de-DE" sz="1600" dirty="0" err="1" smtClean="0">
-                <a:solidFill>
-                  <a:schemeClr val="bg1"/>
-                </a:solidFill>
-                <a:latin typeface="Lucida Console" pitchFamily="49" charset="0"/>
-              </a:rPr>
-              <a:t>hello</a:t>
-            </a:r>
-            <a:r>
-              <a:rPr lang="de-DE" sz="1600" dirty="0" smtClean="0">
-                <a:solidFill>
-                  <a:schemeClr val="bg1"/>
-                </a:solidFill>
-                <a:latin typeface="Lucida Console" pitchFamily="49" charset="0"/>
-              </a:rPr>
-              <a:t> </a:t>
-            </a:r>
-            <a:r>
-              <a:rPr lang="de-DE" sz="1600" dirty="0" err="1" smtClean="0">
-                <a:solidFill>
-                  <a:schemeClr val="bg1"/>
-                </a:solidFill>
-                <a:latin typeface="Lucida Console" pitchFamily="49" charset="0"/>
-              </a:rPr>
-              <a:t>world</a:t>
-            </a:r>
-            <a:r>
-              <a:rPr lang="de-DE" sz="1600" dirty="0" smtClean="0">
-                <a:solidFill>
-                  <a:schemeClr val="bg1"/>
-                </a:solidFill>
-                <a:latin typeface="Lucida Console" pitchFamily="49" charset="0"/>
-              </a:rPr>
-              <a:t>“</a:t>
-            </a:r>
-          </a:p>
-          <a:p>
-            <a:pPr marL="342900" indent="-342900">
-              <a:spcBef>
-                <a:spcPts val="400"/>
-              </a:spcBef>
-            </a:pPr>
-            <a:r>
               <a:rPr lang="de-DE" sz="1600" dirty="0" err="1" smtClean="0">
                 <a:solidFill>
                   <a:schemeClr val="bg1"/>
@@ -7763,6 +7220,171 @@
               </a:rPr>
               <a:t>nil</a:t>
             </a:r>
+            <a:endParaRPr lang="de-DE" sz="1600" dirty="0" smtClean="0">
+              <a:solidFill>
+                <a:schemeClr val="bg1"/>
+              </a:solidFill>
+              <a:latin typeface="Lucida Console" pitchFamily="49" charset="0"/>
+            </a:endParaRPr>
+          </a:p>
+          <a:p>
+            <a:pPr marL="342900" indent="-342900">
+              <a:spcBef>
+                <a:spcPts val="400"/>
+              </a:spcBef>
+            </a:pPr>
+            <a:r>
+              <a:rPr lang="de-DE" sz="1600" dirty="0" smtClean="0">
+                <a:solidFill>
+                  <a:schemeClr val="bg1"/>
+                </a:solidFill>
+                <a:latin typeface="Lucida Console" pitchFamily="49" charset="0"/>
+              </a:rPr>
+              <a:t>&gt; =</a:t>
+            </a:r>
+            <a:r>
+              <a:rPr lang="de-DE" sz="1600" dirty="0" err="1" smtClean="0">
+                <a:solidFill>
+                  <a:schemeClr val="bg1"/>
+                </a:solidFill>
+                <a:latin typeface="Lucida Console" pitchFamily="49" charset="0"/>
+              </a:rPr>
+              <a:t>begin</a:t>
+            </a:r>
+            <a:endParaRPr lang="de-DE" sz="1600" dirty="0" smtClean="0">
+              <a:solidFill>
+                <a:schemeClr val="bg1"/>
+              </a:solidFill>
+              <a:latin typeface="Lucida Console" pitchFamily="49" charset="0"/>
+            </a:endParaRPr>
+          </a:p>
+          <a:p>
+            <a:pPr marL="342900" indent="-342900">
+              <a:spcBef>
+                <a:spcPts val="400"/>
+              </a:spcBef>
+            </a:pPr>
+            <a:r>
+              <a:rPr lang="de-DE" sz="1600" dirty="0" smtClean="0">
+                <a:solidFill>
+                  <a:schemeClr val="bg1"/>
+                </a:solidFill>
+                <a:latin typeface="Lucida Console" pitchFamily="49" charset="0"/>
+              </a:rPr>
+              <a:t>&gt; </a:t>
+            </a:r>
+            <a:r>
+              <a:rPr lang="de-DE" sz="1600" dirty="0" err="1" smtClean="0">
+                <a:solidFill>
+                  <a:schemeClr val="bg1"/>
+                </a:solidFill>
+                <a:latin typeface="Lucida Console" pitchFamily="49" charset="0"/>
+              </a:rPr>
+              <a:t>This</a:t>
+            </a:r>
+            <a:r>
+              <a:rPr lang="de-DE" sz="1600" dirty="0" smtClean="0">
+                <a:solidFill>
+                  <a:schemeClr val="bg1"/>
+                </a:solidFill>
+                <a:latin typeface="Lucida Console" pitchFamily="49" charset="0"/>
+              </a:rPr>
+              <a:t> </a:t>
+            </a:r>
+            <a:r>
+              <a:rPr lang="de-DE" sz="1600" dirty="0" err="1" smtClean="0">
+                <a:solidFill>
+                  <a:schemeClr val="bg1"/>
+                </a:solidFill>
+                <a:latin typeface="Lucida Console" pitchFamily="49" charset="0"/>
+              </a:rPr>
+              <a:t>is</a:t>
+            </a:r>
+            <a:r>
+              <a:rPr lang="de-DE" sz="1600" dirty="0" smtClean="0">
+                <a:solidFill>
+                  <a:schemeClr val="bg1"/>
+                </a:solidFill>
+                <a:latin typeface="Lucida Console" pitchFamily="49" charset="0"/>
+              </a:rPr>
+              <a:t> a </a:t>
+            </a:r>
+            <a:r>
+              <a:rPr lang="de-DE" sz="1600" dirty="0" err="1" smtClean="0">
+                <a:solidFill>
+                  <a:schemeClr val="bg1"/>
+                </a:solidFill>
+                <a:latin typeface="Lucida Console" pitchFamily="49" charset="0"/>
+              </a:rPr>
+              <a:t>multi</a:t>
+            </a:r>
+            <a:r>
+              <a:rPr lang="de-DE" sz="1600" dirty="0" smtClean="0">
+                <a:solidFill>
+                  <a:schemeClr val="bg1"/>
+                </a:solidFill>
+                <a:latin typeface="Lucida Console" pitchFamily="49" charset="0"/>
+              </a:rPr>
+              <a:t> </a:t>
+            </a:r>
+            <a:r>
+              <a:rPr lang="de-DE" sz="1600" dirty="0" err="1" smtClean="0">
+                <a:solidFill>
+                  <a:schemeClr val="bg1"/>
+                </a:solidFill>
+                <a:latin typeface="Lucida Console" pitchFamily="49" charset="0"/>
+              </a:rPr>
+              <a:t>line</a:t>
+            </a:r>
+            <a:r>
+              <a:rPr lang="de-DE" sz="1600" dirty="0" smtClean="0">
+                <a:solidFill>
+                  <a:schemeClr val="bg1"/>
+                </a:solidFill>
+                <a:latin typeface="Lucida Console" pitchFamily="49" charset="0"/>
+              </a:rPr>
+              <a:t> </a:t>
+            </a:r>
+            <a:r>
+              <a:rPr lang="de-DE" sz="1600" dirty="0" err="1" smtClean="0">
+                <a:solidFill>
+                  <a:schemeClr val="bg1"/>
+                </a:solidFill>
+                <a:latin typeface="Lucida Console" pitchFamily="49" charset="0"/>
+              </a:rPr>
+              <a:t>comment</a:t>
+            </a:r>
+            <a:endParaRPr lang="de-DE" sz="1600" dirty="0" smtClean="0">
+              <a:solidFill>
+                <a:schemeClr val="bg1"/>
+              </a:solidFill>
+              <a:latin typeface="Lucida Console" pitchFamily="49" charset="0"/>
+            </a:endParaRPr>
+          </a:p>
+          <a:p>
+            <a:pPr marL="342900" indent="-342900">
+              <a:spcBef>
+                <a:spcPts val="400"/>
+              </a:spcBef>
+            </a:pPr>
+            <a:r>
+              <a:rPr lang="de-DE" sz="1600" dirty="0" smtClean="0">
+                <a:solidFill>
+                  <a:schemeClr val="bg1"/>
+                </a:solidFill>
+                <a:latin typeface="Lucida Console" pitchFamily="49" charset="0"/>
+              </a:rPr>
+              <a:t>&gt; =end</a:t>
+            </a:r>
+          </a:p>
+          <a:p>
+            <a:pPr marL="342900" indent="-342900">
+              <a:spcBef>
+                <a:spcPts val="400"/>
+              </a:spcBef>
+              <a:buFont typeface="Symbol"/>
+              <a:buChar char="Þ"/>
+            </a:pPr>
             <a:endParaRPr lang="de-DE" sz="1600" dirty="0">
               <a:solidFill>
                 <a:schemeClr val="bg1"/>
@@ -7893,7 +7515,7 @@
         <p:spPr>
           <a:xfrm>
             <a:off x="309780" y="288521"/>
-            <a:ext cx="2853666" cy="461665"/>
+            <a:ext cx="2614818" cy="461665"/>
           </a:xfrm>
           <a:prstGeom prst="rect">
             <a:avLst/>
@@ -7916,7 +7538,7 @@
                 <a:latin typeface="Titillium Regular"/>
                 <a:cs typeface="Titillium Regular"/>
               </a:rPr>
-              <a:t>Basics - Comments</a:t>
+              <a:t>Basics - Numbers</a:t>
             </a:r>
             <a:endParaRPr lang="de-DE" sz="2200" dirty="0">
               <a:solidFill>
@@ -7940,7 +7562,7 @@
         <p:spPr>
           <a:xfrm>
             <a:off x="251520" y="1131590"/>
-            <a:ext cx="7142540" cy="2123658"/>
+            <a:ext cx="7142540" cy="1826141"/>
           </a:xfrm>
           <a:prstGeom prst="rect">
             <a:avLst/>
@@ -7967,7 +7589,7 @@
                 </a:solidFill>
                 <a:latin typeface="Lucida Console" pitchFamily="49" charset="0"/>
               </a:rPr>
-              <a:t>&gt; </a:t>
+              <a:t>&gt; 42 # </a:t>
             </a:r>
             <a:r>
               <a:rPr lang="de-DE" sz="1600" dirty="0" err="1" smtClean="0">
@@ -7976,151 +7598,7 @@
                 </a:solidFill>
                 <a:latin typeface="Lucida Console" pitchFamily="49" charset="0"/>
               </a:rPr>
-              <a:t>puts</a:t>
-            </a:r>
-            <a:r>
-              <a:rPr lang="de-DE" sz="1600" dirty="0" smtClean="0">
-                <a:solidFill>
-                  <a:schemeClr val="bg1"/>
-                </a:solidFill>
-                <a:latin typeface="Lucida Console" pitchFamily="49" charset="0"/>
-              </a:rPr>
-              <a:t> „</a:t>
-            </a:r>
-            <a:r>
-              <a:rPr lang="de-DE" sz="1600" dirty="0" err="1" smtClean="0">
-                <a:solidFill>
-                  <a:schemeClr val="bg1"/>
-                </a:solidFill>
-                <a:latin typeface="Lucida Console" pitchFamily="49" charset="0"/>
-              </a:rPr>
-              <a:t>hello</a:t>
-            </a:r>
-            <a:r>
-              <a:rPr lang="de-DE" sz="1600" dirty="0" smtClean="0">
-                <a:solidFill>
-                  <a:schemeClr val="bg1"/>
-                </a:solidFill>
-                <a:latin typeface="Lucida Console" pitchFamily="49" charset="0"/>
-              </a:rPr>
-              <a:t> </a:t>
-            </a:r>
-            <a:r>
-              <a:rPr lang="de-DE" sz="1600" dirty="0" err="1" smtClean="0">
-                <a:solidFill>
-                  <a:schemeClr val="bg1"/>
-                </a:solidFill>
-                <a:latin typeface="Lucida Console" pitchFamily="49" charset="0"/>
-              </a:rPr>
-              <a:t>world</a:t>
-            </a:r>
-            <a:r>
-              <a:rPr lang="de-DE" sz="1600" dirty="0" smtClean="0">
-                <a:solidFill>
-                  <a:schemeClr val="bg1"/>
-                </a:solidFill>
-                <a:latin typeface="Lucida Console" pitchFamily="49" charset="0"/>
-              </a:rPr>
-              <a:t>“ # </a:t>
-            </a:r>
-            <a:r>
-              <a:rPr lang="de-DE" sz="1600" dirty="0" err="1" smtClean="0">
-                <a:solidFill>
-                  <a:schemeClr val="bg1"/>
-                </a:solidFill>
-                <a:latin typeface="Lucida Console" pitchFamily="49" charset="0"/>
-              </a:rPr>
-              <a:t>this</a:t>
-            </a:r>
-            <a:r>
-              <a:rPr lang="de-DE" sz="1600" dirty="0" smtClean="0">
-                <a:solidFill>
-                  <a:schemeClr val="bg1"/>
-                </a:solidFill>
-                <a:latin typeface="Lucida Console" pitchFamily="49" charset="0"/>
-              </a:rPr>
-              <a:t> </a:t>
-            </a:r>
-            <a:r>
-              <a:rPr lang="de-DE" sz="1600" dirty="0" err="1" smtClean="0">
-                <a:solidFill>
-                  <a:schemeClr val="bg1"/>
-                </a:solidFill>
-                <a:latin typeface="Lucida Console" pitchFamily="49" charset="0"/>
-              </a:rPr>
-              <a:t>is</a:t>
-            </a:r>
-            <a:r>
-              <a:rPr lang="de-DE" sz="1600" dirty="0" smtClean="0">
-                <a:solidFill>
-                  <a:schemeClr val="bg1"/>
-                </a:solidFill>
-                <a:latin typeface="Lucida Console" pitchFamily="49" charset="0"/>
-              </a:rPr>
-              <a:t> </a:t>
-            </a:r>
-            <a:r>
-              <a:rPr lang="de-DE" sz="1600" dirty="0" err="1" smtClean="0">
-                <a:solidFill>
-                  <a:schemeClr val="bg1"/>
-                </a:solidFill>
-                <a:latin typeface="Lucida Console" pitchFamily="49" charset="0"/>
-              </a:rPr>
-              <a:t>the</a:t>
-            </a:r>
-            <a:r>
-              <a:rPr lang="de-DE" sz="1600" dirty="0" smtClean="0">
-                <a:solidFill>
-                  <a:schemeClr val="bg1"/>
-                </a:solidFill>
-                <a:latin typeface="Lucida Console" pitchFamily="49" charset="0"/>
-              </a:rPr>
-              <a:t> </a:t>
-            </a:r>
-            <a:r>
-              <a:rPr lang="de-DE" sz="1600" dirty="0" err="1" smtClean="0">
-                <a:solidFill>
-                  <a:schemeClr val="bg1"/>
-                </a:solidFill>
-                <a:latin typeface="Lucida Console" pitchFamily="49" charset="0"/>
-              </a:rPr>
-              <a:t>hello</a:t>
-            </a:r>
-            <a:r>
-              <a:rPr lang="de-DE" sz="1600" dirty="0" smtClean="0">
-                <a:solidFill>
-                  <a:schemeClr val="bg1"/>
-                </a:solidFill>
-                <a:latin typeface="Lucida Console" pitchFamily="49" charset="0"/>
-              </a:rPr>
-              <a:t> </a:t>
-            </a:r>
-            <a:r>
-              <a:rPr lang="de-DE" sz="1600" dirty="0" err="1" smtClean="0">
-                <a:solidFill>
-                  <a:schemeClr val="bg1"/>
-                </a:solidFill>
-                <a:latin typeface="Lucida Console" pitchFamily="49" charset="0"/>
-              </a:rPr>
-              <a:t>world</a:t>
-            </a:r>
-            <a:r>
-              <a:rPr lang="de-DE" sz="1600" dirty="0" smtClean="0">
-                <a:solidFill>
-                  <a:schemeClr val="bg1"/>
-                </a:solidFill>
-                <a:latin typeface="Lucida Console" pitchFamily="49" charset="0"/>
-              </a:rPr>
-              <a:t> </a:t>
-            </a:r>
-            <a:r>
-              <a:rPr lang="de-DE" sz="1600" dirty="0" err="1" smtClean="0">
-                <a:solidFill>
-                  <a:schemeClr val="bg1"/>
-                </a:solidFill>
-                <a:latin typeface="Lucida Console" pitchFamily="49" charset="0"/>
-              </a:rPr>
-              <a:t>program</a:t>
+              <a:t>decimal</a:t>
             </a:r>
             <a:endParaRPr lang="de-DE" sz="1600" dirty="0" smtClean="0">
               <a:solidFill>
@@ -8136,31 +7614,38 @@
               </a:spcBef>
             </a:pPr>
             <a:r>
+              <a:rPr lang="de-DE" sz="1600" dirty="0" smtClean="0">
+                <a:solidFill>
+                  <a:schemeClr val="bg1"/>
+                </a:solidFill>
+                <a:latin typeface="Lucida Console" pitchFamily="49" charset="0"/>
+              </a:rPr>
+              <a:t>&gt; 0x2a # hex</a:t>
+            </a:r>
+          </a:p>
+          <a:p>
+            <a:pPr marL="342900" indent="-342900">
+              <a:spcBef>
+                <a:spcPts val="400"/>
+              </a:spcBef>
+            </a:pPr>
+            <a:r>
+              <a:rPr lang="de-DE" sz="1600" dirty="0" smtClean="0">
+                <a:solidFill>
+                  <a:schemeClr val="bg1"/>
+                </a:solidFill>
+                <a:latin typeface="Lucida Console" pitchFamily="49" charset="0"/>
+              </a:rPr>
+              <a:t>&gt; 0052 # </a:t>
+            </a:r>
+            <a:r>
               <a:rPr lang="de-DE" sz="1600" dirty="0" err="1" smtClean="0">
                 <a:solidFill>
                   <a:schemeClr val="bg1"/>
                 </a:solidFill>
                 <a:latin typeface="Lucida Console" pitchFamily="49" charset="0"/>
               </a:rPr>
-              <a:t>hello</a:t>
-            </a:r>
-            <a:r>
-              <a:rPr lang="de-DE" sz="1600" dirty="0" smtClean="0">
-                <a:solidFill>
-                  <a:schemeClr val="bg1"/>
-                </a:solidFill>
-                <a:latin typeface="Lucida Console" pitchFamily="49" charset="0"/>
-              </a:rPr>
-              <a:t> </a:t>
-            </a:r>
-            <a:r>
-              <a:rPr lang="de-DE" sz="1600" dirty="0" err="1" smtClean="0">
-                <a:solidFill>
-                  <a:schemeClr val="bg1"/>
-                </a:solidFill>
-                <a:latin typeface="Lucida Console" pitchFamily="49" charset="0"/>
-              </a:rPr>
-              <a:t>world</a:t>
+              <a:t>oct</a:t>
             </a:r>
             <a:endParaRPr lang="de-DE" sz="1600" dirty="0" smtClean="0">
               <a:solidFill>
@@ -8182,7 +7667,7 @@
                 </a:solidFill>
                 <a:latin typeface="Lucida Console" pitchFamily="49" charset="0"/>
               </a:rPr>
-              <a:t>=&gt; </a:t>
+              <a:t>&gt; 0b101010 # </a:t>
             </a:r>
             <a:r>
               <a:rPr lang="de-DE" sz="1600" dirty="0" err="1" smtClean="0">
@@ -8191,7 +7676,7 @@
                 </a:solidFill>
                 <a:latin typeface="Lucida Console" pitchFamily="49" charset="0"/>
               </a:rPr>
-              <a:t>nil</a:t>
+              <a:t>binary</a:t>
             </a:r>
             <a:endParaRPr lang="de-DE" sz="1600" dirty="0" smtClean="0">
               <a:solidFill>
@@ -8213,7 +7698,23 @@
                 </a:solidFill>
                 <a:latin typeface="Lucida Console" pitchFamily="49" charset="0"/>
               </a:rPr>
-              <a:t>&gt; =</a:t>
+              <a:t>&gt; 42.class</a:t>
+            </a:r>
+          </a:p>
+          <a:p>
+            <a:pPr marL="342900" indent="-342900">
+              <a:spcBef>
+                <a:spcPts val="400"/>
+              </a:spcBef>
+            </a:pPr>
+            <a:r>
+              <a:rPr lang="de-DE" sz="1600" dirty="0" smtClean="0">
+                <a:solidFill>
+                  <a:schemeClr val="bg1"/>
+                </a:solidFill>
+                <a:latin typeface="Lucida Console" pitchFamily="49" charset="0"/>
+              </a:rPr>
+              <a:t>&gt; 3.upto(10) { |i| </a:t>
             </a:r>
             <a:r>
               <a:rPr lang="de-DE" sz="1600" dirty="0" err="1" smtClean="0">
@@ -8222,133 +7723,82 @@
                 </a:solidFill>
                 <a:latin typeface="Lucida Console" pitchFamily="49" charset="0"/>
               </a:rPr>
-              <a:t>begin</a:t>
-            </a:r>
-            <a:endParaRPr lang="de-DE" sz="1600" dirty="0" smtClean="0">
+              <a:t>puts</a:t>
+            </a:r>
+            <a:r>
+              <a:rPr lang="de-DE" sz="1600" dirty="0" smtClean="0">
+                <a:solidFill>
+                  <a:schemeClr val="bg1"/>
+                </a:solidFill>
+                <a:latin typeface="Lucida Console" pitchFamily="49" charset="0"/>
+              </a:rPr>
+              <a:t> i }</a:t>
+            </a:r>
+            <a:endParaRPr lang="de-DE" sz="1600" dirty="0">
               <a:solidFill>
                 <a:schemeClr val="bg1"/>
               </a:solidFill>
               <a:latin typeface="Lucida Console" pitchFamily="49" charset="0"/>
             </a:endParaRPr>
           </a:p>
+        </p:txBody>
+      </p:sp>
+      <p:sp>
+        <p:nvSpPr>
+          <p:cNvPr id="11" name="Textfeld 10"/>
+          <p:cNvSpPr txBox="1"/>
+          <p:nvPr/>
+        </p:nvSpPr>
+        <p:spPr>
+          <a:xfrm>
+            <a:off x="251520" y="3507854"/>
+            <a:ext cx="7142540" cy="1354217"/>
+          </a:xfrm>
+          <a:prstGeom prst="rect">
+            <a:avLst/>
+          </a:prstGeom>
+          <a:noFill/>
+        </p:spPr>
+        <p:txBody>
+          <a:bodyPr wrap="square" rtlCol="0">
+            <a:spAutoFit/>
+          </a:bodyPr>
+          <a:lstStyle/>
           <a:p>
             <a:pPr marL="342900" indent="-342900">
               <a:spcBef>
                 <a:spcPts val="400"/>
               </a:spcBef>
+              <a:buFont typeface="Arial" charset="0"/>
+              <a:buChar char="•"/>
             </a:pPr>
             <a:r>
-              <a:rPr lang="de-DE" sz="1600" dirty="0" smtClean="0">
-                <a:solidFill>
-                  <a:schemeClr val="bg1"/>
-                </a:solidFill>
-                <a:latin typeface="Lucida Console" pitchFamily="49" charset="0"/>
-              </a:rPr>
-              <a:t>&gt; </a:t>
-            </a:r>
-            <a:r>
-              <a:rPr lang="de-DE" sz="1600" dirty="0" err="1" smtClean="0">
-                <a:solidFill>
-                  <a:schemeClr val="bg1"/>
-                </a:solidFill>
-                <a:latin typeface="Lucida Console" pitchFamily="49" charset="0"/>
-              </a:rPr>
-              <a:t>This</a:t>
-            </a:r>
-            <a:r>
-              <a:rPr lang="de-DE" sz="1600" dirty="0" smtClean="0">
-                <a:solidFill>
-                  <a:schemeClr val="bg1"/>
-                </a:solidFill>
-                <a:latin typeface="Lucida Console" pitchFamily="49" charset="0"/>
+              <a:rPr lang="de-DE" dirty="0" smtClean="0">
+                <a:latin typeface="Titillium Regular"/>
+              </a:rPr>
+              <a:t>Numbers </a:t>
+            </a:r>
+            <a:r>
+              <a:rPr lang="de-DE" dirty="0" err="1" smtClean="0">
+                <a:latin typeface="Titillium Regular"/>
+              </a:rPr>
+              <a:t>are</a:t>
+            </a:r>
+            <a:r>
+              <a:rPr lang="de-DE" dirty="0" smtClean="0">
+                <a:latin typeface="Titillium Regular"/>
               </a:rPr>
               <a:t> </a:t>
             </a:r>
             <a:r>
-              <a:rPr lang="de-DE" sz="1600" dirty="0" err="1" smtClean="0">
-                <a:solidFill>
-                  <a:schemeClr val="bg1"/>
-                </a:solidFill>
-                <a:latin typeface="Lucida Console" pitchFamily="49" charset="0"/>
-              </a:rPr>
-              <a:t>is</a:t>
-            </a:r>
-            <a:r>
-              <a:rPr lang="de-DE" sz="1600" dirty="0" smtClean="0">
-                <a:solidFill>
-                  <a:schemeClr val="bg1"/>
-                </a:solidFill>
-                <a:latin typeface="Lucida Console" pitchFamily="49" charset="0"/>
-              </a:rPr>
-              <a:t> a </a:t>
-            </a:r>
-            <a:r>
-              <a:rPr lang="de-DE" sz="1600" dirty="0" err="1" smtClean="0">
-                <a:solidFill>
-                  <a:schemeClr val="bg1"/>
-                </a:solidFill>
-                <a:latin typeface="Lucida Console" pitchFamily="49" charset="0"/>
-              </a:rPr>
-              <a:t>multi</a:t>
-            </a:r>
-            <a:r>
-              <a:rPr lang="de-DE" sz="1600" dirty="0" smtClean="0">
-                <a:solidFill>
-                  <a:schemeClr val="bg1"/>
-                </a:solidFill>
-                <a:latin typeface="Lucida Console" pitchFamily="49" charset="0"/>
-              </a:rPr>
-              <a:t> </a:t>
-            </a:r>
-            <a:r>
-              <a:rPr lang="de-DE" sz="1600" dirty="0" err="1" smtClean="0">
-                <a:solidFill>
-                  <a:schemeClr val="bg1"/>
-                </a:solidFill>
-                <a:latin typeface="Lucida Console" pitchFamily="49" charset="0"/>
-              </a:rPr>
-              <a:t>line</a:t>
-            </a:r>
-            <a:r>
-              <a:rPr lang="de-DE" sz="1600" dirty="0" smtClean="0">
-                <a:solidFill>
-                  <a:schemeClr val="bg1"/>
-                </a:solidFill>
-                <a:latin typeface="Lucida Console" pitchFamily="49" charset="0"/>
-              </a:rPr>
-              <a:t> </a:t>
-            </a:r>
-            <a:r>
-              <a:rPr lang="de-DE" sz="1600" dirty="0" err="1" smtClean="0">
-                <a:solidFill>
-                  <a:schemeClr val="bg1"/>
-                </a:solidFill>
-                <a:latin typeface="Lucida Console" pitchFamily="49" charset="0"/>
-              </a:rPr>
-              <a:t>comment</a:t>
-            </a:r>
-            <a:endParaRPr lang="de-DE" sz="1600" dirty="0" smtClean="0">
-              <a:solidFill>
-                <a:schemeClr val="bg1"/>
-              </a:solidFill>
-              <a:latin typeface="Lucida Console" pitchFamily="49" charset="0"/>
+              <a:rPr lang="de-DE" dirty="0" err="1" smtClean="0">
+                <a:latin typeface="Titillium Regular"/>
+              </a:rPr>
+              <a:t>objects</a:t>
+            </a:r>
+            <a:endParaRPr lang="de-DE" dirty="0" smtClean="0">
+              <a:latin typeface="Titillium Regular"/>
             </a:endParaRPr>
-          </a:p>
-          <a:p>
-            <a:pPr marL="342900" indent="-342900">
-              <a:spcBef>
-                <a:spcPts val="400"/>
-              </a:spcBef>
-            </a:pPr>
-            <a:r>
-              <a:rPr lang="de-DE" sz="1600" dirty="0" smtClean="0">
-                <a:solidFill>
-                  <a:schemeClr val="bg1"/>
-                </a:solidFill>
-                <a:latin typeface="Lucida Console" pitchFamily="49" charset="0"/>
-              </a:rPr>
-              <a:t>&gt; =end</a:t>
-            </a:r>
           </a:p>
           <a:p>
             <a:pPr marL="342900" indent="-342900">
@@ -8358,11 +7808,84 @@
               <a:buFont typeface="Symbol"/>
               <a:buChar char="Þ"/>
             </a:pPr>
-            <a:endParaRPr lang="de-DE" sz="1600" dirty="0">
-              <a:solidFill>
-                <a:schemeClr val="bg1"/>
-              </a:solidFill>
-              <a:latin typeface="Lucida Console" pitchFamily="49" charset="0"/>
+            <a:r>
+              <a:rPr lang="de-DE" dirty="0" err="1" smtClean="0">
+                <a:latin typeface="Titillium Regular"/>
+              </a:rPr>
+              <a:t>We</a:t>
+            </a:r>
+            <a:r>
+              <a:rPr lang="de-DE" dirty="0" smtClean="0">
+                <a:latin typeface="Titillium Regular"/>
+              </a:rPr>
+              <a:t> </a:t>
+            </a:r>
+            <a:r>
+              <a:rPr lang="de-DE" dirty="0" err="1" smtClean="0">
+                <a:latin typeface="Titillium Regular"/>
+              </a:rPr>
+              <a:t>can</a:t>
+            </a:r>
+            <a:r>
+              <a:rPr lang="de-DE" dirty="0" smtClean="0">
+                <a:latin typeface="Titillium Regular"/>
+              </a:rPr>
+              <a:t> </a:t>
+            </a:r>
+            <a:r>
+              <a:rPr lang="de-DE" dirty="0" err="1" smtClean="0">
+                <a:latin typeface="Titillium Regular"/>
+              </a:rPr>
+              <a:t>use</a:t>
+            </a:r>
+            <a:r>
+              <a:rPr lang="de-DE" dirty="0" smtClean="0">
+                <a:latin typeface="Titillium Regular"/>
+              </a:rPr>
+              <a:t> </a:t>
+            </a:r>
+            <a:r>
+              <a:rPr lang="de-DE" dirty="0" err="1" smtClean="0">
+                <a:latin typeface="Titillium Regular"/>
+              </a:rPr>
+              <a:t>methods</a:t>
+            </a:r>
+            <a:r>
+              <a:rPr lang="de-DE" dirty="0" smtClean="0">
+                <a:latin typeface="Titillium Regular"/>
+              </a:rPr>
+              <a:t> on </a:t>
+            </a:r>
+            <a:r>
+              <a:rPr lang="de-DE" dirty="0" err="1" smtClean="0">
+                <a:latin typeface="Titillium Regular"/>
+              </a:rPr>
+              <a:t>numbers</a:t>
+            </a:r>
+            <a:endParaRPr lang="de-DE" dirty="0" smtClean="0">
+              <a:latin typeface="Titillium Regular"/>
+            </a:endParaRPr>
+          </a:p>
+          <a:p>
+            <a:pPr marL="342900" indent="-342900">
+              <a:spcBef>
+                <a:spcPts val="400"/>
+              </a:spcBef>
+            </a:pPr>
+            <a:endParaRPr lang="de-DE" dirty="0" smtClean="0">
+              <a:latin typeface="Titillium Regular"/>
+            </a:endParaRPr>
+          </a:p>
+          <a:p>
+            <a:pPr marL="342900" indent="-342900">
+              <a:spcBef>
+                <a:spcPts val="400"/>
+              </a:spcBef>
+              <a:buFont typeface="Arial" charset="0"/>
+              <a:buChar char="•"/>
+            </a:pPr>
+            <a:endParaRPr lang="de-DE" dirty="0">
+              <a:latin typeface="Titillium Regular"/>
             </a:endParaRPr>
           </a:p>
         </p:txBody>
@@ -8488,7 +8011,7 @@
         <p:spPr>
           <a:xfrm>
             <a:off x="309780" y="288521"/>
-            <a:ext cx="2614818" cy="461665"/>
+            <a:ext cx="2169184" cy="461665"/>
           </a:xfrm>
           <a:prstGeom prst="rect">
             <a:avLst/>
@@ -8511,7 +8034,7 @@
                 <a:latin typeface="Titillium Regular"/>
                 <a:cs typeface="Titillium Regular"/>
               </a:rPr>
-              <a:t>Basics - Numbers</a:t>
+              <a:t>Basics - String</a:t>
             </a:r>
             <a:endParaRPr lang="de-DE" sz="2200" dirty="0">
               <a:solidFill>
@@ -8535,7 +8058,7 @@
         <p:spPr>
           <a:xfrm>
             <a:off x="251520" y="1131590"/>
-            <a:ext cx="7142540" cy="1826141"/>
+            <a:ext cx="7142540" cy="1231106"/>
           </a:xfrm>
           <a:prstGeom prst="rect">
             <a:avLst/>
@@ -8562,7 +8085,7 @@
                 </a:solidFill>
                 <a:latin typeface="Lucida Console" pitchFamily="49" charset="0"/>
               </a:rPr>
-              <a:t>&gt; 42 # </a:t>
+              <a:t>&gt; “</a:t>
             </a:r>
             <a:r>
               <a:rPr lang="de-DE" sz="1600" dirty="0" err="1" smtClean="0">
@@ -8571,14 +8094,35 @@
                 </a:solidFill>
                 <a:latin typeface="Lucida Console" pitchFamily="49" charset="0"/>
               </a:rPr>
-              <a:t>decimal</a:t>
-            </a:r>
-            <a:endParaRPr lang="de-DE" sz="1600" dirty="0" smtClean="0">
-              <a:solidFill>
-                <a:schemeClr val="bg1"/>
-              </a:solidFill>
-              <a:latin typeface="Lucida Console" pitchFamily="49" charset="0"/>
-            </a:endParaRPr>
+              <a:t>hello</a:t>
+            </a:r>
+            <a:r>
+              <a:rPr lang="de-DE" sz="1600" dirty="0" smtClean="0">
+                <a:solidFill>
+                  <a:schemeClr val="bg1"/>
+                </a:solidFill>
+                <a:latin typeface="Lucida Console" pitchFamily="49" charset="0"/>
+              </a:rPr>
+              <a:t> </a:t>
+            </a:r>
+            <a:r>
+              <a:rPr lang="de-DE" sz="1600" dirty="0" err="1" smtClean="0">
+                <a:solidFill>
+                  <a:schemeClr val="bg1"/>
+                </a:solidFill>
+                <a:latin typeface="Lucida Console" pitchFamily="49" charset="0"/>
+              </a:rPr>
+              <a:t>world</a:t>
+            </a:r>
+            <a:r>
+              <a:rPr lang="de-DE" sz="1600" dirty="0" smtClean="0">
+                <a:solidFill>
+                  <a:schemeClr val="bg1"/>
+                </a:solidFill>
+                <a:latin typeface="Lucida Console" pitchFamily="49" charset="0"/>
+              </a:rPr>
+              <a:t>“</a:t>
+            </a:r>
           </a:p>
           <a:p>
             <a:pPr marL="342900" indent="-342900">
@@ -8593,7 +8137,43 @@
                 </a:solidFill>
                 <a:latin typeface="Lucida Console" pitchFamily="49" charset="0"/>
               </a:rPr>
-              <a:t>&gt; 0x2a # hex</a:t>
+              <a:t>&gt; ‘</a:t>
+            </a:r>
+            <a:r>
+              <a:rPr lang="de-DE" sz="1600" dirty="0" err="1" smtClean="0">
+                <a:solidFill>
+                  <a:schemeClr val="bg1"/>
+                </a:solidFill>
+                <a:latin typeface="Lucida Console" pitchFamily="49" charset="0"/>
+              </a:rPr>
+              <a:t>hello</a:t>
+            </a:r>
+            <a:r>
+              <a:rPr lang="de-DE" sz="1600" dirty="0" smtClean="0">
+                <a:solidFill>
+                  <a:schemeClr val="bg1"/>
+                </a:solidFill>
+                <a:latin typeface="Lucida Console" pitchFamily="49" charset="0"/>
+              </a:rPr>
+              <a:t> </a:t>
+            </a:r>
+            <a:r>
+              <a:rPr lang="de-DE" sz="1600" dirty="0" err="1" smtClean="0">
+                <a:solidFill>
+                  <a:schemeClr val="bg1"/>
+                </a:solidFill>
+                <a:latin typeface="Lucida Console" pitchFamily="49" charset="0"/>
+              </a:rPr>
+              <a:t>world</a:t>
+            </a:r>
+            <a:r>
+              <a:rPr lang="de-DE" sz="1600" dirty="0" smtClean="0">
+                <a:solidFill>
+                  <a:schemeClr val="bg1"/>
+                </a:solidFill>
+                <a:latin typeface="Lucida Console" pitchFamily="49" charset="0"/>
+              </a:rPr>
+              <a:t>‘</a:t>
             </a:r>
           </a:p>
           <a:p>
@@ -8609,7 +8189,7 @@
                 </a:solidFill>
                 <a:latin typeface="Lucida Console" pitchFamily="49" charset="0"/>
               </a:rPr>
-              <a:t>&gt; 0052 # </a:t>
+              <a:t>&gt; “</a:t>
             </a:r>
             <a:r>
               <a:rPr lang="de-DE" sz="1600" dirty="0" err="1" smtClean="0">
@@ -8618,14 +8198,107 @@
                 </a:solidFill>
                 <a:latin typeface="Lucida Console" pitchFamily="49" charset="0"/>
               </a:rPr>
-              <a:t>oct</a:t>
-            </a:r>
-            <a:endParaRPr lang="de-DE" sz="1600" dirty="0" smtClean="0">
-              <a:solidFill>
-                <a:schemeClr val="bg1"/>
-              </a:solidFill>
-              <a:latin typeface="Lucida Console" pitchFamily="49" charset="0"/>
-            </a:endParaRPr>
+              <a:t>hello</a:t>
+            </a:r>
+            <a:r>
+              <a:rPr lang="de-DE" sz="1600" dirty="0" smtClean="0">
+                <a:solidFill>
+                  <a:schemeClr val="bg1"/>
+                </a:solidFill>
+                <a:latin typeface="Lucida Console" pitchFamily="49" charset="0"/>
+              </a:rPr>
+              <a:t> #{</a:t>
+            </a:r>
+            <a:r>
+              <a:rPr lang="de-DE" sz="1600" dirty="0" err="1" smtClean="0">
+                <a:solidFill>
+                  <a:schemeClr val="bg1"/>
+                </a:solidFill>
+                <a:latin typeface="Lucida Console" pitchFamily="49" charset="0"/>
+              </a:rPr>
+              <a:t>name</a:t>
+            </a:r>
+            <a:r>
+              <a:rPr lang="de-DE" sz="1600" dirty="0" smtClean="0">
+                <a:solidFill>
+                  <a:schemeClr val="bg1"/>
+                </a:solidFill>
+                <a:latin typeface="Lucida Console" pitchFamily="49" charset="0"/>
+              </a:rPr>
+              <a:t>}, </a:t>
+            </a:r>
+            <a:r>
+              <a:rPr lang="de-DE" sz="1600" dirty="0" err="1" smtClean="0">
+                <a:solidFill>
+                  <a:schemeClr val="bg1"/>
+                </a:solidFill>
+                <a:latin typeface="Lucida Console" pitchFamily="49" charset="0"/>
+              </a:rPr>
+              <a:t>nice</a:t>
+            </a:r>
+            <a:r>
+              <a:rPr lang="de-DE" sz="1600" dirty="0" smtClean="0">
+                <a:solidFill>
+                  <a:schemeClr val="bg1"/>
+                </a:solidFill>
+                <a:latin typeface="Lucida Console" pitchFamily="49" charset="0"/>
+              </a:rPr>
+              <a:t> </a:t>
+            </a:r>
+            <a:r>
+              <a:rPr lang="de-DE" sz="1600" dirty="0" err="1" smtClean="0">
+                <a:solidFill>
+                  <a:schemeClr val="bg1"/>
+                </a:solidFill>
+                <a:latin typeface="Lucida Console" pitchFamily="49" charset="0"/>
+              </a:rPr>
+              <a:t>to</a:t>
+            </a:r>
+            <a:r>
+              <a:rPr lang="de-DE" sz="1600" dirty="0" smtClean="0">
+                <a:solidFill>
+                  <a:schemeClr val="bg1"/>
+                </a:solidFill>
+                <a:latin typeface="Lucida Console" pitchFamily="49" charset="0"/>
+              </a:rPr>
+              <a:t> </a:t>
+            </a:r>
+            <a:r>
+              <a:rPr lang="de-DE" sz="1600" dirty="0" err="1" smtClean="0">
+                <a:solidFill>
+                  <a:schemeClr val="bg1"/>
+                </a:solidFill>
+                <a:latin typeface="Lucida Console" pitchFamily="49" charset="0"/>
+              </a:rPr>
+              <a:t>meet</a:t>
+            </a:r>
+            <a:r>
+              <a:rPr lang="de-DE" sz="1600" dirty="0" smtClean="0">
+                <a:solidFill>
+                  <a:schemeClr val="bg1"/>
+                </a:solidFill>
+                <a:latin typeface="Lucida Console" pitchFamily="49" charset="0"/>
+              </a:rPr>
+              <a:t> </a:t>
+            </a:r>
+            <a:r>
+              <a:rPr lang="de-DE" sz="1600" dirty="0" err="1" smtClean="0">
+                <a:solidFill>
+                  <a:schemeClr val="bg1"/>
+                </a:solidFill>
+                <a:latin typeface="Lucida Console" pitchFamily="49" charset="0"/>
+              </a:rPr>
+              <a:t>you</a:t>
+            </a:r>
+            <a:r>
+              <a:rPr lang="de-DE" sz="1600" dirty="0" smtClean="0">
+                <a:solidFill>
+                  <a:schemeClr val="bg1"/>
+                </a:solidFill>
+                <a:latin typeface="Lucida Console" pitchFamily="49" charset="0"/>
+              </a:rPr>
+              <a:t>“</a:t>
+            </a:r>
           </a:p>
           <a:p>
             <a:pPr marL="342900" indent="-342900">
@@ -8640,7 +8313,7 @@
                 </a:solidFill>
                 <a:latin typeface="Lucida Console" pitchFamily="49" charset="0"/>
               </a:rPr>
-              <a:t>&gt; 0b101010 # </a:t>
+              <a:t>&gt; str = “</a:t>
             </a:r>
             <a:r>
               <a:rPr lang="de-DE" sz="1600" dirty="0" err="1" smtClean="0">
@@ -8649,21 +8322,8 @@
                 </a:solidFill>
                 <a:latin typeface="Lucida Console" pitchFamily="49" charset="0"/>
               </a:rPr>
-              <a:t>binary</a:t>
-            </a:r>
-            <a:endParaRPr lang="de-DE" sz="1600" dirty="0" smtClean="0">
-              <a:solidFill>
-                <a:schemeClr val="bg1"/>
-              </a:solidFill>
-              <a:latin typeface="Lucida Console" pitchFamily="49" charset="0"/>
-            </a:endParaRPr>
-          </a:p>
-          <a:p>
-            <a:pPr marL="342900" indent="-342900">
-              <a:spcBef>
-                <a:spcPts val="400"/>
-              </a:spcBef>
-            </a:pPr>
+              <a:t>hello</a:t>
+            </a:r>
             <a:r>
               <a:rPr lang="de-DE" sz="1600" dirty="0" smtClean="0">
                 <a:solidFill>
@@ -8671,15 +8331,17 @@
                 </a:solidFill>
                 <a:latin typeface="Lucida Console" pitchFamily="49" charset="0"/>
               </a:rPr>
-              <a:t>&gt; 42.class</a:t>
-            </a:r>
-          </a:p>
-          <a:p>
-            <a:pPr marL="342900" indent="-342900">
-              <a:spcBef>
-                <a:spcPts val="400"/>
-              </a:spcBef>
-            </a:pPr>
+              <a:t> “ + “</a:t>
+            </a:r>
+            <a:r>
+              <a:rPr lang="de-DE" sz="1600" dirty="0" err="1" smtClean="0">
+                <a:solidFill>
+                  <a:schemeClr val="bg1"/>
+                </a:solidFill>
+                <a:latin typeface="Lucida Console" pitchFamily="49" charset="0"/>
+              </a:rPr>
+              <a:t>world</a:t>
+            </a:r>
             <a:r>
               <a:rPr lang="de-DE" sz="1600" dirty="0" smtClean="0">
                 <a:solidFill>
@@ -8687,25 +8349,7 @@
                 </a:solidFill>
                 <a:latin typeface="Lucida Console" pitchFamily="49" charset="0"/>
               </a:rPr>
-              <a:t>&gt; 3.upto(10) { |i| </a:t>
-            </a:r>
-            <a:r>
-              <a:rPr lang="de-DE" sz="1600" dirty="0" err="1" smtClean="0">
-                <a:solidFill>
-                  <a:schemeClr val="bg1"/>
-                </a:solidFill>
-                <a:latin typeface="Lucida Console" pitchFamily="49" charset="0"/>
-              </a:rPr>
-              <a:t>puts</a:t>
-            </a:r>
-            <a:r>
-              <a:rPr lang="de-DE" sz="1600" dirty="0" smtClean="0">
-                <a:solidFill>
-                  <a:schemeClr val="bg1"/>
-                </a:solidFill>
-                <a:latin typeface="Lucida Console" pitchFamily="49" charset="0"/>
-              </a:rPr>
-              <a:t> i }</a:t>
+              <a:t>“ &lt;&lt; “!“</a:t>
             </a:r>
             <a:endParaRPr lang="de-DE" sz="1600" dirty="0">
               <a:solidFill>
@@ -8724,8 +8368,8 @@
         </p:nvSpPr>
         <p:spPr>
           <a:xfrm>
-            <a:off x="251520" y="3507854"/>
-            <a:ext cx="7142540" cy="1354217"/>
+            <a:off x="251520" y="2769964"/>
+            <a:ext cx="7142540" cy="1682512"/>
           </a:xfrm>
           <a:prstGeom prst="rect">
             <a:avLst/>
@@ -8746,28 +8390,46 @@
               <a:buChar char="•"/>
             </a:pPr>
             <a:r>
+              <a:rPr lang="de-DE" dirty="0" err="1" smtClean="0">
+                <a:latin typeface="Titillium Regular"/>
+              </a:rPr>
+              <a:t>Backslash</a:t>
+            </a:r>
+            <a:r>
               <a:rPr lang="de-DE" dirty="0" smtClean="0">
                 <a:latin typeface="Titillium Regular"/>
               </a:rPr>
-              <a:t>Numbers </a:t>
+              <a:t> </a:t>
             </a:r>
             <a:r>
               <a:rPr lang="de-DE" dirty="0" err="1" smtClean="0">
                 <a:latin typeface="Titillium Regular"/>
               </a:rPr>
-              <a:t>are</a:t>
+              <a:t>only</a:t>
             </a:r>
             <a:r>
               <a:rPr lang="de-DE" dirty="0" smtClean="0">
                 <a:latin typeface="Titillium Regular"/>
               </a:rPr>
+              <a:t> in “-type </a:t>
+            </a:r>
+            <a:r>
+              <a:rPr lang="de-DE" dirty="0" err="1" smtClean="0">
+                <a:latin typeface="Titillium Regular"/>
+              </a:rPr>
+              <a:t>string</a:t>
+            </a:r>
+            <a:r>
+              <a:rPr lang="de-DE" dirty="0" smtClean="0">
+                <a:latin typeface="Titillium Regular"/>
+              </a:rPr>
               <a:t> </a:t>
             </a:r>
             <a:r>
               <a:rPr lang="de-DE" dirty="0" err="1" smtClean="0">
                 <a:latin typeface="Titillium Regular"/>
               </a:rPr>
-              <a:t>objects</a:t>
+              <a:t>interpreted</a:t>
             </a:r>
             <a:endParaRPr lang="de-DE" dirty="0" smtClean="0">
               <a:latin typeface="Titillium Regular"/>
@@ -8778,62 +8440,62 @@
               <a:spcBef>
                 <a:spcPts val="400"/>
               </a:spcBef>
-              <a:buFont typeface="Symbol"/>
-              <a:buChar char="Þ"/>
+              <a:buFont typeface="Arial" charset="0"/>
+              <a:buChar char="•"/>
             </a:pPr>
             <a:r>
               <a:rPr lang="de-DE" dirty="0" err="1" smtClean="0">
                 <a:latin typeface="Titillium Regular"/>
               </a:rPr>
-              <a:t>We</a:t>
+              <a:t>Use</a:t>
             </a:r>
             <a:r>
               <a:rPr lang="de-DE" dirty="0" smtClean="0">
                 <a:latin typeface="Titillium Regular"/>
               </a:rPr>
+              <a:t> ‘-type </a:t>
+            </a:r>
+            <a:r>
+              <a:rPr lang="de-DE" dirty="0" err="1" smtClean="0">
+                <a:latin typeface="Titillium Regular"/>
+              </a:rPr>
+              <a:t>strings</a:t>
+            </a:r>
+            <a:r>
+              <a:rPr lang="de-DE" dirty="0" smtClean="0">
+                <a:latin typeface="Titillium Regular"/>
+              </a:rPr>
               <a:t> </a:t>
             </a:r>
             <a:r>
               <a:rPr lang="de-DE" dirty="0" err="1" smtClean="0">
                 <a:latin typeface="Titillium Regular"/>
               </a:rPr>
+              <a:t>whenever</a:t>
+            </a:r>
+            <a:r>
+              <a:rPr lang="de-DE" dirty="0" smtClean="0">
+                <a:latin typeface="Titillium Regular"/>
+              </a:rPr>
+              <a:t> </a:t>
+            </a:r>
+            <a:r>
+              <a:rPr lang="de-DE" dirty="0" err="1" smtClean="0">
+                <a:latin typeface="Titillium Regular"/>
+              </a:rPr>
+              <a:t>you</a:t>
+            </a:r>
+            <a:r>
+              <a:rPr lang="de-DE" dirty="0" smtClean="0">
+                <a:latin typeface="Titillium Regular"/>
+              </a:rPr>
+              <a:t> </a:t>
+            </a:r>
+            <a:r>
+              <a:rPr lang="de-DE" dirty="0" err="1" smtClean="0">
+                <a:latin typeface="Titillium Regular"/>
+              </a:rPr>
               <a:t>can</a:t>
-            </a:r>
-            <a:r>
-              <a:rPr lang="de-DE" dirty="0" smtClean="0">
-                <a:latin typeface="Titillium Regular"/>
-              </a:rPr>
-              <a:t> </a:t>
-            </a:r>
-            <a:r>
-              <a:rPr lang="de-DE" dirty="0" err="1" smtClean="0">
-                <a:latin typeface="Titillium Regular"/>
-              </a:rPr>
-              <a:t>use</a:t>
-            </a:r>
-            <a:r>
-              <a:rPr lang="de-DE" dirty="0" smtClean="0">
-                <a:latin typeface="Titillium Regular"/>
-              </a:rPr>
-              <a:t> </a:t>
-            </a:r>
-            <a:r>
-              <a:rPr lang="de-DE" dirty="0" err="1" smtClean="0">
-                <a:latin typeface="Titillium Regular"/>
-              </a:rPr>
-              <a:t>methods</a:t>
-            </a:r>
-            <a:r>
-              <a:rPr lang="de-DE" dirty="0" smtClean="0">
-                <a:latin typeface="Titillium Regular"/>
-              </a:rPr>
-              <a:t> on </a:t>
-            </a:r>
-            <a:r>
-              <a:rPr lang="de-DE" dirty="0" err="1" smtClean="0">
-                <a:latin typeface="Titillium Regular"/>
-              </a:rPr>
-              <a:t>numbers</a:t>
             </a:r>
             <a:endParaRPr lang="de-DE" dirty="0" smtClean="0">
               <a:latin typeface="Titillium Regular"/>
@@ -8844,10 +8506,93 @@
               <a:spcBef>
                 <a:spcPts val="400"/>
               </a:spcBef>
+              <a:buFont typeface="Arial" charset="0"/>
+              <a:buChar char="•"/>
             </a:pPr>
+            <a:r>
+              <a:rPr lang="de-DE" dirty="0" err="1" smtClean="0">
+                <a:latin typeface="Titillium Regular"/>
+              </a:rPr>
+              <a:t>Many</a:t>
+            </a:r>
+            <a:r>
+              <a:rPr lang="de-DE" dirty="0" smtClean="0">
+                <a:latin typeface="Titillium Regular"/>
+              </a:rPr>
+              <a:t> </a:t>
+            </a:r>
+            <a:r>
+              <a:rPr lang="de-DE" dirty="0" err="1" smtClean="0">
+                <a:latin typeface="Titillium Regular"/>
+              </a:rPr>
+              <a:t>convenient</a:t>
+            </a:r>
+            <a:r>
+              <a:rPr lang="de-DE" dirty="0" smtClean="0">
+                <a:latin typeface="Titillium Regular"/>
+              </a:rPr>
+              <a:t> </a:t>
+            </a:r>
+            <a:r>
+              <a:rPr lang="de-DE" dirty="0" err="1" smtClean="0">
+                <a:latin typeface="Titillium Regular"/>
+              </a:rPr>
+              <a:t>methods</a:t>
+            </a:r>
             <a:endParaRPr lang="de-DE" dirty="0" smtClean="0">
               <a:latin typeface="Titillium Regular"/>
             </a:endParaRPr>
+          </a:p>
+          <a:p>
+            <a:pPr marL="800100" lvl="1" indent="-342900">
+              <a:spcBef>
+                <a:spcPts val="400"/>
+              </a:spcBef>
+              <a:buFont typeface="Arial" charset="0"/>
+              <a:buChar char="•"/>
+            </a:pPr>
+            <a:r>
+              <a:rPr lang="de-DE" dirty="0" smtClean="0">
+                <a:latin typeface="Titillium Regular"/>
+              </a:rPr>
+              <a:t>e.g. </a:t>
+            </a:r>
+            <a:r>
+              <a:rPr lang="de-DE" dirty="0" err="1" smtClean="0">
+                <a:latin typeface="Titillium Regular"/>
+              </a:rPr>
+              <a:t>split</a:t>
+            </a:r>
+            <a:r>
+              <a:rPr lang="de-DE" dirty="0" smtClean="0">
+                <a:latin typeface="Titillium Regular"/>
+              </a:rPr>
+              <a:t>, </a:t>
+            </a:r>
+            <a:r>
+              <a:rPr lang="de-DE" dirty="0" err="1" smtClean="0">
+                <a:latin typeface="Titillium Regular"/>
+              </a:rPr>
+              <a:t>count</a:t>
+            </a:r>
+            <a:r>
+              <a:rPr lang="de-DE" dirty="0" smtClean="0">
+                <a:latin typeface="Titillium Regular"/>
+              </a:rPr>
+              <a:t>, </a:t>
+            </a:r>
+            <a:r>
+              <a:rPr lang="de-DE" dirty="0" err="1" smtClean="0">
+                <a:latin typeface="Titillium Regular"/>
+              </a:rPr>
+              <a:t>delete</a:t>
+            </a:r>
+            <a:r>
+              <a:rPr lang="de-DE" dirty="0" smtClean="0">
+                <a:latin typeface="Titillium Regular"/>
+              </a:rPr>
+              <a:t>, [ ], …</a:t>
+            </a:r>
           </a:p>
           <a:p>
             <a:pPr marL="342900" indent="-342900">
@@ -8984,7 +8729,7 @@
         <p:spPr>
           <a:xfrm>
             <a:off x="309780" y="288521"/>
-            <a:ext cx="2169184" cy="461665"/>
+            <a:ext cx="2273379" cy="461665"/>
           </a:xfrm>
           <a:prstGeom prst="rect">
             <a:avLst/>
@@ -9007,7 +8752,7 @@
                 <a:latin typeface="Titillium Regular"/>
                 <a:cs typeface="Titillium Regular"/>
               </a:rPr>
-              <a:t>Basics - String</a:t>
+              <a:t>Basics - Range</a:t>
             </a:r>
             <a:endParaRPr lang="de-DE" sz="2200" dirty="0">
               <a:solidFill>
@@ -9031,7 +8776,7 @@
         <p:spPr>
           <a:xfrm>
             <a:off x="251520" y="1131590"/>
-            <a:ext cx="7142540" cy="1231106"/>
+            <a:ext cx="7142540" cy="1528624"/>
           </a:xfrm>
           <a:prstGeom prst="rect">
             <a:avLst/>
@@ -9058,43 +8803,7 @@
                 </a:solidFill>
                 <a:latin typeface="Lucida Console" pitchFamily="49" charset="0"/>
               </a:rPr>
-              <a:t>&gt; “</a:t>
-            </a:r>
-            <a:r>
-              <a:rPr lang="de-DE" sz="1600" dirty="0" err="1" smtClean="0">
-                <a:solidFill>
-                  <a:schemeClr val="bg1"/>
-                </a:solidFill>
-                <a:latin typeface="Lucida Console" pitchFamily="49" charset="0"/>
-              </a:rPr>
-              <a:t>hello</a:t>
-            </a:r>
-            <a:r>
-              <a:rPr lang="de-DE" sz="1600" dirty="0" smtClean="0">
-                <a:solidFill>
-                  <a:schemeClr val="bg1"/>
-                </a:solidFill>
-                <a:latin typeface="Lucida Console" pitchFamily="49" charset="0"/>
-              </a:rPr>
-              <a:t> </a:t>
-            </a:r>
-            <a:r>
-              <a:rPr lang="de-DE" sz="1600" dirty="0" err="1" smtClean="0">
-                <a:solidFill>
-                  <a:schemeClr val="bg1"/>
-                </a:solidFill>
-                <a:latin typeface="Lucida Console" pitchFamily="49" charset="0"/>
-              </a:rPr>
-              <a:t>world</a:t>
-            </a:r>
-            <a:r>
-              <a:rPr lang="de-DE" sz="1600" dirty="0" smtClean="0">
-                <a:solidFill>
-                  <a:schemeClr val="bg1"/>
-                </a:solidFill>
-                <a:latin typeface="Lucida Console" pitchFamily="49" charset="0"/>
-              </a:rPr>
-              <a:t>“</a:t>
+              <a:t>&gt; (1..10) # =&gt; 1, 2, 3, 4, 5, 6, 7, 8, 9, 10</a:t>
             </a:r>
           </a:p>
           <a:p>
@@ -9110,43 +8819,7 @@
                 </a:solidFill>
                 <a:latin typeface="Lucida Console" pitchFamily="49" charset="0"/>
               </a:rPr>
-              <a:t>&gt; ‘</a:t>
-            </a:r>
-            <a:r>
-              <a:rPr lang="de-DE" sz="1600" dirty="0" err="1" smtClean="0">
-                <a:solidFill>
-                  <a:schemeClr val="bg1"/>
-                </a:solidFill>
-                <a:latin typeface="Lucida Console" pitchFamily="49" charset="0"/>
-              </a:rPr>
-              <a:t>hello</a:t>
-            </a:r>
-            <a:r>
-              <a:rPr lang="de-DE" sz="1600" dirty="0" smtClean="0">
-                <a:solidFill>
-                  <a:schemeClr val="bg1"/>
-                </a:solidFill>
-                <a:latin typeface="Lucida Console" pitchFamily="49" charset="0"/>
-              </a:rPr>
-              <a:t> </a:t>
-            </a:r>
-            <a:r>
-              <a:rPr lang="de-DE" sz="1600" dirty="0" err="1" smtClean="0">
-                <a:solidFill>
-                  <a:schemeClr val="bg1"/>
-                </a:solidFill>
-                <a:latin typeface="Lucida Console" pitchFamily="49" charset="0"/>
-              </a:rPr>
-              <a:t>world</a:t>
-            </a:r>
-            <a:r>
-              <a:rPr lang="de-DE" sz="1600" dirty="0" smtClean="0">
-                <a:solidFill>
-                  <a:schemeClr val="bg1"/>
-                </a:solidFill>
-                <a:latin typeface="Lucida Console" pitchFamily="49" charset="0"/>
-              </a:rPr>
-              <a:t>‘</a:t>
+              <a:t>&gt; (1...10) # =&gt; 1, 2, 3, 4, 5, 6, 7, 8, 9</a:t>
             </a:r>
           </a:p>
           <a:p>
@@ -9162,7 +8835,7 @@
                 </a:solidFill>
                 <a:latin typeface="Lucida Console" pitchFamily="49" charset="0"/>
               </a:rPr>
-              <a:t>&gt; “</a:t>
+              <a:t>&gt; (‘</a:t>
             </a:r>
             <a:r>
               <a:rPr lang="de-DE" sz="1600" dirty="0" err="1" smtClean="0">
@@ -9171,7 +8844,7 @@
                 </a:solidFill>
                 <a:latin typeface="Lucida Console" pitchFamily="49" charset="0"/>
               </a:rPr>
-              <a:t>hello</a:t>
+              <a:t>a‘..‘z</a:t>
             </a:r>
             <a:r>
               <a:rPr lang="de-DE" sz="1600" dirty="0" smtClean="0">
@@ -9180,7 +8853,7 @@
                 </a:solidFill>
                 <a:latin typeface="Lucida Console" pitchFamily="49" charset="0"/>
               </a:rPr>
-              <a:t> #{</a:t>
+              <a:t>‘) # </a:t>
             </a:r>
             <a:r>
               <a:rPr lang="de-DE" sz="1600" dirty="0" err="1" smtClean="0">
@@ -9189,7 +8862,7 @@
                 </a:solidFill>
                 <a:latin typeface="Lucida Console" pitchFamily="49" charset="0"/>
               </a:rPr>
-              <a:t>name</a:t>
+              <a:t>alphabet</a:t>
             </a:r>
             <a:r>
               <a:rPr lang="de-DE" sz="1600" dirty="0" smtClean="0">
@@ -9198,7 +8871,7 @@
                 </a:solidFill>
                 <a:latin typeface="Lucida Console" pitchFamily="49" charset="0"/>
               </a:rPr>
-              <a:t>}, </a:t>
+              <a:t> </a:t>
             </a:r>
             <a:r>
               <a:rPr lang="de-DE" sz="1600" dirty="0" err="1" smtClean="0">
@@ -9207,7 +8880,7 @@
                 </a:solidFill>
                 <a:latin typeface="Lucida Console" pitchFamily="49" charset="0"/>
               </a:rPr>
-              <a:t>nice</a:t>
+              <a:t>of</a:t>
             </a:r>
             <a:r>
               <a:rPr lang="de-DE" sz="1600" dirty="0" smtClean="0">
@@ -9225,7 +8898,7 @@
                 </a:solidFill>
                 <a:latin typeface="Lucida Console" pitchFamily="49" charset="0"/>
               </a:rPr>
-              <a:t>to</a:t>
+              <a:t>downcased</a:t>
             </a:r>
             <a:r>
               <a:rPr lang="de-DE" sz="1600" dirty="0" smtClean="0">
@@ -9243,35 +8916,14 @@
                 </a:solidFill>
                 <a:latin typeface="Lucida Console" pitchFamily="49" charset="0"/>
               </a:rPr>
-              <a:t>meet</a:t>
-            </a:r>
-            <a:r>
-              <a:rPr lang="de-DE" sz="1600" dirty="0" smtClean="0">
-                <a:solidFill>
-                  <a:schemeClr val="bg1"/>
-                </a:solidFill>
-                <a:latin typeface="Lucida Console" pitchFamily="49" charset="0"/>
-              </a:rPr>
-              <a:t> </a:t>
-            </a:r>
-            <a:r>
-              <a:rPr lang="de-DE" sz="1600" dirty="0" err="1" smtClean="0">
-                <a:solidFill>
-                  <a:schemeClr val="bg1"/>
-                </a:solidFill>
-                <a:latin typeface="Lucida Console" pitchFamily="49" charset="0"/>
-              </a:rPr>
-              <a:t>you</a:t>
-            </a:r>
-            <a:r>
-              <a:rPr lang="de-DE" sz="1600" dirty="0" smtClean="0">
-                <a:solidFill>
-                  <a:schemeClr val="bg1"/>
-                </a:solidFill>
-                <a:latin typeface="Lucida Console" pitchFamily="49" charset="0"/>
-              </a:rPr>
-              <a:t>“</a:t>
-            </a:r>
+              <a:t>characters</a:t>
+            </a:r>
+            <a:endParaRPr lang="de-DE" sz="1600" dirty="0" smtClean="0">
+              <a:solidFill>
+                <a:schemeClr val="bg1"/>
+              </a:solidFill>
+              <a:latin typeface="Lucida Console" pitchFamily="49" charset="0"/>
+            </a:endParaRPr>
           </a:p>
           <a:p>
             <a:pPr marL="342900" indent="-342900">
@@ -9286,7 +8938,7 @@
                 </a:solidFill>
                 <a:latin typeface="Lucida Console" pitchFamily="49" charset="0"/>
               </a:rPr>
-              <a:t>&gt; str = “</a:t>
+              <a:t>&gt; (1..10) === 2.5 # </a:t>
             </a:r>
             <a:r>
               <a:rPr lang="de-DE" sz="1600" dirty="0" err="1" smtClean="0">
@@ -9295,8 +8947,21 @@
                 </a:solidFill>
                 <a:latin typeface="Lucida Console" pitchFamily="49" charset="0"/>
               </a:rPr>
-              <a:t>hello</a:t>
-            </a:r>
+              <a:t>true</a:t>
+            </a:r>
+            <a:endParaRPr lang="de-DE" sz="1600" dirty="0" smtClean="0">
+              <a:solidFill>
+                <a:schemeClr val="bg1"/>
+              </a:solidFill>
+              <a:latin typeface="Lucida Console" pitchFamily="49" charset="0"/>
+            </a:endParaRPr>
+          </a:p>
+          <a:p>
+            <a:pPr marL="342900" indent="-342900">
+              <a:spcBef>
+                <a:spcPts val="400"/>
+              </a:spcBef>
+            </a:pPr>
             <a:r>
               <a:rPr lang="de-DE" sz="1600" dirty="0" smtClean="0">
                 <a:solidFill>
@@ -9304,7 +8969,7 @@
                 </a:solidFill>
                 <a:latin typeface="Lucida Console" pitchFamily="49" charset="0"/>
               </a:rPr>
-              <a:t> “ + “</a:t>
+              <a:t>&gt; (1..10) === 42 # </a:t>
             </a:r>
             <a:r>
               <a:rPr lang="de-DE" sz="1600" dirty="0" err="1" smtClean="0">
@@ -9313,16 +8978,7 @@
                 </a:solidFill>
                 <a:latin typeface="Lucida Console" pitchFamily="49" charset="0"/>
               </a:rPr>
-              <a:t>world</a:t>
-            </a:r>
-            <a:r>
-              <a:rPr lang="de-DE" sz="1600" dirty="0" smtClean="0">
-                <a:solidFill>
-                  <a:schemeClr val="bg1"/>
-                </a:solidFill>
-                <a:latin typeface="Lucida Console" pitchFamily="49" charset="0"/>
-              </a:rPr>
-              <a:t>“ &lt;&lt; “!“</a:t>
+              <a:t>false</a:t>
             </a:r>
             <a:endParaRPr lang="de-DE" sz="1600" dirty="0">
               <a:solidFill>
@@ -9341,8 +8997,8 @@
         </p:nvSpPr>
         <p:spPr>
           <a:xfrm>
-            <a:off x="251520" y="2769964"/>
-            <a:ext cx="7142540" cy="1682512"/>
+            <a:off x="251520" y="3049478"/>
+            <a:ext cx="7142540" cy="1025922"/>
           </a:xfrm>
           <a:prstGeom prst="rect">
             <a:avLst/>
@@ -9363,10 +9019,16 @@
               <a:buChar char="•"/>
             </a:pPr>
             <a:r>
+              <a:rPr lang="de-DE" dirty="0" smtClean="0">
+                <a:latin typeface="Titillium Regular"/>
+              </a:rPr>
+              <a:t>Array </a:t>
+            </a:r>
+            <a:r>
               <a:rPr lang="de-DE" dirty="0" err="1" smtClean="0">
                 <a:latin typeface="Titillium Regular"/>
               </a:rPr>
-              <a:t>Backslash</a:t>
+              <a:t>like</a:t>
             </a:r>
             <a:r>
               <a:rPr lang="de-DE" dirty="0" smtClean="0">
@@ -9378,19 +9040,19 @@
               <a:rPr lang="de-DE" dirty="0" err="1" smtClean="0">
                 <a:latin typeface="Titillium Regular"/>
               </a:rPr>
-              <a:t>only</a:t>
+              <a:t>object</a:t>
             </a:r>
             <a:r>
               <a:rPr lang="de-DE" dirty="0" smtClean="0">
                 <a:latin typeface="Titillium Regular"/>
               </a:rPr>
-              <a:t> in “-type </a:t>
+              <a:t> </a:t>
             </a:r>
             <a:r>
               <a:rPr lang="de-DE" dirty="0" err="1" smtClean="0">
                 <a:latin typeface="Titillium Regular"/>
               </a:rPr>
-              <a:t>string</a:t>
+              <a:t>to</a:t>
             </a:r>
             <a:r>
               <a:rPr lang="de-DE" dirty="0" smtClean="0">
@@ -9402,11 +9064,26 @@
               <a:rPr lang="de-DE" dirty="0" err="1" smtClean="0">
                 <a:latin typeface="Titillium Regular"/>
               </a:rPr>
-              <a:t>interpreted</a:t>
-            </a:r>
-            <a:endParaRPr lang="de-DE" dirty="0" smtClean="0">
-              <a:latin typeface="Titillium Regular"/>
-            </a:endParaRPr>
+              <a:t>define</a:t>
+            </a:r>
+            <a:r>
+              <a:rPr lang="de-DE" dirty="0" smtClean="0">
+                <a:latin typeface="Titillium Regular"/>
+              </a:rPr>
+              <a:t> </a:t>
+            </a:r>
+            <a:r>
+              <a:rPr lang="de-DE" dirty="0" err="1" smtClean="0">
+                <a:latin typeface="Titillium Regular"/>
+              </a:rPr>
+              <a:t>ranges</a:t>
+            </a:r>
+            <a:r>
+              <a:rPr lang="de-DE" dirty="0" smtClean="0">
+                <a:latin typeface="Titillium Regular"/>
+              </a:rPr>
+              <a:t>	</a:t>
+            </a:r>
           </a:p>
           <a:p>
             <a:pPr marL="342900" indent="-342900">
@@ -9420,19 +9097,19 @@
               <a:rPr lang="de-DE" dirty="0" err="1" smtClean="0">
                 <a:latin typeface="Titillium Regular"/>
               </a:rPr>
-              <a:t>Use</a:t>
+              <a:t>Example</a:t>
             </a:r>
             <a:r>
               <a:rPr lang="de-DE" dirty="0" smtClean="0">
                 <a:latin typeface="Titillium Regular"/>
               </a:rPr>
-              <a:t> ‘-type </a:t>
+              <a:t> </a:t>
             </a:r>
             <a:r>
               <a:rPr lang="de-DE" dirty="0" err="1" smtClean="0">
                 <a:latin typeface="Titillium Regular"/>
               </a:rPr>
-              <a:t>strings</a:t>
+              <a:t>of</a:t>
             </a:r>
             <a:r>
               <a:rPr lang="de-DE" dirty="0" smtClean="0">
@@ -9444,7 +9121,7 @@
               <a:rPr lang="de-DE" dirty="0" err="1" smtClean="0">
                 <a:latin typeface="Titillium Regular"/>
               </a:rPr>
-              <a:t>whenever</a:t>
+              <a:t>beautiful</a:t>
             </a:r>
             <a:r>
               <a:rPr lang="de-DE" dirty="0" smtClean="0">
@@ -9456,7 +9133,7 @@
               <a:rPr lang="de-DE" dirty="0" err="1" smtClean="0">
                 <a:latin typeface="Titillium Regular"/>
               </a:rPr>
-              <a:t>you</a:t>
+              <a:t>ruby</a:t>
             </a:r>
             <a:r>
               <a:rPr lang="de-DE" dirty="0" smtClean="0">
@@ -9468,104 +9145,11 @@
               <a:rPr lang="de-DE" dirty="0" err="1" smtClean="0">
                 <a:latin typeface="Titillium Regular"/>
               </a:rPr>
-              <a:t>can</a:t>
+              <a:t>syntax</a:t>
             </a:r>
             <a:endParaRPr lang="de-DE" dirty="0" smtClean="0">
               <a:latin typeface="Titillium Regular"/>
             </a:endParaRPr>
-          </a:p>
-          <a:p>
-            <a:pPr marL="342900" indent="-342900">
-              <a:spcBef>
-                <a:spcPts val="400"/>
-              </a:spcBef>
-              <a:buFont typeface="Arial" charset="0"/>
-              <a:buChar char="•"/>
-            </a:pPr>
-            <a:r>
-              <a:rPr lang="de-DE" dirty="0" err="1" smtClean="0">
-                <a:latin typeface="Titillium Regular"/>
-              </a:rPr>
-              <a:t>Many</a:t>
-            </a:r>
-            <a:r>
-              <a:rPr lang="de-DE" dirty="0" smtClean="0">
-                <a:latin typeface="Titillium Regular"/>
-              </a:rPr>
-              <a:t> </a:t>
-            </a:r>
-            <a:r>
-              <a:rPr lang="de-DE" dirty="0" err="1" smtClean="0">
-                <a:latin typeface="Titillium Regular"/>
-              </a:rPr>
-              <a:t>convenient</a:t>
-            </a:r>
-            <a:r>
-              <a:rPr lang="de-DE" dirty="0" smtClean="0">
-                <a:latin typeface="Titillium Regular"/>
-              </a:rPr>
-              <a:t> </a:t>
-            </a:r>
-            <a:r>
-              <a:rPr lang="de-DE" dirty="0" err="1" smtClean="0">
-                <a:latin typeface="Titillium Regular"/>
-              </a:rPr>
-              <a:t>methods</a:t>
-            </a:r>
-            <a:endParaRPr lang="de-DE" dirty="0" smtClean="0">
-              <a:latin typeface="Titillium Regular"/>
-            </a:endParaRPr>
-          </a:p>
-          <a:p>
-            <a:pPr marL="800100" lvl="1" indent="-342900">
-              <a:spcBef>
-                <a:spcPts val="400"/>
-              </a:spcBef>
-              <a:buFont typeface="Arial" charset="0"/>
-              <a:buChar char="•"/>
-            </a:pPr>
-            <a:r>
-              <a:rPr lang="de-DE" dirty="0" smtClean="0">
-                <a:latin typeface="Titillium Regular"/>
-              </a:rPr>
-              <a:t>e.g. </a:t>
-            </a:r>
-            <a:r>
-              <a:rPr lang="de-DE" dirty="0" err="1" smtClean="0">
-                <a:latin typeface="Titillium Regular"/>
-              </a:rPr>
-              <a:t>split</a:t>
-            </a:r>
-            <a:r>
-              <a:rPr lang="de-DE" dirty="0" smtClean="0">
-                <a:latin typeface="Titillium Regular"/>
-              </a:rPr>
-              <a:t>, </a:t>
-            </a:r>
-            <a:r>
-              <a:rPr lang="de-DE" dirty="0" err="1" smtClean="0">
-                <a:latin typeface="Titillium Regular"/>
-              </a:rPr>
-              <a:t>count</a:t>
-            </a:r>
-            <a:r>
-              <a:rPr lang="de-DE" dirty="0" smtClean="0">
-                <a:latin typeface="Titillium Regular"/>
-              </a:rPr>
-              <a:t>, </a:t>
-            </a:r>
-            <a:r>
-              <a:rPr lang="de-DE" dirty="0" err="1" smtClean="0">
-                <a:latin typeface="Titillium Regular"/>
-              </a:rPr>
-              <a:t>delete</a:t>
-            </a:r>
-            <a:r>
-              <a:rPr lang="de-DE" dirty="0" smtClean="0">
-                <a:latin typeface="Titillium Regular"/>
-              </a:rPr>
-              <a:t>, [ ], …</a:t>
-            </a:r>
           </a:p>
           <a:p>
             <a:pPr marL="342900" indent="-342900">
@@ -9702,7 +9286,7 @@
         <p:spPr>
           <a:xfrm>
             <a:off x="309780" y="288521"/>
-            <a:ext cx="2273379" cy="461665"/>
+            <a:ext cx="2392001" cy="461665"/>
           </a:xfrm>
           <a:prstGeom prst="rect">
             <a:avLst/>
@@ -9716,7 +9300,7 @@
           <a:lstStyle/>
           <a:p>
             <a:r>
-              <a:rPr lang="de-DE" sz="2400" dirty="0" smtClean="0">
+              <a:rPr lang="de-DE" sz="2400" smtClean="0">
                 <a:solidFill>
                   <a:schemeClr val="bg1">
                     <a:lumMod val="50000"/>
@@ -9725,7 +9309,19 @@
                 <a:latin typeface="Titillium Regular"/>
                 <a:cs typeface="Titillium Regular"/>
               </a:rPr>
-              <a:t>Basics - Range</a:t>
+              <a:t>Basics - </a:t>
+            </a:r>
+            <a:r>
+              <a:rPr lang="de-DE" sz="2400" dirty="0" smtClean="0">
+                <a:solidFill>
+                  <a:schemeClr val="bg1">
+                    <a:lumMod val="50000"/>
+                  </a:schemeClr>
+                </a:solidFill>
+                <a:latin typeface="Titillium Regular"/>
+                <a:cs typeface="Titillium Regular"/>
+              </a:rPr>
+              <a:t>Symbol</a:t>
             </a:r>
             <a:endParaRPr lang="de-DE" sz="2200" dirty="0">
               <a:solidFill>
@@ -9749,7 +9345,7 @@
         <p:spPr>
           <a:xfrm>
             <a:off x="251520" y="1131590"/>
-            <a:ext cx="7142540" cy="1528624"/>
+            <a:ext cx="7142540" cy="933589"/>
           </a:xfrm>
           <a:prstGeom prst="rect">
             <a:avLst/>
@@ -9776,39 +9372,7 @@
                 </a:solidFill>
                 <a:latin typeface="Lucida Console" pitchFamily="49" charset="0"/>
               </a:rPr>
-              <a:t>&gt; (1..10) # =&gt; 1, 2, 3, 4, 5, 6, 7, 8, 9, 10</a:t>
-            </a:r>
-          </a:p>
-          <a:p>
-            <a:pPr marL="342900" indent="-342900">
-              <a:spcBef>
-                <a:spcPts val="400"/>
-              </a:spcBef>
-            </a:pPr>
-            <a:r>
-              <a:rPr lang="de-DE" sz="1600" dirty="0" smtClean="0">
-                <a:solidFill>
-                  <a:schemeClr val="bg1"/>
-                </a:solidFill>
-                <a:latin typeface="Lucida Console" pitchFamily="49" charset="0"/>
-              </a:rPr>
-              <a:t>&gt; (1...10) # =&gt; 1, 2, 3, 4, 5, 6, 7, 8, 9</a:t>
-            </a:r>
-          </a:p>
-          <a:p>
-            <a:pPr marL="342900" indent="-342900">
-              <a:spcBef>
-                <a:spcPts val="400"/>
-              </a:spcBef>
-            </a:pPr>
-            <a:r>
-              <a:rPr lang="de-DE" sz="1600" dirty="0" smtClean="0">
-                <a:solidFill>
-                  <a:schemeClr val="bg1"/>
-                </a:solidFill>
-                <a:latin typeface="Lucida Console" pitchFamily="49" charset="0"/>
-              </a:rPr>
-              <a:t>&gt; (‘</a:t>
+              <a:t>&gt; :</a:t>
             </a:r>
             <a:r>
               <a:rPr lang="de-DE" sz="1600" dirty="0" err="1" smtClean="0">
@@ -9817,79 +9381,7 @@
                 </a:solidFill>
                 <a:latin typeface="Lucida Console" pitchFamily="49" charset="0"/>
               </a:rPr>
-              <a:t>a‘..‘z</a:t>
-            </a:r>
-            <a:r>
-              <a:rPr lang="de-DE" sz="1600" dirty="0" smtClean="0">
-                <a:solidFill>
-                  <a:schemeClr val="bg1"/>
-                </a:solidFill>
-                <a:latin typeface="Lucida Console" pitchFamily="49" charset="0"/>
-              </a:rPr>
-              <a:t>‘) # </a:t>
-            </a:r>
-            <a:r>
-              <a:rPr lang="de-DE" sz="1600" dirty="0" err="1" smtClean="0">
-                <a:solidFill>
-                  <a:schemeClr val="bg1"/>
-                </a:solidFill>
-                <a:latin typeface="Lucida Console" pitchFamily="49" charset="0"/>
-              </a:rPr>
-              <a:t>alphabet</a:t>
-            </a:r>
-            <a:r>
-              <a:rPr lang="de-DE" sz="1600" dirty="0" smtClean="0">
-                <a:solidFill>
-                  <a:schemeClr val="bg1"/>
-                </a:solidFill>
-                <a:latin typeface="Lucida Console" pitchFamily="49" charset="0"/>
-              </a:rPr>
-              <a:t> </a:t>
-            </a:r>
-            <a:r>
-              <a:rPr lang="de-DE" sz="1600" dirty="0" err="1" smtClean="0">
-                <a:solidFill>
-                  <a:schemeClr val="bg1"/>
-                </a:solidFill>
-                <a:latin typeface="Lucida Console" pitchFamily="49" charset="0"/>
-              </a:rPr>
-              <a:t>of</a:t>
-            </a:r>
-            <a:r>
-              <a:rPr lang="de-DE" sz="1600" dirty="0" smtClean="0">
-                <a:solidFill>
-                  <a:schemeClr val="bg1"/>
-                </a:solidFill>
-                <a:latin typeface="Lucida Console" pitchFamily="49" charset="0"/>
-              </a:rPr>
-              <a:t> </a:t>
-            </a:r>
-            <a:r>
-              <a:rPr lang="de-DE" sz="1600" dirty="0" err="1" smtClean="0">
-                <a:solidFill>
-                  <a:schemeClr val="bg1"/>
-                </a:solidFill>
-                <a:latin typeface="Lucida Console" pitchFamily="49" charset="0"/>
-              </a:rPr>
-              <a:t>downcased</a:t>
-            </a:r>
-            <a:r>
-              <a:rPr lang="de-DE" sz="1600" dirty="0" smtClean="0">
-                <a:solidFill>
-                  <a:schemeClr val="bg1"/>
-                </a:solidFill>
-                <a:latin typeface="Lucida Console" pitchFamily="49" charset="0"/>
-              </a:rPr>
-              <a:t> </a:t>
-            </a:r>
-            <a:r>
-              <a:rPr lang="de-DE" sz="1600" dirty="0" err="1" smtClean="0">
-                <a:solidFill>
-                  <a:schemeClr val="bg1"/>
-                </a:solidFill>
-                <a:latin typeface="Lucida Console" pitchFamily="49" charset="0"/>
-              </a:rPr>
-              <a:t>characters</a:t>
+              <a:t>symbol</a:t>
             </a:r>
             <a:endParaRPr lang="de-DE" sz="1600" dirty="0" smtClean="0">
               <a:solidFill>
@@ -9911,7 +9403,7 @@
                 </a:solidFill>
                 <a:latin typeface="Lucida Console" pitchFamily="49" charset="0"/>
               </a:rPr>
-              <a:t>&gt; (1..10) === 2.5 # </a:t>
+              <a:t>&gt; “</a:t>
             </a:r>
             <a:r>
               <a:rPr lang="de-DE" sz="1600" dirty="0" err="1" smtClean="0">
@@ -9920,7 +9412,43 @@
                 </a:solidFill>
                 <a:latin typeface="Lucida Console" pitchFamily="49" charset="0"/>
               </a:rPr>
-              <a:t>true</a:t>
+              <a:t>symbol“.object_id</a:t>
+            </a:r>
+            <a:r>
+              <a:rPr lang="de-DE" sz="1600" dirty="0" smtClean="0">
+                <a:solidFill>
+                  <a:schemeClr val="bg1"/>
+                </a:solidFill>
+                <a:latin typeface="Lucida Console" pitchFamily="49" charset="0"/>
+              </a:rPr>
+              <a:t> # </a:t>
+            </a:r>
+            <a:r>
+              <a:rPr lang="de-DE" sz="1600" dirty="0" err="1" smtClean="0">
+                <a:solidFill>
+                  <a:schemeClr val="bg1"/>
+                </a:solidFill>
+                <a:latin typeface="Lucida Console" pitchFamily="49" charset="0"/>
+              </a:rPr>
+              <a:t>some</a:t>
+            </a:r>
+            <a:r>
+              <a:rPr lang="de-DE" sz="1600" dirty="0" smtClean="0">
+                <a:solidFill>
+                  <a:schemeClr val="bg1"/>
+                </a:solidFill>
+                <a:latin typeface="Lucida Console" pitchFamily="49" charset="0"/>
+              </a:rPr>
+              <a:t> variant </a:t>
+            </a:r>
+            <a:r>
+              <a:rPr lang="de-DE" sz="1600" dirty="0" err="1" smtClean="0">
+                <a:solidFill>
+                  <a:schemeClr val="bg1"/>
+                </a:solidFill>
+                <a:latin typeface="Lucida Console" pitchFamily="49" charset="0"/>
+              </a:rPr>
+              <a:t>value</a:t>
             </a:r>
             <a:endParaRPr lang="de-DE" sz="1600" dirty="0" smtClean="0">
               <a:solidFill>
@@ -9942,7 +9470,7 @@
                 </a:solidFill>
                 <a:latin typeface="Lucida Console" pitchFamily="49" charset="0"/>
               </a:rPr>
-              <a:t>&gt; (1..10) === 42 # </a:t>
+              <a:t>&gt; :</a:t>
             </a:r>
             <a:r>
               <a:rPr lang="de-DE" sz="1600" dirty="0" err="1" smtClean="0">
@@ -9951,7 +9479,61 @@
                 </a:solidFill>
                 <a:latin typeface="Lucida Console" pitchFamily="49" charset="0"/>
               </a:rPr>
-              <a:t>false</a:t>
+              <a:t>symbol.object_id</a:t>
+            </a:r>
+            <a:r>
+              <a:rPr lang="de-DE" sz="1600" dirty="0" smtClean="0">
+                <a:solidFill>
+                  <a:schemeClr val="bg1"/>
+                </a:solidFill>
+                <a:latin typeface="Lucida Console" pitchFamily="49" charset="0"/>
+              </a:rPr>
+              <a:t> # </a:t>
+            </a:r>
+            <a:r>
+              <a:rPr lang="de-DE" sz="1600" dirty="0" err="1" smtClean="0">
+                <a:solidFill>
+                  <a:schemeClr val="bg1"/>
+                </a:solidFill>
+                <a:latin typeface="Lucida Console" pitchFamily="49" charset="0"/>
+              </a:rPr>
+              <a:t>some</a:t>
+            </a:r>
+            <a:r>
+              <a:rPr lang="de-DE" sz="1600" dirty="0" smtClean="0">
+                <a:solidFill>
+                  <a:schemeClr val="bg1"/>
+                </a:solidFill>
+                <a:latin typeface="Lucida Console" pitchFamily="49" charset="0"/>
+              </a:rPr>
+              <a:t> </a:t>
+            </a:r>
+            <a:r>
+              <a:rPr lang="de-DE" sz="1600" dirty="0" err="1" smtClean="0">
+                <a:solidFill>
+                  <a:schemeClr val="bg1"/>
+                </a:solidFill>
+                <a:latin typeface="Lucida Console" pitchFamily="49" charset="0"/>
+              </a:rPr>
+              <a:t>constant</a:t>
+            </a:r>
+            <a:r>
+              <a:rPr lang="de-DE" sz="1600" dirty="0" smtClean="0">
+                <a:solidFill>
+                  <a:schemeClr val="bg1"/>
+                </a:solidFill>
+                <a:latin typeface="Lucida Console" pitchFamily="49" charset="0"/>
+              </a:rPr>
+              <a:t> </a:t>
+            </a:r>
+            <a:r>
+              <a:rPr lang="de-DE" sz="1600" dirty="0" err="1" smtClean="0">
+                <a:solidFill>
+                  <a:schemeClr val="bg1"/>
+                </a:solidFill>
+                <a:latin typeface="Lucida Console" pitchFamily="49" charset="0"/>
+              </a:rPr>
+              <a:t>value</a:t>
             </a:r>
             <a:endParaRPr lang="de-DE" sz="1600" dirty="0">
               <a:solidFill>
@@ -9970,7 +9552,7 @@
         </p:nvSpPr>
         <p:spPr>
           <a:xfrm>
-            <a:off x="251520" y="3049478"/>
+            <a:off x="251520" y="2337916"/>
             <a:ext cx="7142540" cy="1025922"/>
           </a:xfrm>
           <a:prstGeom prst="rect">
@@ -9995,13 +9577,13 @@
               <a:rPr lang="de-DE" dirty="0" smtClean="0">
                 <a:latin typeface="Titillium Regular"/>
               </a:rPr>
-              <a:t>Array </a:t>
+              <a:t>Symbols </a:t>
             </a:r>
             <a:r>
               <a:rPr lang="de-DE" dirty="0" err="1" smtClean="0">
                 <a:latin typeface="Titillium Regular"/>
               </a:rPr>
-              <a:t>like</a:t>
+              <a:t>are</a:t>
             </a:r>
             <a:r>
               <a:rPr lang="de-DE" dirty="0" smtClean="0">
@@ -10013,7 +9595,7 @@
               <a:rPr lang="de-DE" dirty="0" err="1" smtClean="0">
                 <a:latin typeface="Titillium Regular"/>
               </a:rPr>
-              <a:t>object</a:t>
+              <a:t>unique</a:t>
             </a:r>
             <a:r>
               <a:rPr lang="de-DE" dirty="0" smtClean="0">
@@ -10037,26 +9619,11 @@
               <a:rPr lang="de-DE" dirty="0" err="1" smtClean="0">
                 <a:latin typeface="Titillium Regular"/>
               </a:rPr>
-              <a:t>define</a:t>
-            </a:r>
-            <a:r>
-              <a:rPr lang="de-DE" dirty="0" smtClean="0">
-                <a:latin typeface="Titillium Regular"/>
-              </a:rPr>
-              <a:t> </a:t>
-            </a:r>
-            <a:r>
-              <a:rPr lang="de-DE" dirty="0" err="1" smtClean="0">
-                <a:latin typeface="Titillium Regular"/>
-              </a:rPr>
-              <a:t>ranges</a:t>
-            </a:r>
-            <a:r>
-              <a:rPr lang="de-DE" dirty="0" smtClean="0">
-                <a:latin typeface="Titillium Regular"/>
-              </a:rPr>
-              <a:t>	</a:t>
-            </a:r>
+              <a:t>ruby</a:t>
+            </a:r>
+            <a:endParaRPr lang="de-DE" dirty="0" smtClean="0">
+              <a:latin typeface="Titillium Regular"/>
+            </a:endParaRPr>
           </a:p>
           <a:p>
             <a:pPr marL="342900" indent="-342900">
@@ -10067,58 +9634,40 @@
               <a:buChar char="•"/>
             </a:pPr>
             <a:r>
+              <a:rPr lang="de-DE" dirty="0" smtClean="0">
+                <a:latin typeface="Titillium Regular"/>
+              </a:rPr>
+              <a:t>Share </a:t>
+            </a:r>
+            <a:r>
               <a:rPr lang="de-DE" dirty="0" err="1" smtClean="0">
                 <a:latin typeface="Titillium Regular"/>
               </a:rPr>
-              <a:t>Example</a:t>
+              <a:t>the</a:t>
             </a:r>
             <a:r>
               <a:rPr lang="de-DE" dirty="0" smtClean="0">
                 <a:latin typeface="Titillium Regular"/>
               </a:rPr>
-              <a:t> </a:t>
+              <a:t> same </a:t>
             </a:r>
             <a:r>
               <a:rPr lang="de-DE" dirty="0" err="1" smtClean="0">
                 <a:latin typeface="Titillium Regular"/>
               </a:rPr>
-              <a:t>of</a:t>
+              <a:t>address</a:t>
             </a:r>
             <a:r>
               <a:rPr lang="de-DE" dirty="0" smtClean="0">
                 <a:latin typeface="Titillium Regular"/>
               </a:rPr>
-              <a:t> </a:t>
+              <a:t> in </a:t>
             </a:r>
             <a:r>
               <a:rPr lang="de-DE" dirty="0" err="1" smtClean="0">
                 <a:latin typeface="Titillium Regular"/>
               </a:rPr>
-              <a:t>beautiful</a:t>
-            </a:r>
-            <a:r>
-              <a:rPr lang="de-DE" dirty="0" smtClean="0">
-                <a:latin typeface="Titillium Regular"/>
-              </a:rPr>
-              <a:t> </a:t>
-            </a:r>
-            <a:r>
-              <a:rPr lang="de-DE" dirty="0" err="1" smtClean="0">
-                <a:latin typeface="Titillium Regular"/>
-              </a:rPr>
-              <a:t>ruby</a:t>
-            </a:r>
-            <a:r>
-              <a:rPr lang="de-DE" dirty="0" smtClean="0">
-                <a:latin typeface="Titillium Regular"/>
-              </a:rPr>
-              <a:t> </a:t>
-            </a:r>
-            <a:r>
-              <a:rPr lang="de-DE" dirty="0" err="1" smtClean="0">
-                <a:latin typeface="Titillium Regular"/>
-              </a:rPr>
-              <a:t>syntax</a:t>
+              <a:t>memory</a:t>
             </a:r>
             <a:endParaRPr lang="de-DE" dirty="0" smtClean="0">
               <a:latin typeface="Titillium Regular"/>
@@ -10132,6 +9681,72 @@
               <a:buFont typeface="Arial" charset="0"/>
               <a:buChar char="•"/>
             </a:pPr>
+            <a:r>
+              <a:rPr lang="de-DE" dirty="0" err="1" smtClean="0">
+                <a:latin typeface="Titillium Regular"/>
+              </a:rPr>
+              <a:t>Good</a:t>
+            </a:r>
+            <a:r>
+              <a:rPr lang="de-DE" dirty="0" smtClean="0">
+                <a:latin typeface="Titillium Regular"/>
+              </a:rPr>
+              <a:t> </a:t>
+            </a:r>
+            <a:r>
+              <a:rPr lang="de-DE" dirty="0" err="1" smtClean="0">
+                <a:latin typeface="Titillium Regular"/>
+              </a:rPr>
+              <a:t>for</a:t>
+            </a:r>
+            <a:r>
+              <a:rPr lang="de-DE" dirty="0" smtClean="0">
+                <a:latin typeface="Titillium Regular"/>
+              </a:rPr>
+              <a:t> „</a:t>
+            </a:r>
+            <a:r>
+              <a:rPr lang="de-DE" dirty="0" err="1" smtClean="0">
+                <a:latin typeface="Titillium Regular"/>
+              </a:rPr>
+              <a:t>instance-less</a:t>
+            </a:r>
+            <a:r>
+              <a:rPr lang="de-DE" dirty="0" smtClean="0">
+                <a:latin typeface="Titillium Regular"/>
+              </a:rPr>
+              <a:t>“ </a:t>
+            </a:r>
+            <a:r>
+              <a:rPr lang="de-DE" dirty="0" err="1" smtClean="0">
+                <a:latin typeface="Titillium Regular"/>
+              </a:rPr>
+              <a:t>comparison</a:t>
+            </a:r>
+            <a:r>
+              <a:rPr lang="de-DE" dirty="0" smtClean="0">
+                <a:latin typeface="Titillium Regular"/>
+              </a:rPr>
+              <a:t> </a:t>
+            </a:r>
+            <a:r>
+              <a:rPr lang="de-DE" dirty="0" err="1" smtClean="0">
+                <a:latin typeface="Titillium Regular"/>
+              </a:rPr>
+              <a:t>or</a:t>
+            </a:r>
+            <a:r>
+              <a:rPr lang="de-DE" dirty="0" smtClean="0">
+                <a:latin typeface="Titillium Regular"/>
+              </a:rPr>
+              <a:t> </a:t>
+            </a:r>
+            <a:r>
+              <a:rPr lang="de-DE" dirty="0" err="1" smtClean="0">
+                <a:latin typeface="Titillium Regular"/>
+              </a:rPr>
+              <a:t>keys</a:t>
+            </a:r>
             <a:endParaRPr lang="de-DE" dirty="0">
               <a:latin typeface="Titillium Regular"/>
             </a:endParaRPr>
